--- a/PRESENTACION DE EVALUACION.pptx
+++ b/PRESENTACION DE EVALUACION.pptx
@@ -2,7 +2,7 @@
 <file path=ppt/presentation.xml><?xml version="1.0" encoding="utf-8"?>
 <p:presentation xmlns:a="http://schemas.openxmlformats.org/drawingml/2006/main" xmlns:r="http://schemas.openxmlformats.org/officeDocument/2006/relationships" xmlns:p="http://schemas.openxmlformats.org/presentationml/2006/main" saveSubsetFonts="1">
   <p:sldMasterIdLst>
-    <p:sldMasterId id="2147483795" r:id="rId1"/>
+    <p:sldMasterId id="2147483831" r:id="rId1"/>
   </p:sldMasterIdLst>
   <p:sldIdLst>
     <p:sldId id="256" r:id="rId2"/>
@@ -10,9 +10,13 @@
     <p:sldId id="258" r:id="rId4"/>
     <p:sldId id="259" r:id="rId5"/>
     <p:sldId id="260" r:id="rId6"/>
-    <p:sldId id="261" r:id="rId7"/>
-    <p:sldId id="263" r:id="rId8"/>
-    <p:sldId id="262" r:id="rId9"/>
+    <p:sldId id="264" r:id="rId7"/>
+    <p:sldId id="261" r:id="rId8"/>
+    <p:sldId id="263" r:id="rId9"/>
+    <p:sldId id="265" r:id="rId10"/>
+    <p:sldId id="266" r:id="rId11"/>
+    <p:sldId id="267" r:id="rId12"/>
+    <p:sldId id="262" r:id="rId13"/>
   </p:sldIdLst>
   <p:sldSz cx="12192000" cy="6858000"/>
   <p:notesSz cx="6858000" cy="9144000"/>
@@ -119,6 +123,417 @@
 </p:presentation>
 </file>
 
+<file path=ppt/revisionInfo.xml><?xml version="1.0" encoding="utf-8"?>
+<p1510:revInfo xmlns:a="http://schemas.openxmlformats.org/drawingml/2006/main" xmlns:r="http://schemas.openxmlformats.org/officeDocument/2006/relationships" xmlns:p1510="http://schemas.microsoft.com/office/powerpoint/2015/10/main">
+  <p1510:revLst>
+    <p1510:client id="{CAF36866-68D6-4090-9AAE-287265D6B75E}" v="11" dt="2021-06-29T16:18:44.028"/>
+  </p1510:revLst>
+</p1510:revInfo>
+</file>
+
+<file path=ppt/changesInfos/changesInfo1.xml><?xml version="1.0" encoding="utf-8"?>
+<pc:chgInfo xmlns:a="http://schemas.openxmlformats.org/drawingml/2006/main" xmlns:r="http://schemas.openxmlformats.org/officeDocument/2006/relationships" xmlns:ac="http://schemas.microsoft.com/office/drawing/2013/main/command" xmlns:pc="http://schemas.microsoft.com/office/powerpoint/2013/main/command">
+  <pc:docChgLst>
+    <pc:chgData name="Cristopher Barrales Paillacar" userId="1284fd77-5bc0-4534-ba41-fab698e34712" providerId="ADAL" clId="{CAF36866-68D6-4090-9AAE-287265D6B75E}"/>
+    <pc:docChg chg="undo custSel addSld delSld modSld">
+      <pc:chgData name="Cristopher Barrales Paillacar" userId="1284fd77-5bc0-4534-ba41-fab698e34712" providerId="ADAL" clId="{CAF36866-68D6-4090-9AAE-287265D6B75E}" dt="2021-06-29T16:30:08.564" v="2208" actId="20577"/>
+      <pc:docMkLst>
+        <pc:docMk/>
+      </pc:docMkLst>
+      <pc:sldChg chg="addSp modSp mod setBg">
+        <pc:chgData name="Cristopher Barrales Paillacar" userId="1284fd77-5bc0-4534-ba41-fab698e34712" providerId="ADAL" clId="{CAF36866-68D6-4090-9AAE-287265D6B75E}" dt="2021-06-29T16:13:58.656" v="1004" actId="26606"/>
+        <pc:sldMkLst>
+          <pc:docMk/>
+          <pc:sldMk cId="2098901730" sldId="258"/>
+        </pc:sldMkLst>
+        <pc:spChg chg="mod">
+          <ac:chgData name="Cristopher Barrales Paillacar" userId="1284fd77-5bc0-4534-ba41-fab698e34712" providerId="ADAL" clId="{CAF36866-68D6-4090-9AAE-287265D6B75E}" dt="2021-06-29T16:13:58.656" v="1004" actId="26606"/>
+          <ac:spMkLst>
+            <pc:docMk/>
+            <pc:sldMk cId="2098901730" sldId="258"/>
+            <ac:spMk id="4" creationId="{01988C50-F7B1-4116-B5DD-F96A3E04AE8B}"/>
+          </ac:spMkLst>
+        </pc:spChg>
+        <pc:spChg chg="add">
+          <ac:chgData name="Cristopher Barrales Paillacar" userId="1284fd77-5bc0-4534-ba41-fab698e34712" providerId="ADAL" clId="{CAF36866-68D6-4090-9AAE-287265D6B75E}" dt="2021-06-29T16:13:58.656" v="1004" actId="26606"/>
+          <ac:spMkLst>
+            <pc:docMk/>
+            <pc:sldMk cId="2098901730" sldId="258"/>
+            <ac:spMk id="11" creationId="{50B488F5-9CE4-4346-B22F-600286ED4D8F}"/>
+          </ac:spMkLst>
+        </pc:spChg>
+        <pc:spChg chg="add">
+          <ac:chgData name="Cristopher Barrales Paillacar" userId="1284fd77-5bc0-4534-ba41-fab698e34712" providerId="ADAL" clId="{CAF36866-68D6-4090-9AAE-287265D6B75E}" dt="2021-06-29T16:13:58.656" v="1004" actId="26606"/>
+          <ac:spMkLst>
+            <pc:docMk/>
+            <pc:sldMk cId="2098901730" sldId="258"/>
+            <ac:spMk id="17" creationId="{B374BF5C-C264-47AF-9C49-1875F88B92C9}"/>
+          </ac:spMkLst>
+        </pc:spChg>
+        <pc:spChg chg="add">
+          <ac:chgData name="Cristopher Barrales Paillacar" userId="1284fd77-5bc0-4534-ba41-fab698e34712" providerId="ADAL" clId="{CAF36866-68D6-4090-9AAE-287265D6B75E}" dt="2021-06-29T16:13:58.656" v="1004" actId="26606"/>
+          <ac:spMkLst>
+            <pc:docMk/>
+            <pc:sldMk cId="2098901730" sldId="258"/>
+            <ac:spMk id="19" creationId="{EA9A5156-A214-495D-9493-B85A2B08F1E7}"/>
+          </ac:spMkLst>
+        </pc:spChg>
+        <pc:spChg chg="add">
+          <ac:chgData name="Cristopher Barrales Paillacar" userId="1284fd77-5bc0-4534-ba41-fab698e34712" providerId="ADAL" clId="{CAF36866-68D6-4090-9AAE-287265D6B75E}" dt="2021-06-29T16:13:58.656" v="1004" actId="26606"/>
+          <ac:spMkLst>
+            <pc:docMk/>
+            <pc:sldMk cId="2098901730" sldId="258"/>
+            <ac:spMk id="27" creationId="{F07A6A06-44A6-41CD-B49D-7FAFA5119B02}"/>
+          </ac:spMkLst>
+        </pc:spChg>
+        <pc:grpChg chg="add">
+          <ac:chgData name="Cristopher Barrales Paillacar" userId="1284fd77-5bc0-4534-ba41-fab698e34712" providerId="ADAL" clId="{CAF36866-68D6-4090-9AAE-287265D6B75E}" dt="2021-06-29T16:13:58.656" v="1004" actId="26606"/>
+          <ac:grpSpMkLst>
+            <pc:docMk/>
+            <pc:sldMk cId="2098901730" sldId="258"/>
+            <ac:grpSpMk id="23" creationId="{B26DC251-CF3C-487C-93C0-74344C2700C0}"/>
+          </ac:grpSpMkLst>
+        </pc:grpChg>
+        <pc:picChg chg="add mod">
+          <ac:chgData name="Cristopher Barrales Paillacar" userId="1284fd77-5bc0-4534-ba41-fab698e34712" providerId="ADAL" clId="{CAF36866-68D6-4090-9AAE-287265D6B75E}" dt="2021-06-29T16:13:58.656" v="1004" actId="26606"/>
+          <ac:picMkLst>
+            <pc:docMk/>
+            <pc:sldMk cId="2098901730" sldId="258"/>
+            <ac:picMk id="3" creationId="{2490CB5B-A82E-482B-B4E5-9E717476E572}"/>
+          </ac:picMkLst>
+        </pc:picChg>
+        <pc:picChg chg="add">
+          <ac:chgData name="Cristopher Barrales Paillacar" userId="1284fd77-5bc0-4534-ba41-fab698e34712" providerId="ADAL" clId="{CAF36866-68D6-4090-9AAE-287265D6B75E}" dt="2021-06-29T16:13:58.656" v="1004" actId="26606"/>
+          <ac:picMkLst>
+            <pc:docMk/>
+            <pc:sldMk cId="2098901730" sldId="258"/>
+            <ac:picMk id="9" creationId="{CB1DE69F-569C-4A49-8E50-4093C135AECF}"/>
+          </ac:picMkLst>
+        </pc:picChg>
+        <pc:picChg chg="add">
+          <ac:chgData name="Cristopher Barrales Paillacar" userId="1284fd77-5bc0-4534-ba41-fab698e34712" providerId="ADAL" clId="{CAF36866-68D6-4090-9AAE-287265D6B75E}" dt="2021-06-29T16:13:58.656" v="1004" actId="26606"/>
+          <ac:picMkLst>
+            <pc:docMk/>
+            <pc:sldMk cId="2098901730" sldId="258"/>
+            <ac:picMk id="15" creationId="{16176A8D-754E-4699-9AAC-A833466A201A}"/>
+          </ac:picMkLst>
+        </pc:picChg>
+        <pc:picChg chg="add">
+          <ac:chgData name="Cristopher Barrales Paillacar" userId="1284fd77-5bc0-4534-ba41-fab698e34712" providerId="ADAL" clId="{CAF36866-68D6-4090-9AAE-287265D6B75E}" dt="2021-06-29T16:13:58.656" v="1004" actId="26606"/>
+          <ac:picMkLst>
+            <pc:docMk/>
+            <pc:sldMk cId="2098901730" sldId="258"/>
+            <ac:picMk id="21" creationId="{14043B93-31EA-42C9-A52B-7B10135FCB7F}"/>
+          </ac:picMkLst>
+        </pc:picChg>
+        <pc:picChg chg="add">
+          <ac:chgData name="Cristopher Barrales Paillacar" userId="1284fd77-5bc0-4534-ba41-fab698e34712" providerId="ADAL" clId="{CAF36866-68D6-4090-9AAE-287265D6B75E}" dt="2021-06-29T16:13:58.656" v="1004" actId="26606"/>
+          <ac:picMkLst>
+            <pc:docMk/>
+            <pc:sldMk cId="2098901730" sldId="258"/>
+            <ac:picMk id="29" creationId="{374CBFC4-E02A-4F3E-AB09-DAD63A764C16}"/>
+          </ac:picMkLst>
+        </pc:picChg>
+        <pc:cxnChg chg="add">
+          <ac:chgData name="Cristopher Barrales Paillacar" userId="1284fd77-5bc0-4534-ba41-fab698e34712" providerId="ADAL" clId="{CAF36866-68D6-4090-9AAE-287265D6B75E}" dt="2021-06-29T16:13:58.656" v="1004" actId="26606"/>
+          <ac:cxnSpMkLst>
+            <pc:docMk/>
+            <pc:sldMk cId="2098901730" sldId="258"/>
+            <ac:cxnSpMk id="13" creationId="{5F76596F-57DF-4A0C-96D9-046DC3B30E9F}"/>
+          </ac:cxnSpMkLst>
+        </pc:cxnChg>
+        <pc:cxnChg chg="add">
+          <ac:chgData name="Cristopher Barrales Paillacar" userId="1284fd77-5bc0-4534-ba41-fab698e34712" providerId="ADAL" clId="{CAF36866-68D6-4090-9AAE-287265D6B75E}" dt="2021-06-29T16:13:58.656" v="1004" actId="26606"/>
+          <ac:cxnSpMkLst>
+            <pc:docMk/>
+            <pc:sldMk cId="2098901730" sldId="258"/>
+            <ac:cxnSpMk id="31" creationId="{170F181A-95DA-4251-AC11-0C9302264E66}"/>
+          </ac:cxnSpMkLst>
+        </pc:cxnChg>
+      </pc:sldChg>
+      <pc:sldChg chg="modSp mod">
+        <pc:chgData name="Cristopher Barrales Paillacar" userId="1284fd77-5bc0-4534-ba41-fab698e34712" providerId="ADAL" clId="{CAF36866-68D6-4090-9AAE-287265D6B75E}" dt="2021-06-29T16:02:05.359" v="734" actId="12385"/>
+        <pc:sldMkLst>
+          <pc:docMk/>
+          <pc:sldMk cId="2082996122" sldId="259"/>
+        </pc:sldMkLst>
+        <pc:graphicFrameChg chg="modGraphic">
+          <ac:chgData name="Cristopher Barrales Paillacar" userId="1284fd77-5bc0-4534-ba41-fab698e34712" providerId="ADAL" clId="{CAF36866-68D6-4090-9AAE-287265D6B75E}" dt="2021-06-29T16:02:05.359" v="734" actId="12385"/>
+          <ac:graphicFrameMkLst>
+            <pc:docMk/>
+            <pc:sldMk cId="2082996122" sldId="259"/>
+            <ac:graphicFrameMk id="8" creationId="{41401028-E729-41F1-8078-1C843C40877B}"/>
+          </ac:graphicFrameMkLst>
+        </pc:graphicFrameChg>
+      </pc:sldChg>
+      <pc:sldChg chg="addSp delSp modSp mod">
+        <pc:chgData name="Cristopher Barrales Paillacar" userId="1284fd77-5bc0-4534-ba41-fab698e34712" providerId="ADAL" clId="{CAF36866-68D6-4090-9AAE-287265D6B75E}" dt="2021-06-29T16:02:16.649" v="736" actId="12385"/>
+        <pc:sldMkLst>
+          <pc:docMk/>
+          <pc:sldMk cId="2198463526" sldId="260"/>
+        </pc:sldMkLst>
+        <pc:spChg chg="add del mod">
+          <ac:chgData name="Cristopher Barrales Paillacar" userId="1284fd77-5bc0-4534-ba41-fab698e34712" providerId="ADAL" clId="{CAF36866-68D6-4090-9AAE-287265D6B75E}" dt="2021-06-29T15:56:40.144" v="292" actId="478"/>
+          <ac:spMkLst>
+            <pc:docMk/>
+            <pc:sldMk cId="2198463526" sldId="260"/>
+            <ac:spMk id="6" creationId="{AD7667ED-3AE6-41A7-B252-6A65EBB51DC9}"/>
+          </ac:spMkLst>
+        </pc:spChg>
+        <pc:graphicFrameChg chg="mod modGraphic">
+          <ac:chgData name="Cristopher Barrales Paillacar" userId="1284fd77-5bc0-4534-ba41-fab698e34712" providerId="ADAL" clId="{CAF36866-68D6-4090-9AAE-287265D6B75E}" dt="2021-06-29T16:02:16.649" v="736" actId="12385"/>
+          <ac:graphicFrameMkLst>
+            <pc:docMk/>
+            <pc:sldMk cId="2198463526" sldId="260"/>
+            <ac:graphicFrameMk id="5" creationId="{FF51E475-6EE1-4FB6-BE2A-60F2559432E6}"/>
+          </ac:graphicFrameMkLst>
+        </pc:graphicFrameChg>
+      </pc:sldChg>
+      <pc:sldChg chg="modSp mod">
+        <pc:chgData name="Cristopher Barrales Paillacar" userId="1284fd77-5bc0-4534-ba41-fab698e34712" providerId="ADAL" clId="{CAF36866-68D6-4090-9AAE-287265D6B75E}" dt="2021-06-29T16:08:50.341" v="996" actId="1076"/>
+        <pc:sldMkLst>
+          <pc:docMk/>
+          <pc:sldMk cId="4123751431" sldId="261"/>
+        </pc:sldMkLst>
+        <pc:spChg chg="mod">
+          <ac:chgData name="Cristopher Barrales Paillacar" userId="1284fd77-5bc0-4534-ba41-fab698e34712" providerId="ADAL" clId="{CAF36866-68D6-4090-9AAE-287265D6B75E}" dt="2021-06-29T16:07:24.377" v="938" actId="14100"/>
+          <ac:spMkLst>
+            <pc:docMk/>
+            <pc:sldMk cId="4123751431" sldId="261"/>
+            <ac:spMk id="4" creationId="{01988C50-F7B1-4116-B5DD-F96A3E04AE8B}"/>
+          </ac:spMkLst>
+        </pc:spChg>
+        <pc:graphicFrameChg chg="mod modGraphic">
+          <ac:chgData name="Cristopher Barrales Paillacar" userId="1284fd77-5bc0-4534-ba41-fab698e34712" providerId="ADAL" clId="{CAF36866-68D6-4090-9AAE-287265D6B75E}" dt="2021-06-29T16:08:50.341" v="996" actId="1076"/>
+          <ac:graphicFrameMkLst>
+            <pc:docMk/>
+            <pc:sldMk cId="4123751431" sldId="261"/>
+            <ac:graphicFrameMk id="8" creationId="{1A0CC7F8-7C7B-4DC0-8E20-24D6C4E395FB}"/>
+          </ac:graphicFrameMkLst>
+        </pc:graphicFrameChg>
+      </pc:sldChg>
+      <pc:sldChg chg="modSp mod">
+        <pc:chgData name="Cristopher Barrales Paillacar" userId="1284fd77-5bc0-4534-ba41-fab698e34712" providerId="ADAL" clId="{CAF36866-68D6-4090-9AAE-287265D6B75E}" dt="2021-06-29T16:30:08.564" v="2208" actId="20577"/>
+        <pc:sldMkLst>
+          <pc:docMk/>
+          <pc:sldMk cId="1069133993" sldId="262"/>
+        </pc:sldMkLst>
+        <pc:spChg chg="mod">
+          <ac:chgData name="Cristopher Barrales Paillacar" userId="1284fd77-5bc0-4534-ba41-fab698e34712" providerId="ADAL" clId="{CAF36866-68D6-4090-9AAE-287265D6B75E}" dt="2021-06-29T16:30:08.564" v="2208" actId="20577"/>
+          <ac:spMkLst>
+            <pc:docMk/>
+            <pc:sldMk cId="1069133993" sldId="262"/>
+            <ac:spMk id="6" creationId="{8A557C88-971A-4E32-B55A-23220106EA39}"/>
+          </ac:spMkLst>
+        </pc:spChg>
+      </pc:sldChg>
+      <pc:sldChg chg="addSp delSp modSp mod">
+        <pc:chgData name="Cristopher Barrales Paillacar" userId="1284fd77-5bc0-4534-ba41-fab698e34712" providerId="ADAL" clId="{CAF36866-68D6-4090-9AAE-287265D6B75E}" dt="2021-06-29T16:19:04.163" v="1023" actId="1076"/>
+        <pc:sldMkLst>
+          <pc:docMk/>
+          <pc:sldMk cId="3472959167" sldId="263"/>
+        </pc:sldMkLst>
+        <pc:grpChg chg="add mod">
+          <ac:chgData name="Cristopher Barrales Paillacar" userId="1284fd77-5bc0-4534-ba41-fab698e34712" providerId="ADAL" clId="{CAF36866-68D6-4090-9AAE-287265D6B75E}" dt="2021-06-29T16:19:02.731" v="1022" actId="1076"/>
+          <ac:grpSpMkLst>
+            <pc:docMk/>
+            <pc:sldMk cId="3472959167" sldId="263"/>
+            <ac:grpSpMk id="11" creationId="{E384C878-6521-4501-B2C4-3CD24B7F855C}"/>
+          </ac:grpSpMkLst>
+        </pc:grpChg>
+        <pc:picChg chg="add del">
+          <ac:chgData name="Cristopher Barrales Paillacar" userId="1284fd77-5bc0-4534-ba41-fab698e34712" providerId="ADAL" clId="{CAF36866-68D6-4090-9AAE-287265D6B75E}" dt="2021-06-29T16:13:49.356" v="998" actId="22"/>
+          <ac:picMkLst>
+            <pc:docMk/>
+            <pc:sldMk cId="3472959167" sldId="263"/>
+            <ac:picMk id="3" creationId="{822157D0-B351-41CE-BFC3-834564101FFB}"/>
+          </ac:picMkLst>
+        </pc:picChg>
+        <pc:picChg chg="add mod">
+          <ac:chgData name="Cristopher Barrales Paillacar" userId="1284fd77-5bc0-4534-ba41-fab698e34712" providerId="ADAL" clId="{CAF36866-68D6-4090-9AAE-287265D6B75E}" dt="2021-06-29T16:19:04.163" v="1023" actId="1076"/>
+          <ac:picMkLst>
+            <pc:docMk/>
+            <pc:sldMk cId="3472959167" sldId="263"/>
+            <ac:picMk id="6" creationId="{89BCBCD4-826A-43EA-BF0C-431FF5B8D5B4}"/>
+          </ac:picMkLst>
+        </pc:picChg>
+        <pc:picChg chg="add mod">
+          <ac:chgData name="Cristopher Barrales Paillacar" userId="1284fd77-5bc0-4534-ba41-fab698e34712" providerId="ADAL" clId="{CAF36866-68D6-4090-9AAE-287265D6B75E}" dt="2021-06-29T16:18:44.028" v="1014" actId="164"/>
+          <ac:picMkLst>
+            <pc:docMk/>
+            <pc:sldMk cId="3472959167" sldId="263"/>
+            <ac:picMk id="8" creationId="{01B4087A-6345-463D-B2AF-B0E9DA4B7FF6}"/>
+          </ac:picMkLst>
+        </pc:picChg>
+        <pc:picChg chg="add mod">
+          <ac:chgData name="Cristopher Barrales Paillacar" userId="1284fd77-5bc0-4534-ba41-fab698e34712" providerId="ADAL" clId="{CAF36866-68D6-4090-9AAE-287265D6B75E}" dt="2021-06-29T16:18:44.028" v="1014" actId="164"/>
+          <ac:picMkLst>
+            <pc:docMk/>
+            <pc:sldMk cId="3472959167" sldId="263"/>
+            <ac:picMk id="10" creationId="{E69B13A0-6991-401E-B896-A1D0B7DE96A3}"/>
+          </ac:picMkLst>
+        </pc:picChg>
+      </pc:sldChg>
+      <pc:sldChg chg="addSp delSp modSp add mod">
+        <pc:chgData name="Cristopher Barrales Paillacar" userId="1284fd77-5bc0-4534-ba41-fab698e34712" providerId="ADAL" clId="{CAF36866-68D6-4090-9AAE-287265D6B75E}" dt="2021-06-29T16:06:05.297" v="824" actId="14734"/>
+        <pc:sldMkLst>
+          <pc:docMk/>
+          <pc:sldMk cId="4155080361" sldId="264"/>
+        </pc:sldMkLst>
+        <pc:spChg chg="add del mod">
+          <ac:chgData name="Cristopher Barrales Paillacar" userId="1284fd77-5bc0-4534-ba41-fab698e34712" providerId="ADAL" clId="{CAF36866-68D6-4090-9AAE-287265D6B75E}" dt="2021-06-29T15:56:00.286" v="290" actId="478"/>
+          <ac:spMkLst>
+            <pc:docMk/>
+            <pc:sldMk cId="4155080361" sldId="264"/>
+            <ac:spMk id="3" creationId="{F5B28595-8008-4B5A-972F-0ECC5755C06E}"/>
+          </ac:spMkLst>
+        </pc:spChg>
+        <pc:spChg chg="add del mod">
+          <ac:chgData name="Cristopher Barrales Paillacar" userId="1284fd77-5bc0-4534-ba41-fab698e34712" providerId="ADAL" clId="{CAF36866-68D6-4090-9AAE-287265D6B75E}" dt="2021-06-29T15:55:37.113" v="278" actId="478"/>
+          <ac:spMkLst>
+            <pc:docMk/>
+            <pc:sldMk cId="4155080361" sldId="264"/>
+            <ac:spMk id="6" creationId="{8EA34BFA-CB55-4E10-BEE1-1D5B06C33D6A}"/>
+          </ac:spMkLst>
+        </pc:spChg>
+        <pc:graphicFrameChg chg="add del mod modGraphic">
+          <ac:chgData name="Cristopher Barrales Paillacar" userId="1284fd77-5bc0-4534-ba41-fab698e34712" providerId="ADAL" clId="{CAF36866-68D6-4090-9AAE-287265D6B75E}" dt="2021-06-29T16:06:05.297" v="824" actId="14734"/>
+          <ac:graphicFrameMkLst>
+            <pc:docMk/>
+            <pc:sldMk cId="4155080361" sldId="264"/>
+            <ac:graphicFrameMk id="5" creationId="{FF51E475-6EE1-4FB6-BE2A-60F2559432E6}"/>
+          </ac:graphicFrameMkLst>
+        </pc:graphicFrameChg>
+      </pc:sldChg>
+      <pc:sldChg chg="modSp add del mod">
+        <pc:chgData name="Cristopher Barrales Paillacar" userId="1284fd77-5bc0-4534-ba41-fab698e34712" providerId="ADAL" clId="{CAF36866-68D6-4090-9AAE-287265D6B75E}" dt="2021-06-29T16:19:40.714" v="1028" actId="47"/>
+        <pc:sldMkLst>
+          <pc:docMk/>
+          <pc:sldMk cId="750602546" sldId="265"/>
+        </pc:sldMkLst>
+        <pc:grpChg chg="mod">
+          <ac:chgData name="Cristopher Barrales Paillacar" userId="1284fd77-5bc0-4534-ba41-fab698e34712" providerId="ADAL" clId="{CAF36866-68D6-4090-9AAE-287265D6B75E}" dt="2021-06-29T16:19:08.392" v="1026" actId="1076"/>
+          <ac:grpSpMkLst>
+            <pc:docMk/>
+            <pc:sldMk cId="750602546" sldId="265"/>
+            <ac:grpSpMk id="11" creationId="{E384C878-6521-4501-B2C4-3CD24B7F855C}"/>
+          </ac:grpSpMkLst>
+        </pc:grpChg>
+        <pc:picChg chg="mod">
+          <ac:chgData name="Cristopher Barrales Paillacar" userId="1284fd77-5bc0-4534-ba41-fab698e34712" providerId="ADAL" clId="{CAF36866-68D6-4090-9AAE-287265D6B75E}" dt="2021-06-29T16:19:09.010" v="1027" actId="1076"/>
+          <ac:picMkLst>
+            <pc:docMk/>
+            <pc:sldMk cId="750602546" sldId="265"/>
+            <ac:picMk id="6" creationId="{89BCBCD4-826A-43EA-BF0C-431FF5B8D5B4}"/>
+          </ac:picMkLst>
+        </pc:picChg>
+      </pc:sldChg>
+      <pc:sldChg chg="addSp delSp modSp add mod">
+        <pc:chgData name="Cristopher Barrales Paillacar" userId="1284fd77-5bc0-4534-ba41-fab698e34712" providerId="ADAL" clId="{CAF36866-68D6-4090-9AAE-287265D6B75E}" dt="2021-06-29T16:20:39.453" v="1048" actId="1076"/>
+        <pc:sldMkLst>
+          <pc:docMk/>
+          <pc:sldMk cId="3104138803" sldId="265"/>
+        </pc:sldMkLst>
+        <pc:grpChg chg="del">
+          <ac:chgData name="Cristopher Barrales Paillacar" userId="1284fd77-5bc0-4534-ba41-fab698e34712" providerId="ADAL" clId="{CAF36866-68D6-4090-9AAE-287265D6B75E}" dt="2021-06-29T16:20:30.638" v="1044" actId="478"/>
+          <ac:grpSpMkLst>
+            <pc:docMk/>
+            <pc:sldMk cId="3104138803" sldId="265"/>
+            <ac:grpSpMk id="11" creationId="{E384C878-6521-4501-B2C4-3CD24B7F855C}"/>
+          </ac:grpSpMkLst>
+        </pc:grpChg>
+        <pc:picChg chg="add mod">
+          <ac:chgData name="Cristopher Barrales Paillacar" userId="1284fd77-5bc0-4534-ba41-fab698e34712" providerId="ADAL" clId="{CAF36866-68D6-4090-9AAE-287265D6B75E}" dt="2021-06-29T16:20:07.842" v="1043" actId="14100"/>
+          <ac:picMkLst>
+            <pc:docMk/>
+            <pc:sldMk cId="3104138803" sldId="265"/>
+            <ac:picMk id="3" creationId="{CC3775CF-F44D-4081-884E-EAD574DDD0DA}"/>
+          </ac:picMkLst>
+        </pc:picChg>
+        <pc:picChg chg="del">
+          <ac:chgData name="Cristopher Barrales Paillacar" userId="1284fd77-5bc0-4534-ba41-fab698e34712" providerId="ADAL" clId="{CAF36866-68D6-4090-9AAE-287265D6B75E}" dt="2021-06-29T16:19:54.552" v="1035" actId="478"/>
+          <ac:picMkLst>
+            <pc:docMk/>
+            <pc:sldMk cId="3104138803" sldId="265"/>
+            <ac:picMk id="6" creationId="{89BCBCD4-826A-43EA-BF0C-431FF5B8D5B4}"/>
+          </ac:picMkLst>
+        </pc:picChg>
+        <pc:picChg chg="add mod">
+          <ac:chgData name="Cristopher Barrales Paillacar" userId="1284fd77-5bc0-4534-ba41-fab698e34712" providerId="ADAL" clId="{CAF36866-68D6-4090-9AAE-287265D6B75E}" dt="2021-06-29T16:20:39.453" v="1048" actId="1076"/>
+          <ac:picMkLst>
+            <pc:docMk/>
+            <pc:sldMk cId="3104138803" sldId="265"/>
+            <ac:picMk id="7" creationId="{B8D9C34E-E314-48CB-A4CF-22A3FE18A0F3}"/>
+          </ac:picMkLst>
+        </pc:picChg>
+        <pc:picChg chg="del topLvl">
+          <ac:chgData name="Cristopher Barrales Paillacar" userId="1284fd77-5bc0-4534-ba41-fab698e34712" providerId="ADAL" clId="{CAF36866-68D6-4090-9AAE-287265D6B75E}" dt="2021-06-29T16:20:32.389" v="1045" actId="478"/>
+          <ac:picMkLst>
+            <pc:docMk/>
+            <pc:sldMk cId="3104138803" sldId="265"/>
+            <ac:picMk id="8" creationId="{01B4087A-6345-463D-B2AF-B0E9DA4B7FF6}"/>
+          </ac:picMkLst>
+        </pc:picChg>
+        <pc:picChg chg="del topLvl">
+          <ac:chgData name="Cristopher Barrales Paillacar" userId="1284fd77-5bc0-4534-ba41-fab698e34712" providerId="ADAL" clId="{CAF36866-68D6-4090-9AAE-287265D6B75E}" dt="2021-06-29T16:20:30.638" v="1044" actId="478"/>
+          <ac:picMkLst>
+            <pc:docMk/>
+            <pc:sldMk cId="3104138803" sldId="265"/>
+            <ac:picMk id="10" creationId="{E69B13A0-6991-401E-B896-A1D0B7DE96A3}"/>
+          </ac:picMkLst>
+        </pc:picChg>
+      </pc:sldChg>
+      <pc:sldChg chg="add">
+        <pc:chgData name="Cristopher Barrales Paillacar" userId="1284fd77-5bc0-4534-ba41-fab698e34712" providerId="ADAL" clId="{CAF36866-68D6-4090-9AAE-287265D6B75E}" dt="2021-06-29T16:20:42.628" v="1049" actId="2890"/>
+        <pc:sldMkLst>
+          <pc:docMk/>
+          <pc:sldMk cId="627673017" sldId="266"/>
+        </pc:sldMkLst>
+      </pc:sldChg>
+      <pc:sldChg chg="addSp delSp modSp add mod">
+        <pc:chgData name="Cristopher Barrales Paillacar" userId="1284fd77-5bc0-4534-ba41-fab698e34712" providerId="ADAL" clId="{CAF36866-68D6-4090-9AAE-287265D6B75E}" dt="2021-06-29T16:22:59.644" v="1064" actId="14100"/>
+        <pc:sldMkLst>
+          <pc:docMk/>
+          <pc:sldMk cId="1286164326" sldId="267"/>
+        </pc:sldMkLst>
+        <pc:picChg chg="del">
+          <ac:chgData name="Cristopher Barrales Paillacar" userId="1284fd77-5bc0-4534-ba41-fab698e34712" providerId="ADAL" clId="{CAF36866-68D6-4090-9AAE-287265D6B75E}" dt="2021-06-29T16:22:11.380" v="1051" actId="478"/>
+          <ac:picMkLst>
+            <pc:docMk/>
+            <pc:sldMk cId="1286164326" sldId="267"/>
+            <ac:picMk id="3" creationId="{CC3775CF-F44D-4081-884E-EAD574DDD0DA}"/>
+          </ac:picMkLst>
+        </pc:picChg>
+        <pc:picChg chg="add mod">
+          <ac:chgData name="Cristopher Barrales Paillacar" userId="1284fd77-5bc0-4534-ba41-fab698e34712" providerId="ADAL" clId="{CAF36866-68D6-4090-9AAE-287265D6B75E}" dt="2021-06-29T16:22:54.114" v="1062" actId="1076"/>
+          <ac:picMkLst>
+            <pc:docMk/>
+            <pc:sldMk cId="1286164326" sldId="267"/>
+            <ac:picMk id="5" creationId="{87BCF60F-6CAA-4C82-9F9A-AC52791A55F1}"/>
+          </ac:picMkLst>
+        </pc:picChg>
+        <pc:picChg chg="del">
+          <ac:chgData name="Cristopher Barrales Paillacar" userId="1284fd77-5bc0-4534-ba41-fab698e34712" providerId="ADAL" clId="{CAF36866-68D6-4090-9AAE-287265D6B75E}" dt="2021-06-29T16:22:11.905" v="1052" actId="478"/>
+          <ac:picMkLst>
+            <pc:docMk/>
+            <pc:sldMk cId="1286164326" sldId="267"/>
+            <ac:picMk id="7" creationId="{B8D9C34E-E314-48CB-A4CF-22A3FE18A0F3}"/>
+          </ac:picMkLst>
+        </pc:picChg>
+        <pc:picChg chg="add mod">
+          <ac:chgData name="Cristopher Barrales Paillacar" userId="1284fd77-5bc0-4534-ba41-fab698e34712" providerId="ADAL" clId="{CAF36866-68D6-4090-9AAE-287265D6B75E}" dt="2021-06-29T16:22:59.644" v="1064" actId="14100"/>
+          <ac:picMkLst>
+            <pc:docMk/>
+            <pc:sldMk cId="1286164326" sldId="267"/>
+            <ac:picMk id="8" creationId="{AF3D4248-7D93-48F4-A9E7-713088A1D59B}"/>
+          </ac:picMkLst>
+        </pc:picChg>
+      </pc:sldChg>
+    </pc:docChg>
+  </pc:docChgLst>
+</pc:chgInfo>
+</file>
+
 <file path=ppt/slideLayouts/slideLayout1.xml><?xml version="1.0" encoding="utf-8"?>
 <p:sldLayout xmlns:a="http://schemas.openxmlformats.org/drawingml/2006/main" xmlns:r="http://schemas.openxmlformats.org/officeDocument/2006/relationships" xmlns:p="http://schemas.openxmlformats.org/presentationml/2006/main" type="title" preserve="1">
   <p:cSld name="Diapositiva de título">
@@ -148,8 +563,8 @@
         </p:nvSpPr>
         <p:spPr>
           <a:xfrm>
-            <a:off x="2417779" y="802298"/>
-            <a:ext cx="8637073" cy="2541431"/>
+            <a:off x="1128403" y="945913"/>
+            <a:ext cx="8637073" cy="2618554"/>
           </a:xfrm>
         </p:spPr>
         <p:txBody>
@@ -182,8 +597,8 @@
         </p:nvSpPr>
         <p:spPr>
           <a:xfrm>
-            <a:off x="2417780" y="3531204"/>
-            <a:ext cx="8637072" cy="977621"/>
+            <a:off x="1128404" y="3564467"/>
+            <a:ext cx="8637072" cy="1071095"/>
           </a:xfrm>
         </p:spPr>
         <p:txBody>
@@ -193,7 +608,7 @@
           <a:lstStyle>
             <a:lvl1pPr marL="0" indent="0" algn="l">
               <a:buNone/>
-              <a:defRPr sz="1800" b="0" cap="all" baseline="0">
+              <a:defRPr sz="1800" b="0">
                 <a:solidFill>
                   <a:schemeClr val="tx1"/>
                 </a:solidFill>
@@ -258,7 +673,7 @@
           <a:p>
             <a:fld id="{33242493-BCE0-4FFB-80C4-F6F7F3201768}" type="datetimeFigureOut">
               <a:rPr lang="es-CL" smtClean="0"/>
-              <a:t>28-06-2021</a:t>
+              <a:t>29-06-2021</a:t>
             </a:fld>
             <a:endParaRPr lang="es-CL"/>
           </a:p>
@@ -276,8 +691,8 @@
         </p:nvSpPr>
         <p:spPr>
           <a:xfrm>
-            <a:off x="2416500" y="329307"/>
-            <a:ext cx="4973915" cy="309201"/>
+            <a:off x="1127124" y="329307"/>
+            <a:ext cx="5943668" cy="309201"/>
           </a:xfrm>
         </p:spPr>
         <p:txBody>
@@ -300,7 +715,7 @@
         </p:nvSpPr>
         <p:spPr>
           <a:xfrm>
-            <a:off x="1437664" y="798973"/>
+            <a:off x="9924392" y="134930"/>
             <a:ext cx="811019" cy="503578"/>
           </a:xfrm>
         </p:spPr>
@@ -316,41 +731,50 @@
           </a:p>
         </p:txBody>
       </p:sp>
-      <p:cxnSp>
-        <p:nvCxnSpPr>
-          <p:cNvPr id="15" name="Straight Connector 14"/>
-          <p:cNvCxnSpPr/>
+      <p:pic>
+        <p:nvPicPr>
+          <p:cNvPr id="16" name="Picture 15" descr="RedHashing.emf"/>
+          <p:cNvPicPr>
+            <a:picLocks/>
+          </p:cNvPicPr>
           <p:nvPr/>
-        </p:nvCxnSpPr>
+        </p:nvPicPr>
+        <p:blipFill rotWithShape="1">
+          <a:blip r:embed="rId2">
+            <a:duotone>
+              <a:schemeClr val="accent1">
+                <a:shade val="45000"/>
+                <a:satMod val="135000"/>
+              </a:schemeClr>
+              <a:prstClr val="white"/>
+            </a:duotone>
+            <a:extLst>
+              <a:ext uri="{28A0092B-C50C-407E-A947-70E740481C1C}">
+                <a14:useLocalDpi xmlns:a14="http://schemas.microsoft.com/office/drawing/2010/main" val="0"/>
+              </a:ext>
+            </a:extLst>
+          </a:blip>
+          <a:srcRect l="-115" r="15828" b="36435"/>
+          <a:stretch/>
+        </p:blipFill>
         <p:spPr>
           <a:xfrm>
-            <a:off x="2417780" y="3528542"/>
-            <a:ext cx="8637072" cy="0"/>
+            <a:off x="1125460" y="643464"/>
+            <a:ext cx="9610344" cy="155448"/>
           </a:xfrm>
-          <a:prstGeom prst="line">
+          <a:prstGeom prst="rect">
             <a:avLst/>
           </a:prstGeom>
-          <a:ln w="31750"/>
+          <a:noFill/>
+          <a:ln>
+            <a:noFill/>
+          </a:ln>
         </p:spPr>
-        <p:style>
-          <a:lnRef idx="3">
-            <a:schemeClr val="accent1"/>
-          </a:lnRef>
-          <a:fillRef idx="0">
-            <a:schemeClr val="accent1"/>
-          </a:fillRef>
-          <a:effectRef idx="2">
-            <a:schemeClr val="accent1"/>
-          </a:effectRef>
-          <a:fontRef idx="minor">
-            <a:schemeClr val="tx1"/>
-          </a:fontRef>
-        </p:style>
-      </p:cxnSp>
+      </p:pic>
     </p:spTree>
     <p:extLst>
       <p:ext uri="{BB962C8B-B14F-4D97-AF65-F5344CB8AC3E}">
-        <p14:creationId xmlns:p14="http://schemas.microsoft.com/office/powerpoint/2010/main" val="1504903134"/>
+        <p14:creationId xmlns:p14="http://schemas.microsoft.com/office/powerpoint/2010/main" val="1650348565"/>
       </p:ext>
     </p:extLst>
   </p:cSld>
@@ -469,7 +893,7 @@
           <a:p>
             <a:fld id="{33242493-BCE0-4FFB-80C4-F6F7F3201768}" type="datetimeFigureOut">
               <a:rPr lang="es-CL" smtClean="0"/>
-              <a:t>28-06-2021</a:t>
+              <a:t>29-06-2021</a:t>
             </a:fld>
             <a:endParaRPr lang="es-CL"/>
           </a:p>
@@ -517,41 +941,50 @@
           </a:p>
         </p:txBody>
       </p:sp>
-      <p:cxnSp>
-        <p:nvCxnSpPr>
-          <p:cNvPr id="26" name="Straight Connector 25"/>
-          <p:cNvCxnSpPr/>
+      <p:pic>
+        <p:nvPicPr>
+          <p:cNvPr id="15" name="Picture 14" descr="RedHashing.emf"/>
+          <p:cNvPicPr>
+            <a:picLocks/>
+          </p:cNvPicPr>
           <p:nvPr/>
-        </p:nvCxnSpPr>
+        </p:nvPicPr>
+        <p:blipFill rotWithShape="1">
+          <a:blip r:embed="rId2">
+            <a:duotone>
+              <a:schemeClr val="accent1">
+                <a:shade val="45000"/>
+                <a:satMod val="135000"/>
+              </a:schemeClr>
+              <a:prstClr val="white"/>
+            </a:duotone>
+            <a:extLst>
+              <a:ext uri="{28A0092B-C50C-407E-A947-70E740481C1C}">
+                <a14:useLocalDpi xmlns:a14="http://schemas.microsoft.com/office/drawing/2010/main" val="0"/>
+              </a:ext>
+            </a:extLst>
+          </a:blip>
+          <a:srcRect l="-115" r="15828" b="36435"/>
+          <a:stretch/>
+        </p:blipFill>
         <p:spPr>
           <a:xfrm>
-            <a:off x="1453896" y="1847088"/>
-            <a:ext cx="9607522" cy="0"/>
+            <a:off x="1125460" y="643464"/>
+            <a:ext cx="9610344" cy="155448"/>
           </a:xfrm>
-          <a:prstGeom prst="line">
+          <a:prstGeom prst="rect">
             <a:avLst/>
           </a:prstGeom>
-          <a:ln w="31750"/>
+          <a:noFill/>
+          <a:ln>
+            <a:noFill/>
+          </a:ln>
         </p:spPr>
-        <p:style>
-          <a:lnRef idx="3">
-            <a:schemeClr val="accent1"/>
-          </a:lnRef>
-          <a:fillRef idx="0">
-            <a:schemeClr val="accent1"/>
-          </a:fillRef>
-          <a:effectRef idx="2">
-            <a:schemeClr val="accent1"/>
-          </a:effectRef>
-          <a:fontRef idx="minor">
-            <a:schemeClr val="tx1"/>
-          </a:fontRef>
-        </p:style>
-      </p:cxnSp>
+      </p:pic>
     </p:spTree>
     <p:extLst>
       <p:ext uri="{BB962C8B-B14F-4D97-AF65-F5344CB8AC3E}">
-        <p14:creationId xmlns:p14="http://schemas.microsoft.com/office/powerpoint/2010/main" val="1088729402"/>
+        <p14:creationId xmlns:p14="http://schemas.microsoft.com/office/powerpoint/2010/main" val="4213032098"/>
       </p:ext>
     </p:extLst>
   </p:cSld>
@@ -590,7 +1023,7 @@
         </p:nvSpPr>
         <p:spPr>
           <a:xfrm>
-            <a:off x="9439111" y="798973"/>
+            <a:off x="9124709" y="798973"/>
             <a:ext cx="1615742" cy="4659889"/>
           </a:xfrm>
         </p:spPr>
@@ -622,7 +1055,7 @@
         </p:nvSpPr>
         <p:spPr>
           <a:xfrm>
-            <a:off x="1444672" y="798973"/>
+            <a:off x="1130270" y="798973"/>
             <a:ext cx="7828830" cy="4659889"/>
           </a:xfrm>
         </p:spPr>
@@ -684,7 +1117,7 @@
           <a:p>
             <a:fld id="{33242493-BCE0-4FFB-80C4-F6F7F3201768}" type="datetimeFigureOut">
               <a:rPr lang="es-CL" smtClean="0"/>
-              <a:t>28-06-2021</a:t>
+              <a:t>29-06-2021</a:t>
             </a:fld>
             <a:endParaRPr lang="es-CL"/>
           </a:p>
@@ -732,41 +1165,50 @@
           </a:p>
         </p:txBody>
       </p:sp>
-      <p:cxnSp>
-        <p:nvCxnSpPr>
-          <p:cNvPr id="15" name="Straight Connector 14"/>
-          <p:cNvCxnSpPr/>
+      <p:pic>
+        <p:nvPicPr>
+          <p:cNvPr id="17" name="Picture 16" descr="RedHashing.emf"/>
+          <p:cNvPicPr>
+            <a:picLocks/>
+          </p:cNvPicPr>
           <p:nvPr/>
-        </p:nvCxnSpPr>
+        </p:nvPicPr>
+        <p:blipFill rotWithShape="1">
+          <a:blip r:embed="rId2">
+            <a:duotone>
+              <a:schemeClr val="accent1">
+                <a:shade val="45000"/>
+                <a:satMod val="135000"/>
+              </a:schemeClr>
+              <a:prstClr val="white"/>
+            </a:duotone>
+            <a:extLst>
+              <a:ext uri="{28A0092B-C50C-407E-A947-70E740481C1C}">
+                <a14:useLocalDpi xmlns:a14="http://schemas.microsoft.com/office/drawing/2010/main" val="0"/>
+              </a:ext>
+            </a:extLst>
+          </a:blip>
+          <a:srcRect l="-115" r="59215" b="36435"/>
+          <a:stretch/>
+        </p:blipFill>
         <p:spPr>
-          <a:xfrm>
-            <a:off x="9439111" y="798973"/>
-            <a:ext cx="0" cy="4659889"/>
+          <a:xfrm rot="5400000">
+            <a:off x="8642279" y="3046916"/>
+            <a:ext cx="4663440" cy="155448"/>
           </a:xfrm>
-          <a:prstGeom prst="line">
+          <a:prstGeom prst="rect">
             <a:avLst/>
           </a:prstGeom>
-          <a:ln w="31750"/>
+          <a:noFill/>
+          <a:ln>
+            <a:noFill/>
+          </a:ln>
         </p:spPr>
-        <p:style>
-          <a:lnRef idx="3">
-            <a:schemeClr val="accent1"/>
-          </a:lnRef>
-          <a:fillRef idx="0">
-            <a:schemeClr val="accent1"/>
-          </a:fillRef>
-          <a:effectRef idx="2">
-            <a:schemeClr val="accent1"/>
-          </a:effectRef>
-          <a:fontRef idx="minor">
-            <a:schemeClr val="tx1"/>
-          </a:fontRef>
-        </p:style>
-      </p:cxnSp>
+      </p:pic>
     </p:spTree>
     <p:extLst>
       <p:ext uri="{BB962C8B-B14F-4D97-AF65-F5344CB8AC3E}">
-        <p14:creationId xmlns:p14="http://schemas.microsoft.com/office/powerpoint/2010/main" val="3298113202"/>
+        <p14:creationId xmlns:p14="http://schemas.microsoft.com/office/powerpoint/2010/main" val="1837816732"/>
       </p:ext>
     </p:extLst>
   </p:cSld>
@@ -881,11 +1323,15 @@
         <p:spPr/>
         <p:txBody>
           <a:bodyPr/>
-          <a:lstStyle/>
+          <a:lstStyle>
+            <a:lvl1pPr>
+              <a:defRPr sz="1200"/>
+            </a:lvl1pPr>
+          </a:lstStyle>
           <a:p>
             <a:fld id="{33242493-BCE0-4FFB-80C4-F6F7F3201768}" type="datetimeFigureOut">
               <a:rPr lang="es-CL" smtClean="0"/>
-              <a:t>28-06-2021</a:t>
+              <a:t>29-06-2021</a:t>
             </a:fld>
             <a:endParaRPr lang="es-CL"/>
           </a:p>
@@ -904,7 +1350,11 @@
         <p:spPr/>
         <p:txBody>
           <a:bodyPr/>
-          <a:lstStyle/>
+          <a:lstStyle>
+            <a:lvl1pPr>
+              <a:defRPr sz="1200"/>
+            </a:lvl1pPr>
+          </a:lstStyle>
           <a:p>
             <a:endParaRPr lang="es-CL"/>
           </a:p>
@@ -933,41 +1383,50 @@
           </a:p>
         </p:txBody>
       </p:sp>
-      <p:cxnSp>
-        <p:nvCxnSpPr>
-          <p:cNvPr id="33" name="Straight Connector 32"/>
-          <p:cNvCxnSpPr/>
+      <p:pic>
+        <p:nvPicPr>
+          <p:cNvPr id="24" name="Picture 23" descr="RedHashing.emf"/>
+          <p:cNvPicPr>
+            <a:picLocks/>
+          </p:cNvPicPr>
           <p:nvPr/>
-        </p:nvCxnSpPr>
+        </p:nvPicPr>
+        <p:blipFill rotWithShape="1">
+          <a:blip r:embed="rId2">
+            <a:duotone>
+              <a:schemeClr val="accent1">
+                <a:shade val="45000"/>
+                <a:satMod val="135000"/>
+              </a:schemeClr>
+              <a:prstClr val="white"/>
+            </a:duotone>
+            <a:extLst>
+              <a:ext uri="{28A0092B-C50C-407E-A947-70E740481C1C}">
+                <a14:useLocalDpi xmlns:a14="http://schemas.microsoft.com/office/drawing/2010/main" val="0"/>
+              </a:ext>
+            </a:extLst>
+          </a:blip>
+          <a:srcRect l="-115" r="15828" b="36435"/>
+          <a:stretch/>
+        </p:blipFill>
         <p:spPr>
           <a:xfrm>
-            <a:off x="1453896" y="1847088"/>
-            <a:ext cx="9607522" cy="0"/>
+            <a:off x="1125460" y="643464"/>
+            <a:ext cx="9610344" cy="155448"/>
           </a:xfrm>
-          <a:prstGeom prst="line">
+          <a:prstGeom prst="rect">
             <a:avLst/>
           </a:prstGeom>
-          <a:ln w="31750"/>
+          <a:noFill/>
+          <a:ln>
+            <a:noFill/>
+          </a:ln>
         </p:spPr>
-        <p:style>
-          <a:lnRef idx="3">
-            <a:schemeClr val="accent1"/>
-          </a:lnRef>
-          <a:fillRef idx="0">
-            <a:schemeClr val="accent1"/>
-          </a:fillRef>
-          <a:effectRef idx="2">
-            <a:schemeClr val="accent1"/>
-          </a:effectRef>
-          <a:fontRef idx="minor">
-            <a:schemeClr val="tx1"/>
-          </a:fontRef>
-        </p:style>
-      </p:cxnSp>
+      </p:pic>
     </p:spTree>
     <p:extLst>
       <p:ext uri="{BB962C8B-B14F-4D97-AF65-F5344CB8AC3E}">
-        <p14:creationId xmlns:p14="http://schemas.microsoft.com/office/powerpoint/2010/main" val="642501043"/>
+        <p14:creationId xmlns:p14="http://schemas.microsoft.com/office/powerpoint/2010/main" val="3446695368"/>
       </p:ext>
     </p:extLst>
   </p:cSld>
@@ -1006,8 +1465,8 @@
         </p:nvSpPr>
         <p:spPr>
           <a:xfrm>
-            <a:off x="1454239" y="1756130"/>
-            <a:ext cx="8643154" cy="1887950"/>
+            <a:off x="1129167" y="1756129"/>
+            <a:ext cx="8619060" cy="2050065"/>
           </a:xfrm>
         </p:spPr>
         <p:txBody>
@@ -1035,13 +1494,13 @@
             <a:spLocks noGrp="1"/>
           </p:cNvSpPr>
           <p:nvPr>
-            <p:ph type="body" idx="1"/>
+            <p:ph type="body" idx="1" hasCustomPrompt="1"/>
           </p:nvPr>
         </p:nvSpPr>
         <p:spPr>
           <a:xfrm>
-            <a:off x="1454239" y="3806195"/>
-            <a:ext cx="8630446" cy="1012929"/>
+            <a:off x="1129166" y="3806195"/>
+            <a:ext cx="8619060" cy="1012929"/>
           </a:xfrm>
         </p:spPr>
         <p:txBody>
@@ -1141,8 +1600,8 @@
           <a:p>
             <a:pPr lvl="0"/>
             <a:r>
-              <a:rPr lang="es-ES"/>
-              <a:t>Haga clic para modificar los estilos de texto del patrón</a:t>
+              <a:rPr lang="en-US" dirty="0"/>
+              <a:t>Click To Edit Master Text Styles</a:t>
             </a:r>
           </a:p>
         </p:txBody>
@@ -1164,7 +1623,7 @@
           <a:p>
             <a:fld id="{33242493-BCE0-4FFB-80C4-F6F7F3201768}" type="datetimeFigureOut">
               <a:rPr lang="es-CL" smtClean="0"/>
-              <a:t>28-06-2021</a:t>
+              <a:t>29-06-2021</a:t>
             </a:fld>
             <a:endParaRPr lang="es-CL"/>
           </a:p>
@@ -1212,41 +1671,50 @@
           </a:p>
         </p:txBody>
       </p:sp>
-      <p:cxnSp>
-        <p:nvCxnSpPr>
-          <p:cNvPr id="15" name="Straight Connector 14"/>
-          <p:cNvCxnSpPr/>
+      <p:pic>
+        <p:nvPicPr>
+          <p:cNvPr id="16" name="Picture 15" descr="RedHashing.emf"/>
+          <p:cNvPicPr>
+            <a:picLocks/>
+          </p:cNvPicPr>
           <p:nvPr/>
-        </p:nvCxnSpPr>
+        </p:nvPicPr>
+        <p:blipFill rotWithShape="1">
+          <a:blip r:embed="rId2">
+            <a:duotone>
+              <a:schemeClr val="accent1">
+                <a:shade val="45000"/>
+                <a:satMod val="135000"/>
+              </a:schemeClr>
+              <a:prstClr val="white"/>
+            </a:duotone>
+            <a:extLst>
+              <a:ext uri="{28A0092B-C50C-407E-A947-70E740481C1C}">
+                <a14:useLocalDpi xmlns:a14="http://schemas.microsoft.com/office/drawing/2010/main" val="0"/>
+              </a:ext>
+            </a:extLst>
+          </a:blip>
+          <a:srcRect l="-115" r="15828" b="36435"/>
+          <a:stretch/>
+        </p:blipFill>
         <p:spPr>
           <a:xfrm>
-            <a:off x="1454239" y="3804985"/>
-            <a:ext cx="8630446" cy="0"/>
+            <a:off x="1125460" y="643464"/>
+            <a:ext cx="9610344" cy="155448"/>
           </a:xfrm>
-          <a:prstGeom prst="line">
+          <a:prstGeom prst="rect">
             <a:avLst/>
           </a:prstGeom>
-          <a:ln w="31750"/>
+          <a:noFill/>
+          <a:ln>
+            <a:noFill/>
+          </a:ln>
         </p:spPr>
-        <p:style>
-          <a:lnRef idx="3">
-            <a:schemeClr val="accent1"/>
-          </a:lnRef>
-          <a:fillRef idx="0">
-            <a:schemeClr val="accent1"/>
-          </a:fillRef>
-          <a:effectRef idx="2">
-            <a:schemeClr val="accent1"/>
-          </a:effectRef>
-          <a:fontRef idx="minor">
-            <a:schemeClr val="tx1"/>
-          </a:fontRef>
-        </p:style>
-      </p:cxnSp>
+      </p:pic>
     </p:spTree>
     <p:extLst>
       <p:ext uri="{BB962C8B-B14F-4D97-AF65-F5344CB8AC3E}">
-        <p14:creationId xmlns:p14="http://schemas.microsoft.com/office/powerpoint/2010/main" val="2157585966"/>
+        <p14:creationId xmlns:p14="http://schemas.microsoft.com/office/powerpoint/2010/main" val="3181070769"/>
       </p:ext>
     </p:extLst>
   </p:cSld>
@@ -1285,7 +1753,7 @@
         </p:nvSpPr>
         <p:spPr>
           <a:xfrm>
-            <a:off x="1449217" y="804889"/>
+            <a:off x="1131052" y="958037"/>
             <a:ext cx="9605635" cy="1059305"/>
           </a:xfrm>
         </p:spPr>
@@ -1313,8 +1781,8 @@
         </p:nvSpPr>
         <p:spPr>
           <a:xfrm>
-            <a:off x="1447331" y="2010878"/>
-            <a:ext cx="4645152" cy="3448595"/>
+            <a:off x="1129166" y="2165621"/>
+            <a:ext cx="4645152" cy="3293852"/>
           </a:xfrm>
         </p:spPr>
         <p:txBody>
@@ -1370,8 +1838,8 @@
         </p:nvSpPr>
         <p:spPr>
           <a:xfrm>
-            <a:off x="6413771" y="2017343"/>
-            <a:ext cx="4645152" cy="3441520"/>
+            <a:off x="6095606" y="2171769"/>
+            <a:ext cx="4645152" cy="3287094"/>
           </a:xfrm>
         </p:spPr>
         <p:txBody>
@@ -1432,7 +1900,7 @@
           <a:p>
             <a:fld id="{33242493-BCE0-4FFB-80C4-F6F7F3201768}" type="datetimeFigureOut">
               <a:rPr lang="es-CL" smtClean="0"/>
-              <a:t>28-06-2021</a:t>
+              <a:t>29-06-2021</a:t>
             </a:fld>
             <a:endParaRPr lang="es-CL"/>
           </a:p>
@@ -1480,41 +1948,50 @@
           </a:p>
         </p:txBody>
       </p:sp>
-      <p:cxnSp>
-        <p:nvCxnSpPr>
-          <p:cNvPr id="35" name="Straight Connector 34"/>
-          <p:cNvCxnSpPr/>
+      <p:pic>
+        <p:nvPicPr>
+          <p:cNvPr id="16" name="Picture 15" descr="RedHashing.emf"/>
+          <p:cNvPicPr>
+            <a:picLocks/>
+          </p:cNvPicPr>
           <p:nvPr/>
-        </p:nvCxnSpPr>
+        </p:nvPicPr>
+        <p:blipFill rotWithShape="1">
+          <a:blip r:embed="rId2">
+            <a:duotone>
+              <a:schemeClr val="accent1">
+                <a:shade val="45000"/>
+                <a:satMod val="135000"/>
+              </a:schemeClr>
+              <a:prstClr val="white"/>
+            </a:duotone>
+            <a:extLst>
+              <a:ext uri="{28A0092B-C50C-407E-A947-70E740481C1C}">
+                <a14:useLocalDpi xmlns:a14="http://schemas.microsoft.com/office/drawing/2010/main" val="0"/>
+              </a:ext>
+            </a:extLst>
+          </a:blip>
+          <a:srcRect l="-115" r="15828" b="36435"/>
+          <a:stretch/>
+        </p:blipFill>
         <p:spPr>
           <a:xfrm>
-            <a:off x="1453896" y="1847088"/>
-            <a:ext cx="9607522" cy="0"/>
+            <a:off x="1125460" y="643464"/>
+            <a:ext cx="9610344" cy="155448"/>
           </a:xfrm>
-          <a:prstGeom prst="line">
+          <a:prstGeom prst="rect">
             <a:avLst/>
           </a:prstGeom>
-          <a:ln w="31750"/>
+          <a:noFill/>
+          <a:ln>
+            <a:noFill/>
+          </a:ln>
         </p:spPr>
-        <p:style>
-          <a:lnRef idx="3">
-            <a:schemeClr val="accent1"/>
-          </a:lnRef>
-          <a:fillRef idx="0">
-            <a:schemeClr val="accent1"/>
-          </a:fillRef>
-          <a:effectRef idx="2">
-            <a:schemeClr val="accent1"/>
-          </a:effectRef>
-          <a:fontRef idx="minor">
-            <a:schemeClr val="tx1"/>
-          </a:fontRef>
-        </p:style>
-      </p:cxnSp>
+      </p:pic>
     </p:spTree>
     <p:extLst>
       <p:ext uri="{BB962C8B-B14F-4D97-AF65-F5344CB8AC3E}">
-        <p14:creationId xmlns:p14="http://schemas.microsoft.com/office/powerpoint/2010/main" val="1499197245"/>
+        <p14:creationId xmlns:p14="http://schemas.microsoft.com/office/powerpoint/2010/main" val="1652821619"/>
       </p:ext>
     </p:extLst>
   </p:cSld>
@@ -1553,7 +2030,7 @@
         </p:nvSpPr>
         <p:spPr>
           <a:xfrm>
-            <a:off x="1447191" y="804163"/>
+            <a:off x="1129166" y="953336"/>
             <a:ext cx="9607661" cy="1056319"/>
           </a:xfrm>
         </p:spPr>
@@ -1581,7 +2058,7 @@
         </p:nvSpPr>
         <p:spPr>
           <a:xfrm>
-            <a:off x="1447191" y="2019549"/>
+            <a:off x="1129166" y="2169727"/>
             <a:ext cx="4645152" cy="801943"/>
           </a:xfrm>
         </p:spPr>
@@ -1595,7 +2072,7 @@
                 <a:spcPct val="100000"/>
               </a:lnSpc>
               <a:buNone/>
-              <a:defRPr sz="2200" b="0" cap="all" baseline="0">
+              <a:defRPr sz="2800" b="0" cap="none" baseline="0">
                 <a:solidFill>
                   <a:schemeClr val="accent1"/>
                 </a:solidFill>
@@ -1655,8 +2132,8 @@
         </p:nvSpPr>
         <p:spPr>
           <a:xfrm>
-            <a:off x="1447191" y="2824269"/>
-            <a:ext cx="4645152" cy="2644457"/>
+            <a:off x="1129166" y="2974448"/>
+            <a:ext cx="4645152" cy="2493876"/>
           </a:xfrm>
         </p:spPr>
         <p:txBody>
@@ -1712,7 +2189,7 @@
         </p:nvSpPr>
         <p:spPr>
           <a:xfrm>
-            <a:off x="6412362" y="2023003"/>
+            <a:off x="6094337" y="2173181"/>
             <a:ext cx="4645152" cy="802237"/>
           </a:xfrm>
         </p:spPr>
@@ -1726,7 +2203,7 @@
                 <a:spcPct val="100000"/>
               </a:lnSpc>
               <a:buNone/>
-              <a:defRPr sz="2200" b="0" cap="all" baseline="0">
+              <a:defRPr sz="2800" b="0" cap="none" baseline="0">
                 <a:solidFill>
                   <a:schemeClr val="accent1"/>
                 </a:solidFill>
@@ -1786,8 +2263,8 @@
         </p:nvSpPr>
         <p:spPr>
           <a:xfrm>
-            <a:off x="6412362" y="2821491"/>
-            <a:ext cx="4645152" cy="2637371"/>
+            <a:off x="6094337" y="2971669"/>
+            <a:ext cx="4645152" cy="2487193"/>
           </a:xfrm>
         </p:spPr>
         <p:txBody>
@@ -1848,7 +2325,7 @@
           <a:p>
             <a:fld id="{33242493-BCE0-4FFB-80C4-F6F7F3201768}" type="datetimeFigureOut">
               <a:rPr lang="es-CL" smtClean="0"/>
-              <a:t>28-06-2021</a:t>
+              <a:t>29-06-2021</a:t>
             </a:fld>
             <a:endParaRPr lang="es-CL"/>
           </a:p>
@@ -1896,41 +2373,50 @@
           </a:p>
         </p:txBody>
       </p:sp>
-      <p:cxnSp>
-        <p:nvCxnSpPr>
-          <p:cNvPr id="29" name="Straight Connector 28"/>
-          <p:cNvCxnSpPr/>
+      <p:pic>
+        <p:nvPicPr>
+          <p:cNvPr id="18" name="Picture 17" descr="RedHashing.emf"/>
+          <p:cNvPicPr>
+            <a:picLocks/>
+          </p:cNvPicPr>
           <p:nvPr/>
-        </p:nvCxnSpPr>
+        </p:nvPicPr>
+        <p:blipFill rotWithShape="1">
+          <a:blip r:embed="rId2">
+            <a:duotone>
+              <a:schemeClr val="accent1">
+                <a:shade val="45000"/>
+                <a:satMod val="135000"/>
+              </a:schemeClr>
+              <a:prstClr val="white"/>
+            </a:duotone>
+            <a:extLst>
+              <a:ext uri="{28A0092B-C50C-407E-A947-70E740481C1C}">
+                <a14:useLocalDpi xmlns:a14="http://schemas.microsoft.com/office/drawing/2010/main" val="0"/>
+              </a:ext>
+            </a:extLst>
+          </a:blip>
+          <a:srcRect l="-115" r="15828" b="36435"/>
+          <a:stretch/>
+        </p:blipFill>
         <p:spPr>
           <a:xfrm>
-            <a:off x="1453896" y="1847088"/>
-            <a:ext cx="9607522" cy="0"/>
+            <a:off x="1125460" y="643464"/>
+            <a:ext cx="9610344" cy="155448"/>
           </a:xfrm>
-          <a:prstGeom prst="line">
+          <a:prstGeom prst="rect">
             <a:avLst/>
           </a:prstGeom>
-          <a:ln w="31750"/>
+          <a:noFill/>
+          <a:ln>
+            <a:noFill/>
+          </a:ln>
         </p:spPr>
-        <p:style>
-          <a:lnRef idx="3">
-            <a:schemeClr val="accent1"/>
-          </a:lnRef>
-          <a:fillRef idx="0">
-            <a:schemeClr val="accent1"/>
-          </a:fillRef>
-          <a:effectRef idx="2">
-            <a:schemeClr val="accent1"/>
-          </a:effectRef>
-          <a:fontRef idx="minor">
-            <a:schemeClr val="tx1"/>
-          </a:fontRef>
-        </p:style>
-      </p:cxnSp>
+      </p:pic>
     </p:spTree>
     <p:extLst>
       <p:ext uri="{BB962C8B-B14F-4D97-AF65-F5344CB8AC3E}">
-        <p14:creationId xmlns:p14="http://schemas.microsoft.com/office/powerpoint/2010/main" val="1811910239"/>
+        <p14:creationId xmlns:p14="http://schemas.microsoft.com/office/powerpoint/2010/main" val="3643794303"/>
       </p:ext>
     </p:extLst>
   </p:cSld>
@@ -1997,7 +2483,7 @@
           <a:p>
             <a:fld id="{33242493-BCE0-4FFB-80C4-F6F7F3201768}" type="datetimeFigureOut">
               <a:rPr lang="es-CL" smtClean="0"/>
-              <a:t>28-06-2021</a:t>
+              <a:t>29-06-2021</a:t>
             </a:fld>
             <a:endParaRPr lang="es-CL"/>
           </a:p>
@@ -2045,41 +2531,50 @@
           </a:p>
         </p:txBody>
       </p:sp>
-      <p:cxnSp>
-        <p:nvCxnSpPr>
-          <p:cNvPr id="25" name="Straight Connector 24"/>
-          <p:cNvCxnSpPr/>
+      <p:pic>
+        <p:nvPicPr>
+          <p:cNvPr id="14" name="Picture 13" descr="RedHashing.emf"/>
+          <p:cNvPicPr>
+            <a:picLocks/>
+          </p:cNvPicPr>
           <p:nvPr/>
-        </p:nvCxnSpPr>
+        </p:nvPicPr>
+        <p:blipFill rotWithShape="1">
+          <a:blip r:embed="rId2">
+            <a:duotone>
+              <a:schemeClr val="accent1">
+                <a:shade val="45000"/>
+                <a:satMod val="135000"/>
+              </a:schemeClr>
+              <a:prstClr val="white"/>
+            </a:duotone>
+            <a:extLst>
+              <a:ext uri="{28A0092B-C50C-407E-A947-70E740481C1C}">
+                <a14:useLocalDpi xmlns:a14="http://schemas.microsoft.com/office/drawing/2010/main" val="0"/>
+              </a:ext>
+            </a:extLst>
+          </a:blip>
+          <a:srcRect l="-115" r="15828" b="36435"/>
+          <a:stretch/>
+        </p:blipFill>
         <p:spPr>
           <a:xfrm>
-            <a:off x="1453896" y="1847088"/>
-            <a:ext cx="9607522" cy="0"/>
+            <a:off x="1125460" y="643464"/>
+            <a:ext cx="9610344" cy="155448"/>
           </a:xfrm>
-          <a:prstGeom prst="line">
+          <a:prstGeom prst="rect">
             <a:avLst/>
           </a:prstGeom>
-          <a:ln w="31750"/>
+          <a:noFill/>
+          <a:ln>
+            <a:noFill/>
+          </a:ln>
         </p:spPr>
-        <p:style>
-          <a:lnRef idx="3">
-            <a:schemeClr val="accent1"/>
-          </a:lnRef>
-          <a:fillRef idx="0">
-            <a:schemeClr val="accent1"/>
-          </a:fillRef>
-          <a:effectRef idx="2">
-            <a:schemeClr val="accent1"/>
-          </a:effectRef>
-          <a:fontRef idx="minor">
-            <a:schemeClr val="tx1"/>
-          </a:fontRef>
-        </p:style>
-      </p:cxnSp>
+      </p:pic>
     </p:spTree>
     <p:extLst>
       <p:ext uri="{BB962C8B-B14F-4D97-AF65-F5344CB8AC3E}">
-        <p14:creationId xmlns:p14="http://schemas.microsoft.com/office/powerpoint/2010/main" val="19718596"/>
+        <p14:creationId xmlns:p14="http://schemas.microsoft.com/office/powerpoint/2010/main" val="2572698796"/>
       </p:ext>
     </p:extLst>
   </p:cSld>
@@ -2123,7 +2618,7 @@
           <a:p>
             <a:fld id="{33242493-BCE0-4FFB-80C4-F6F7F3201768}" type="datetimeFigureOut">
               <a:rPr lang="es-CL" smtClean="0"/>
-              <a:t>28-06-2021</a:t>
+              <a:t>29-06-2021</a:t>
             </a:fld>
             <a:endParaRPr lang="es-CL"/>
           </a:p>
@@ -2174,7 +2669,7 @@
     </p:spTree>
     <p:extLst>
       <p:ext uri="{BB962C8B-B14F-4D97-AF65-F5344CB8AC3E}">
-        <p14:creationId xmlns:p14="http://schemas.microsoft.com/office/powerpoint/2010/main" val="1629697530"/>
+        <p14:creationId xmlns:p14="http://schemas.microsoft.com/office/powerpoint/2010/main" val="3513801013"/>
       </p:ext>
     </p:extLst>
   </p:cSld>
@@ -2213,8 +2708,8 @@
         </p:nvSpPr>
         <p:spPr>
           <a:xfrm>
-            <a:off x="1444671" y="798973"/>
-            <a:ext cx="3273099" cy="2247117"/>
+            <a:off x="1124291" y="952578"/>
+            <a:ext cx="3275013" cy="2322176"/>
           </a:xfrm>
         </p:spPr>
         <p:txBody>
@@ -2247,8 +2742,8 @@
         </p:nvSpPr>
         <p:spPr>
           <a:xfrm>
-            <a:off x="5043714" y="798974"/>
-            <a:ext cx="6012470" cy="4658826"/>
+            <a:off x="4723334" y="952578"/>
+            <a:ext cx="6012470" cy="4505221"/>
           </a:xfrm>
         </p:spPr>
         <p:txBody>
@@ -2304,8 +2799,8 @@
         </p:nvSpPr>
         <p:spPr>
           <a:xfrm>
-            <a:off x="1444671" y="3205491"/>
-            <a:ext cx="3275013" cy="2248181"/>
+            <a:off x="1124291" y="3274754"/>
+            <a:ext cx="3275013" cy="2178918"/>
           </a:xfrm>
         </p:spPr>
         <p:txBody>
@@ -2374,7 +2869,7 @@
           <a:p>
             <a:fld id="{33242493-BCE0-4FFB-80C4-F6F7F3201768}" type="datetimeFigureOut">
               <a:rPr lang="es-CL" smtClean="0"/>
-              <a:t>28-06-2021</a:t>
+              <a:t>29-06-2021</a:t>
             </a:fld>
             <a:endParaRPr lang="es-CL"/>
           </a:p>
@@ -2422,41 +2917,50 @@
           </a:p>
         </p:txBody>
       </p:sp>
-      <p:cxnSp>
-        <p:nvCxnSpPr>
-          <p:cNvPr id="17" name="Straight Connector 16"/>
-          <p:cNvCxnSpPr/>
+      <p:pic>
+        <p:nvPicPr>
+          <p:cNvPr id="16" name="Picture 15" descr="RedHashing.emf"/>
+          <p:cNvPicPr>
+            <a:picLocks/>
+          </p:cNvPicPr>
           <p:nvPr/>
-        </p:nvCxnSpPr>
+        </p:nvPicPr>
+        <p:blipFill rotWithShape="1">
+          <a:blip r:embed="rId2">
+            <a:duotone>
+              <a:schemeClr val="accent1">
+                <a:shade val="45000"/>
+                <a:satMod val="135000"/>
+              </a:schemeClr>
+              <a:prstClr val="white"/>
+            </a:duotone>
+            <a:extLst>
+              <a:ext uri="{28A0092B-C50C-407E-A947-70E740481C1C}">
+                <a14:useLocalDpi xmlns:a14="http://schemas.microsoft.com/office/drawing/2010/main" val="0"/>
+              </a:ext>
+            </a:extLst>
+          </a:blip>
+          <a:srcRect l="-115" r="15828" b="36435"/>
+          <a:stretch/>
+        </p:blipFill>
         <p:spPr>
           <a:xfrm>
-            <a:off x="1448280" y="3205491"/>
-            <a:ext cx="3269490" cy="0"/>
+            <a:off x="1125460" y="643464"/>
+            <a:ext cx="9610344" cy="155448"/>
           </a:xfrm>
-          <a:prstGeom prst="line">
+          <a:prstGeom prst="rect">
             <a:avLst/>
           </a:prstGeom>
-          <a:ln w="31750"/>
+          <a:noFill/>
+          <a:ln>
+            <a:noFill/>
+          </a:ln>
         </p:spPr>
-        <p:style>
-          <a:lnRef idx="3">
-            <a:schemeClr val="accent1"/>
-          </a:lnRef>
-          <a:fillRef idx="0">
-            <a:schemeClr val="accent1"/>
-          </a:fillRef>
-          <a:effectRef idx="2">
-            <a:schemeClr val="accent1"/>
-          </a:effectRef>
-          <a:fontRef idx="minor">
-            <a:schemeClr val="tx1"/>
-          </a:fontRef>
-        </p:style>
-      </p:cxnSp>
+      </p:pic>
     </p:spTree>
     <p:extLst>
       <p:ext uri="{BB962C8B-B14F-4D97-AF65-F5344CB8AC3E}">
-        <p14:creationId xmlns:p14="http://schemas.microsoft.com/office/powerpoint/2010/main" val="87163598"/>
+        <p14:creationId xmlns:p14="http://schemas.microsoft.com/office/powerpoint/2010/main" val="879348854"/>
       </p:ext>
     </p:extLst>
   </p:cSld>
@@ -2503,7 +3007,7 @@
             <p:cNvSpPr/>
             <p:nvPr/>
           </p:nvSpPr>
-          <p:spPr bwMode="black">
+          <p:spPr>
             <a:xfrm>
               <a:off x="7477387" y="482170"/>
               <a:ext cx="4074533" cy="5149101"/>
@@ -2514,10 +3018,16 @@
             <a:gradFill>
               <a:gsLst>
                 <a:gs pos="0">
-                  <a:srgbClr val="000001"/>
+                  <a:schemeClr val="tx1">
+                    <a:lumMod val="85000"/>
+                    <a:lumOff val="15000"/>
+                  </a:schemeClr>
                 </a:gs>
                 <a:gs pos="100000">
-                  <a:srgbClr val="191919"/>
+                  <a:schemeClr val="tx1">
+                    <a:lumMod val="95000"/>
+                    <a:lumOff val="5000"/>
+                  </a:schemeClr>
                 </a:gs>
               </a:gsLst>
             </a:gradFill>
@@ -2537,7 +3047,7 @@
               <a:lightRig rig="threePt" dir="t"/>
             </a:scene3d>
             <a:sp3d>
-              <a:bevelT w="152400" h="50800" prst="softRound"/>
+              <a:bevelT w="114300" prst="artDeco"/>
             </a:sp3d>
           </p:spPr>
           <p:style>
@@ -2561,7 +3071,7 @@
             <p:cNvSpPr/>
             <p:nvPr/>
           </p:nvSpPr>
-          <p:spPr bwMode="blackWhite">
+          <p:spPr>
             <a:xfrm>
               <a:off x="7790446" y="812506"/>
               <a:ext cx="3450289" cy="4466452"/>
@@ -2629,8 +3139,8 @@
         </p:nvSpPr>
         <p:spPr>
           <a:xfrm>
-            <a:off x="1451206" y="1129513"/>
-            <a:ext cx="5532328" cy="1830584"/>
+            <a:off x="1129124" y="1129513"/>
+            <a:ext cx="5854872" cy="1924208"/>
           </a:xfrm>
         </p:spPr>
         <p:txBody>
@@ -2738,8 +3248,8 @@
         </p:nvSpPr>
         <p:spPr>
           <a:xfrm>
-            <a:off x="1450329" y="3145992"/>
-            <a:ext cx="5524404" cy="2003742"/>
+            <a:off x="1128247" y="3053721"/>
+            <a:ext cx="5846486" cy="2096013"/>
           </a:xfrm>
         </p:spPr>
         <p:txBody>
@@ -2805,8 +3315,8 @@
         </p:nvSpPr>
         <p:spPr>
           <a:xfrm>
-            <a:off x="1447382" y="5469856"/>
-            <a:ext cx="5527351" cy="320123"/>
+            <a:off x="1125300" y="5469856"/>
+            <a:ext cx="5849605" cy="320123"/>
           </a:xfrm>
         </p:spPr>
         <p:txBody>
@@ -2819,7 +3329,7 @@
           <a:p>
             <a:fld id="{33242493-BCE0-4FFB-80C4-F6F7F3201768}" type="datetimeFigureOut">
               <a:rPr lang="es-CL" smtClean="0"/>
-              <a:t>28-06-2021</a:t>
+              <a:t>29-06-2021</a:t>
             </a:fld>
             <a:endParaRPr lang="es-CL"/>
           </a:p>
@@ -2837,8 +3347,8 @@
         </p:nvSpPr>
         <p:spPr>
           <a:xfrm>
-            <a:off x="1447382" y="318640"/>
-            <a:ext cx="5541004" cy="320931"/>
+            <a:off x="1125300" y="318640"/>
+            <a:ext cx="4877818" cy="320931"/>
           </a:xfrm>
         </p:spPr>
         <p:txBody>
@@ -2859,7 +3369,12 @@
             <p:ph type="sldNum" sz="quarter" idx="12"/>
           </p:nvPr>
         </p:nvSpPr>
-        <p:spPr/>
+        <p:spPr>
+          <a:xfrm>
+            <a:off x="6176794" y="137408"/>
+            <a:ext cx="811019" cy="503578"/>
+          </a:xfrm>
+        </p:spPr>
         <p:txBody>
           <a:bodyPr/>
           <a:lstStyle/>
@@ -2872,41 +3387,50 @@
           </a:p>
         </p:txBody>
       </p:sp>
-      <p:cxnSp>
-        <p:nvCxnSpPr>
-          <p:cNvPr id="31" name="Straight Connector 30"/>
-          <p:cNvCxnSpPr/>
+      <p:pic>
+        <p:nvPicPr>
+          <p:cNvPr id="22" name="Picture 21" descr="RedHashing.emf"/>
+          <p:cNvPicPr>
+            <a:picLocks/>
+          </p:cNvPicPr>
           <p:nvPr/>
-        </p:nvCxnSpPr>
+        </p:nvPicPr>
+        <p:blipFill rotWithShape="1">
+          <a:blip r:embed="rId2">
+            <a:duotone>
+              <a:schemeClr val="accent1">
+                <a:shade val="45000"/>
+                <a:satMod val="135000"/>
+              </a:schemeClr>
+              <a:prstClr val="white"/>
+            </a:duotone>
+            <a:extLst>
+              <a:ext uri="{28A0092B-C50C-407E-A947-70E740481C1C}">
+                <a14:useLocalDpi xmlns:a14="http://schemas.microsoft.com/office/drawing/2010/main" val="0"/>
+              </a:ext>
+            </a:extLst>
+          </a:blip>
+          <a:srcRect l="-116" t="474" r="48549" b="36564"/>
+          <a:stretch/>
+        </p:blipFill>
         <p:spPr>
           <a:xfrm>
-            <a:off x="1447382" y="3143605"/>
-            <a:ext cx="5527351" cy="0"/>
+            <a:off x="1125460" y="643464"/>
+            <a:ext cx="5879592" cy="155448"/>
           </a:xfrm>
-          <a:prstGeom prst="line">
+          <a:prstGeom prst="rect">
             <a:avLst/>
           </a:prstGeom>
-          <a:ln w="31750"/>
+          <a:noFill/>
+          <a:ln>
+            <a:noFill/>
+          </a:ln>
         </p:spPr>
-        <p:style>
-          <a:lnRef idx="3">
-            <a:schemeClr val="accent1"/>
-          </a:lnRef>
-          <a:fillRef idx="0">
-            <a:schemeClr val="accent1"/>
-          </a:fillRef>
-          <a:effectRef idx="2">
-            <a:schemeClr val="accent1"/>
-          </a:effectRef>
-          <a:fontRef idx="minor">
-            <a:schemeClr val="tx1"/>
-          </a:fontRef>
-        </p:style>
-      </p:cxnSp>
+      </p:pic>
     </p:spTree>
     <p:extLst>
       <p:ext uri="{BB962C8B-B14F-4D97-AF65-F5344CB8AC3E}">
-        <p14:creationId xmlns:p14="http://schemas.microsoft.com/office/powerpoint/2010/main" val="42779656"/>
+        <p14:creationId xmlns:p14="http://schemas.microsoft.com/office/powerpoint/2010/main" val="1033193948"/>
       </p:ext>
     </p:extLst>
   </p:cSld>
@@ -2921,7 +3445,7 @@
   <p:cSld>
     <p:bg>
       <p:bgRef idx="1003">
-        <a:schemeClr val="bg2"/>
+        <a:schemeClr val="bg1"/>
       </p:bgRef>
     </p:bg>
     <p:spTree>
@@ -2938,16 +3462,45 @@
           <a:chExt cx="0" cy="0"/>
         </a:xfrm>
       </p:grpSpPr>
+      <p:pic>
+        <p:nvPicPr>
+          <p:cNvPr id="12" name="Picture 11"/>
+          <p:cNvPicPr>
+            <a:picLocks noChangeAspect="1"/>
+          </p:cNvPicPr>
+          <p:nvPr/>
+        </p:nvPicPr>
+        <p:blipFill rotWithShape="1">
+          <a:blip r:embed="rId13">
+            <a:extLst>
+              <a:ext uri="{28A0092B-C50C-407E-A947-70E740481C1C}">
+                <a14:useLocalDpi xmlns:a14="http://schemas.microsoft.com/office/drawing/2010/main" val="0"/>
+              </a:ext>
+            </a:extLst>
+          </a:blip>
+          <a:srcRect t="1538" b="-1538"/>
+          <a:stretch/>
+        </p:blipFill>
+        <p:spPr>
+          <a:xfrm>
+            <a:off x="0" y="6119336"/>
+            <a:ext cx="12192000" cy="742950"/>
+          </a:xfrm>
+          <a:prstGeom prst="rect">
+            <a:avLst/>
+          </a:prstGeom>
+        </p:spPr>
+      </p:pic>
       <p:sp>
         <p:nvSpPr>
-          <p:cNvPr id="8" name="Rectangle 7"/>
+          <p:cNvPr id="13" name="Rectangle 12"/>
           <p:cNvSpPr/>
           <p:nvPr/>
         </p:nvSpPr>
         <p:spPr>
           <a:xfrm>
-            <a:off x="0" y="2019476"/>
-            <a:ext cx="12192000" cy="4105941"/>
+            <a:off x="0" y="468769"/>
+            <a:ext cx="12192000" cy="5647024"/>
           </a:xfrm>
           <a:prstGeom prst="rect">
             <a:avLst/>
@@ -2957,10 +3510,14 @@
               <a:gs pos="0">
                 <a:schemeClr val="bg2">
                   <a:alpha val="0"/>
+                  <a:lumMod val="100000"/>
                 </a:schemeClr>
               </a:gs>
               <a:gs pos="100000">
-                <a:schemeClr val="bg2"/>
+                <a:schemeClr val="bg2">
+                  <a:lumMod val="95000"/>
+                  <a:lumOff val="5000"/>
+                </a:schemeClr>
               </a:gs>
             </a:gsLst>
             <a:lin ang="5400000" scaled="0"/>
@@ -2987,256 +3544,15 @@
           </a:fontRef>
         </p:style>
       </p:sp>
-      <p:pic>
-        <p:nvPicPr>
-          <p:cNvPr id="7" name="Picture 6"/>
-          <p:cNvPicPr>
-            <a:picLocks noChangeAspect="1"/>
-          </p:cNvPicPr>
-          <p:nvPr/>
-        </p:nvPicPr>
-        <p:blipFill rotWithShape="1">
-          <a:blip r:embed="rId13">
-            <a:extLst>
-              <a:ext uri="{28A0092B-C50C-407E-A947-70E740481C1C}">
-                <a14:useLocalDpi xmlns:a14="http://schemas.microsoft.com/office/drawing/2010/main" val="0"/>
-              </a:ext>
-            </a:extLst>
-          </a:blip>
-          <a:srcRect t="1538" b="-1538"/>
-          <a:stretch/>
-        </p:blipFill>
-        <p:spPr bwMode="black">
-          <a:xfrm>
-            <a:off x="0" y="6126480"/>
-            <a:ext cx="12192000" cy="742950"/>
-          </a:xfrm>
-          <a:prstGeom prst="rect">
-            <a:avLst/>
-          </a:prstGeom>
-        </p:spPr>
-      </p:pic>
-      <p:sp>
-        <p:nvSpPr>
-          <p:cNvPr id="2" name="Title Placeholder 1"/>
-          <p:cNvSpPr>
-            <a:spLocks noGrp="1"/>
-          </p:cNvSpPr>
-          <p:nvPr>
-            <p:ph type="title"/>
-          </p:nvPr>
-        </p:nvSpPr>
-        <p:spPr>
-          <a:xfrm>
-            <a:off x="1451579" y="804519"/>
-            <a:ext cx="9603275" cy="1049235"/>
-          </a:xfrm>
-          <a:prstGeom prst="rect">
-            <a:avLst/>
-          </a:prstGeom>
-        </p:spPr>
-        <p:txBody>
-          <a:bodyPr vert="horz" lIns="91440" tIns="45720" rIns="91440" bIns="45720" rtlCol="0" anchor="t">
-            <a:normAutofit/>
-          </a:bodyPr>
-          <a:lstStyle/>
-          <a:p>
-            <a:r>
-              <a:rPr lang="es-ES"/>
-              <a:t>Haga clic para modificar el estilo de título del patrón</a:t>
-            </a:r>
-            <a:endParaRPr lang="en-US" dirty="0"/>
-          </a:p>
-        </p:txBody>
-      </p:sp>
-      <p:sp>
-        <p:nvSpPr>
-          <p:cNvPr id="3" name="Text Placeholder 2"/>
-          <p:cNvSpPr>
-            <a:spLocks noGrp="1"/>
-          </p:cNvSpPr>
-          <p:nvPr>
-            <p:ph type="body" idx="1"/>
-          </p:nvPr>
-        </p:nvSpPr>
-        <p:spPr>
-          <a:xfrm>
-            <a:off x="1451579" y="2015732"/>
-            <a:ext cx="9603275" cy="3450613"/>
-          </a:xfrm>
-          <a:prstGeom prst="rect">
-            <a:avLst/>
-          </a:prstGeom>
-        </p:spPr>
-        <p:txBody>
-          <a:bodyPr vert="horz" lIns="91440" tIns="45720" rIns="91440" bIns="45720" rtlCol="0">
-            <a:normAutofit/>
-          </a:bodyPr>
-          <a:lstStyle/>
-          <a:p>
-            <a:pPr lvl="0"/>
-            <a:r>
-              <a:rPr lang="es-ES"/>
-              <a:t>Haga clic para modificar los estilos de texto del patrón</a:t>
-            </a:r>
-          </a:p>
-          <a:p>
-            <a:pPr lvl="1"/>
-            <a:r>
-              <a:rPr lang="es-ES"/>
-              <a:t>Segundo nivel</a:t>
-            </a:r>
-          </a:p>
-          <a:p>
-            <a:pPr lvl="2"/>
-            <a:r>
-              <a:rPr lang="es-ES"/>
-              <a:t>Tercer nivel</a:t>
-            </a:r>
-          </a:p>
-          <a:p>
-            <a:pPr lvl="3"/>
-            <a:r>
-              <a:rPr lang="es-ES"/>
-              <a:t>Cuarto nivel</a:t>
-            </a:r>
-          </a:p>
-          <a:p>
-            <a:pPr lvl="4"/>
-            <a:r>
-              <a:rPr lang="es-ES"/>
-              <a:t>Quinto nivel</a:t>
-            </a:r>
-            <a:endParaRPr lang="en-US" dirty="0"/>
-          </a:p>
-        </p:txBody>
-      </p:sp>
-      <p:sp>
-        <p:nvSpPr>
-          <p:cNvPr id="4" name="Date Placeholder 3"/>
-          <p:cNvSpPr>
-            <a:spLocks noGrp="1"/>
-          </p:cNvSpPr>
-          <p:nvPr>
-            <p:ph type="dt" sz="half" idx="2"/>
-          </p:nvPr>
-        </p:nvSpPr>
-        <p:spPr>
-          <a:xfrm>
-            <a:off x="7554138" y="330370"/>
-            <a:ext cx="3500715" cy="309201"/>
-          </a:xfrm>
-          <a:prstGeom prst="rect">
-            <a:avLst/>
-          </a:prstGeom>
-        </p:spPr>
-        <p:txBody>
-          <a:bodyPr vert="horz" lIns="91440" tIns="45720" rIns="91440" bIns="45720" rtlCol="0" anchor="ctr"/>
-          <a:lstStyle>
-            <a:lvl1pPr algn="r">
-              <a:defRPr sz="1000">
-                <a:solidFill>
-                  <a:schemeClr val="tx1">
-                    <a:tint val="75000"/>
-                  </a:schemeClr>
-                </a:solidFill>
-              </a:defRPr>
-            </a:lvl1pPr>
-          </a:lstStyle>
-          <a:p>
-            <a:fld id="{33242493-BCE0-4FFB-80C4-F6F7F3201768}" type="datetimeFigureOut">
-              <a:rPr lang="es-CL" smtClean="0"/>
-              <a:t>28-06-2021</a:t>
-            </a:fld>
-            <a:endParaRPr lang="es-CL"/>
-          </a:p>
-        </p:txBody>
-      </p:sp>
-      <p:sp>
-        <p:nvSpPr>
-          <p:cNvPr id="5" name="Footer Placeholder 4"/>
-          <p:cNvSpPr>
-            <a:spLocks noGrp="1"/>
-          </p:cNvSpPr>
-          <p:nvPr>
-            <p:ph type="ftr" sz="quarter" idx="3"/>
-          </p:nvPr>
-        </p:nvSpPr>
-        <p:spPr>
-          <a:xfrm>
-            <a:off x="1451579" y="329307"/>
-            <a:ext cx="5938836" cy="309201"/>
-          </a:xfrm>
-          <a:prstGeom prst="rect">
-            <a:avLst/>
-          </a:prstGeom>
-        </p:spPr>
-        <p:txBody>
-          <a:bodyPr vert="horz" lIns="91440" tIns="45720" rIns="91440" bIns="45720" rtlCol="0" anchor="ctr"/>
-          <a:lstStyle>
-            <a:lvl1pPr algn="l">
-              <a:defRPr sz="1000">
-                <a:solidFill>
-                  <a:schemeClr val="tx1">
-                    <a:tint val="75000"/>
-                  </a:schemeClr>
-                </a:solidFill>
-              </a:defRPr>
-            </a:lvl1pPr>
-          </a:lstStyle>
-          <a:p>
-            <a:endParaRPr lang="es-CL"/>
-          </a:p>
-        </p:txBody>
-      </p:sp>
-      <p:sp>
-        <p:nvSpPr>
-          <p:cNvPr id="6" name="Slide Number Placeholder 5"/>
-          <p:cNvSpPr>
-            <a:spLocks noGrp="1"/>
-          </p:cNvSpPr>
-          <p:nvPr>
-            <p:ph type="sldNum" sz="quarter" idx="4"/>
-          </p:nvPr>
-        </p:nvSpPr>
-        <p:spPr>
-          <a:xfrm>
-            <a:off x="480060" y="798973"/>
-            <a:ext cx="811019" cy="503578"/>
-          </a:xfrm>
-          <a:prstGeom prst="rect">
-            <a:avLst/>
-          </a:prstGeom>
-        </p:spPr>
-        <p:txBody>
-          <a:bodyPr vert="horz" lIns="91440" tIns="45720" rIns="91440" bIns="45720" rtlCol="0" anchor="t"/>
-          <a:lstStyle>
-            <a:lvl1pPr algn="r">
-              <a:defRPr sz="2800">
-                <a:solidFill>
-                  <a:schemeClr val="accent1"/>
-                </a:solidFill>
-              </a:defRPr>
-            </a:lvl1pPr>
-          </a:lstStyle>
-          <a:p>
-            <a:fld id="{BCBB913F-6782-427A-A603-AB659CE393F4}" type="slidenum">
-              <a:rPr lang="es-CL" smtClean="0"/>
-              <a:t>‹Nº›</a:t>
-            </a:fld>
-            <a:endParaRPr lang="es-CL"/>
-          </a:p>
-        </p:txBody>
-      </p:sp>
       <p:cxnSp>
         <p:nvCxnSpPr>
-          <p:cNvPr id="10" name="Straight Connector 9"/>
+          <p:cNvPr id="14" name="Straight Connector 13"/>
           <p:cNvCxnSpPr/>
           <p:nvPr/>
         </p:nvCxnSpPr>
         <p:spPr>
           <a:xfrm>
-            <a:off x="0" y="6128413"/>
+            <a:off x="0" y="6121269"/>
             <a:ext cx="12192000" cy="0"/>
           </a:xfrm>
           <a:prstGeom prst="line">
@@ -3265,26 +3581,238 @@
           </a:fontRef>
         </p:style>
       </p:cxnSp>
+      <p:sp>
+        <p:nvSpPr>
+          <p:cNvPr id="2" name="Title Placeholder 1"/>
+          <p:cNvSpPr>
+            <a:spLocks noGrp="1"/>
+          </p:cNvSpPr>
+          <p:nvPr>
+            <p:ph type="title"/>
+          </p:nvPr>
+        </p:nvSpPr>
+        <p:spPr>
+          <a:xfrm>
+            <a:off x="1130270" y="953324"/>
+            <a:ext cx="9603275" cy="1049235"/>
+          </a:xfrm>
+          <a:prstGeom prst="rect">
+            <a:avLst/>
+          </a:prstGeom>
+        </p:spPr>
+        <p:txBody>
+          <a:bodyPr vert="horz" lIns="91440" tIns="45720" rIns="91440" bIns="45720" rtlCol="0" anchor="t">
+            <a:normAutofit/>
+          </a:bodyPr>
+          <a:lstStyle/>
+          <a:p>
+            <a:r>
+              <a:rPr lang="es-ES"/>
+              <a:t>Haga clic para modificar el estilo de título del patrón</a:t>
+            </a:r>
+            <a:endParaRPr lang="en-US" dirty="0"/>
+          </a:p>
+        </p:txBody>
+      </p:sp>
+      <p:sp>
+        <p:nvSpPr>
+          <p:cNvPr id="3" name="Text Placeholder 2"/>
+          <p:cNvSpPr>
+            <a:spLocks noGrp="1"/>
+          </p:cNvSpPr>
+          <p:nvPr>
+            <p:ph type="body" idx="1"/>
+          </p:nvPr>
+        </p:nvSpPr>
+        <p:spPr>
+          <a:xfrm>
+            <a:off x="1130270" y="2171769"/>
+            <a:ext cx="9603275" cy="3294576"/>
+          </a:xfrm>
+          <a:prstGeom prst="rect">
+            <a:avLst/>
+          </a:prstGeom>
+        </p:spPr>
+        <p:txBody>
+          <a:bodyPr vert="horz" lIns="91440" tIns="45720" rIns="91440" bIns="45720" rtlCol="0">
+            <a:normAutofit/>
+          </a:bodyPr>
+          <a:lstStyle/>
+          <a:p>
+            <a:pPr lvl="0"/>
+            <a:r>
+              <a:rPr lang="es-ES"/>
+              <a:t>Haga clic para modificar los estilos de texto del patrón</a:t>
+            </a:r>
+          </a:p>
+          <a:p>
+            <a:pPr lvl="1"/>
+            <a:r>
+              <a:rPr lang="es-ES"/>
+              <a:t>Segundo nivel</a:t>
+            </a:r>
+          </a:p>
+          <a:p>
+            <a:pPr lvl="2"/>
+            <a:r>
+              <a:rPr lang="es-ES"/>
+              <a:t>Tercer nivel</a:t>
+            </a:r>
+          </a:p>
+          <a:p>
+            <a:pPr lvl="3"/>
+            <a:r>
+              <a:rPr lang="es-ES"/>
+              <a:t>Cuarto nivel</a:t>
+            </a:r>
+          </a:p>
+          <a:p>
+            <a:pPr lvl="4"/>
+            <a:r>
+              <a:rPr lang="es-ES"/>
+              <a:t>Quinto nivel</a:t>
+            </a:r>
+            <a:endParaRPr lang="en-US" dirty="0"/>
+          </a:p>
+        </p:txBody>
+      </p:sp>
+      <p:sp>
+        <p:nvSpPr>
+          <p:cNvPr id="4" name="Date Placeholder 3"/>
+          <p:cNvSpPr>
+            <a:spLocks noGrp="1"/>
+          </p:cNvSpPr>
+          <p:nvPr>
+            <p:ph type="dt" sz="half" idx="2"/>
+          </p:nvPr>
+        </p:nvSpPr>
+        <p:spPr>
+          <a:xfrm>
+            <a:off x="7232830" y="330370"/>
+            <a:ext cx="2515396" cy="309201"/>
+          </a:xfrm>
+          <a:prstGeom prst="rect">
+            <a:avLst/>
+          </a:prstGeom>
+        </p:spPr>
+        <p:txBody>
+          <a:bodyPr vert="horz" lIns="91440" tIns="45720" rIns="91440" bIns="45720" rtlCol="0" anchor="ctr"/>
+          <a:lstStyle>
+            <a:lvl1pPr algn="r">
+              <a:defRPr sz="1000">
+                <a:solidFill>
+                  <a:schemeClr val="tx1">
+                    <a:tint val="75000"/>
+                  </a:schemeClr>
+                </a:solidFill>
+              </a:defRPr>
+            </a:lvl1pPr>
+          </a:lstStyle>
+          <a:p>
+            <a:fld id="{33242493-BCE0-4FFB-80C4-F6F7F3201768}" type="datetimeFigureOut">
+              <a:rPr lang="es-CL" smtClean="0"/>
+              <a:t>29-06-2021</a:t>
+            </a:fld>
+            <a:endParaRPr lang="es-CL"/>
+          </a:p>
+        </p:txBody>
+      </p:sp>
+      <p:sp>
+        <p:nvSpPr>
+          <p:cNvPr id="5" name="Footer Placeholder 4"/>
+          <p:cNvSpPr>
+            <a:spLocks noGrp="1"/>
+          </p:cNvSpPr>
+          <p:nvPr>
+            <p:ph type="ftr" sz="quarter" idx="3"/>
+          </p:nvPr>
+        </p:nvSpPr>
+        <p:spPr>
+          <a:xfrm>
+            <a:off x="1130270" y="329307"/>
+            <a:ext cx="5938836" cy="309201"/>
+          </a:xfrm>
+          <a:prstGeom prst="rect">
+            <a:avLst/>
+          </a:prstGeom>
+        </p:spPr>
+        <p:txBody>
+          <a:bodyPr vert="horz" lIns="91440" tIns="45720" rIns="91440" bIns="45720" rtlCol="0" anchor="ctr"/>
+          <a:lstStyle>
+            <a:lvl1pPr algn="l">
+              <a:defRPr sz="1000">
+                <a:solidFill>
+                  <a:schemeClr val="tx1">
+                    <a:tint val="75000"/>
+                  </a:schemeClr>
+                </a:solidFill>
+              </a:defRPr>
+            </a:lvl1pPr>
+          </a:lstStyle>
+          <a:p>
+            <a:endParaRPr lang="es-CL"/>
+          </a:p>
+        </p:txBody>
+      </p:sp>
+      <p:sp>
+        <p:nvSpPr>
+          <p:cNvPr id="6" name="Slide Number Placeholder 5"/>
+          <p:cNvSpPr>
+            <a:spLocks noGrp="1"/>
+          </p:cNvSpPr>
+          <p:nvPr>
+            <p:ph type="sldNum" sz="quarter" idx="4"/>
+          </p:nvPr>
+        </p:nvSpPr>
+        <p:spPr>
+          <a:xfrm>
+            <a:off x="9918076" y="137408"/>
+            <a:ext cx="811019" cy="503578"/>
+          </a:xfrm>
+          <a:prstGeom prst="rect">
+            <a:avLst/>
+          </a:prstGeom>
+        </p:spPr>
+        <p:txBody>
+          <a:bodyPr vert="horz" lIns="91440" tIns="45720" rIns="91440" bIns="45720" rtlCol="0" anchor="t"/>
+          <a:lstStyle>
+            <a:lvl1pPr algn="r">
+              <a:defRPr sz="2800">
+                <a:solidFill>
+                  <a:schemeClr val="accent1"/>
+                </a:solidFill>
+              </a:defRPr>
+            </a:lvl1pPr>
+          </a:lstStyle>
+          <a:p>
+            <a:fld id="{BCBB913F-6782-427A-A603-AB659CE393F4}" type="slidenum">
+              <a:rPr lang="es-CL" smtClean="0"/>
+              <a:t>‹Nº›</a:t>
+            </a:fld>
+            <a:endParaRPr lang="es-CL"/>
+          </a:p>
+        </p:txBody>
+      </p:sp>
     </p:spTree>
     <p:extLst>
       <p:ext uri="{BB962C8B-B14F-4D97-AF65-F5344CB8AC3E}">
-        <p14:creationId xmlns:p14="http://schemas.microsoft.com/office/powerpoint/2010/main" val="3160287775"/>
+        <p14:creationId xmlns:p14="http://schemas.microsoft.com/office/powerpoint/2010/main" val="1819099065"/>
       </p:ext>
     </p:extLst>
   </p:cSld>
   <p:clrMap bg1="lt1" tx1="dk1" bg2="lt2" tx2="dk2" accent1="accent1" accent2="accent2" accent3="accent3" accent4="accent4" accent5="accent5" accent6="accent6" hlink="hlink" folHlink="folHlink"/>
   <p:sldLayoutIdLst>
-    <p:sldLayoutId id="2147483796" r:id="rId1"/>
-    <p:sldLayoutId id="2147483797" r:id="rId2"/>
-    <p:sldLayoutId id="2147483798" r:id="rId3"/>
-    <p:sldLayoutId id="2147483799" r:id="rId4"/>
-    <p:sldLayoutId id="2147483800" r:id="rId5"/>
-    <p:sldLayoutId id="2147483801" r:id="rId6"/>
-    <p:sldLayoutId id="2147483802" r:id="rId7"/>
-    <p:sldLayoutId id="2147483803" r:id="rId8"/>
-    <p:sldLayoutId id="2147483804" r:id="rId9"/>
-    <p:sldLayoutId id="2147483805" r:id="rId10"/>
-    <p:sldLayoutId id="2147483806" r:id="rId11"/>
+    <p:sldLayoutId id="2147483832" r:id="rId1"/>
+    <p:sldLayoutId id="2147483833" r:id="rId2"/>
+    <p:sldLayoutId id="2147483834" r:id="rId3"/>
+    <p:sldLayoutId id="2147483835" r:id="rId4"/>
+    <p:sldLayoutId id="2147483836" r:id="rId5"/>
+    <p:sldLayoutId id="2147483837" r:id="rId6"/>
+    <p:sldLayoutId id="2147483838" r:id="rId7"/>
+    <p:sldLayoutId id="2147483839" r:id="rId8"/>
+    <p:sldLayoutId id="2147483840" r:id="rId9"/>
+    <p:sldLayoutId id="2147483841" r:id="rId10"/>
+    <p:sldLayoutId id="2147483842" r:id="rId11"/>
   </p:sldLayoutIdLst>
   <p:txStyles>
     <p:titleStyle>
@@ -3296,7 +3824,7 @@
           <a:spcPct val="0"/>
         </a:spcBef>
         <a:buNone/>
-        <a:defRPr sz="3200" b="0" i="0" kern="1200" cap="all">
+        <a:defRPr sz="3200" b="0" i="0" kern="1200" cap="none">
           <a:solidFill>
             <a:schemeClr val="tx1"/>
           </a:solidFill>
@@ -3716,6 +4244,446 @@
 </p:sld>
 </file>
 
+<file path=ppt/slides/slide10.xml><?xml version="1.0" encoding="utf-8"?>
+<p:sld xmlns:a="http://schemas.openxmlformats.org/drawingml/2006/main" xmlns:r="http://schemas.openxmlformats.org/officeDocument/2006/relationships" xmlns:p="http://schemas.openxmlformats.org/presentationml/2006/main">
+  <p:cSld>
+    <p:spTree>
+      <p:nvGrpSpPr>
+        <p:cNvPr id="1" name=""/>
+        <p:cNvGrpSpPr/>
+        <p:nvPr/>
+      </p:nvGrpSpPr>
+      <p:grpSpPr>
+        <a:xfrm>
+          <a:off x="0" y="0"/>
+          <a:ext cx="0" cy="0"/>
+          <a:chOff x="0" y="0"/>
+          <a:chExt cx="0" cy="0"/>
+        </a:xfrm>
+      </p:grpSpPr>
+      <p:sp>
+        <p:nvSpPr>
+          <p:cNvPr id="4" name="CuadroTexto 3">
+            <a:extLst>
+              <a:ext uri="{FF2B5EF4-FFF2-40B4-BE49-F238E27FC236}">
+                <a16:creationId xmlns:a16="http://schemas.microsoft.com/office/drawing/2014/main" id="{01988C50-F7B1-4116-B5DD-F96A3E04AE8B}"/>
+              </a:ext>
+            </a:extLst>
+          </p:cNvPr>
+          <p:cNvSpPr txBox="1"/>
+          <p:nvPr/>
+        </p:nvSpPr>
+        <p:spPr>
+          <a:xfrm>
+            <a:off x="1638300" y="952500"/>
+            <a:ext cx="8277225" cy="646331"/>
+          </a:xfrm>
+          <a:prstGeom prst="rect">
+            <a:avLst/>
+          </a:prstGeom>
+          <a:noFill/>
+        </p:spPr>
+        <p:txBody>
+          <a:bodyPr wrap="square" rtlCol="0">
+            <a:spAutoFit/>
+          </a:bodyPr>
+          <a:lstStyle/>
+          <a:p>
+            <a:r>
+              <a:rPr lang="es-CL" sz="3600" dirty="0"/>
+              <a:t>SPRINT REVIEW</a:t>
+            </a:r>
+          </a:p>
+        </p:txBody>
+      </p:sp>
+      <p:pic>
+        <p:nvPicPr>
+          <p:cNvPr id="3" name="Imagen 2">
+            <a:extLst>
+              <a:ext uri="{FF2B5EF4-FFF2-40B4-BE49-F238E27FC236}">
+                <a16:creationId xmlns:a16="http://schemas.microsoft.com/office/drawing/2014/main" id="{CC3775CF-F44D-4081-884E-EAD574DDD0DA}"/>
+              </a:ext>
+            </a:extLst>
+          </p:cNvPr>
+          <p:cNvPicPr>
+            <a:picLocks noChangeAspect="1"/>
+          </p:cNvPicPr>
+          <p:nvPr/>
+        </p:nvPicPr>
+        <p:blipFill>
+          <a:blip r:embed="rId2"/>
+          <a:stretch>
+            <a:fillRect/>
+          </a:stretch>
+        </p:blipFill>
+        <p:spPr>
+          <a:xfrm>
+            <a:off x="1436170" y="1811864"/>
+            <a:ext cx="3116580" cy="2495115"/>
+          </a:xfrm>
+          <a:prstGeom prst="rect">
+            <a:avLst/>
+          </a:prstGeom>
+        </p:spPr>
+      </p:pic>
+      <p:pic>
+        <p:nvPicPr>
+          <p:cNvPr id="7" name="Imagen 6">
+            <a:extLst>
+              <a:ext uri="{FF2B5EF4-FFF2-40B4-BE49-F238E27FC236}">
+                <a16:creationId xmlns:a16="http://schemas.microsoft.com/office/drawing/2014/main" id="{B8D9C34E-E314-48CB-A4CF-22A3FE18A0F3}"/>
+              </a:ext>
+            </a:extLst>
+          </p:cNvPr>
+          <p:cNvPicPr>
+            <a:picLocks noChangeAspect="1"/>
+          </p:cNvPicPr>
+          <p:nvPr/>
+        </p:nvPicPr>
+        <p:blipFill>
+          <a:blip r:embed="rId3"/>
+          <a:stretch>
+            <a:fillRect/>
+          </a:stretch>
+        </p:blipFill>
+        <p:spPr>
+          <a:xfrm>
+            <a:off x="5466922" y="1412612"/>
+            <a:ext cx="5633094" cy="3293617"/>
+          </a:xfrm>
+          <a:prstGeom prst="rect">
+            <a:avLst/>
+          </a:prstGeom>
+        </p:spPr>
+      </p:pic>
+    </p:spTree>
+    <p:extLst>
+      <p:ext uri="{BB962C8B-B14F-4D97-AF65-F5344CB8AC3E}">
+        <p14:creationId xmlns:p14="http://schemas.microsoft.com/office/powerpoint/2010/main" val="627673017"/>
+      </p:ext>
+    </p:extLst>
+  </p:cSld>
+  <p:clrMapOvr>
+    <a:masterClrMapping/>
+  </p:clrMapOvr>
+</p:sld>
+</file>
+
+<file path=ppt/slides/slide11.xml><?xml version="1.0" encoding="utf-8"?>
+<p:sld xmlns:a="http://schemas.openxmlformats.org/drawingml/2006/main" xmlns:r="http://schemas.openxmlformats.org/officeDocument/2006/relationships" xmlns:p="http://schemas.openxmlformats.org/presentationml/2006/main">
+  <p:cSld>
+    <p:spTree>
+      <p:nvGrpSpPr>
+        <p:cNvPr id="1" name=""/>
+        <p:cNvGrpSpPr/>
+        <p:nvPr/>
+      </p:nvGrpSpPr>
+      <p:grpSpPr>
+        <a:xfrm>
+          <a:off x="0" y="0"/>
+          <a:ext cx="0" cy="0"/>
+          <a:chOff x="0" y="0"/>
+          <a:chExt cx="0" cy="0"/>
+        </a:xfrm>
+      </p:grpSpPr>
+      <p:sp>
+        <p:nvSpPr>
+          <p:cNvPr id="4" name="CuadroTexto 3">
+            <a:extLst>
+              <a:ext uri="{FF2B5EF4-FFF2-40B4-BE49-F238E27FC236}">
+                <a16:creationId xmlns:a16="http://schemas.microsoft.com/office/drawing/2014/main" id="{01988C50-F7B1-4116-B5DD-F96A3E04AE8B}"/>
+              </a:ext>
+            </a:extLst>
+          </p:cNvPr>
+          <p:cNvSpPr txBox="1"/>
+          <p:nvPr/>
+        </p:nvSpPr>
+        <p:spPr>
+          <a:xfrm>
+            <a:off x="1638300" y="952500"/>
+            <a:ext cx="8277225" cy="646331"/>
+          </a:xfrm>
+          <a:prstGeom prst="rect">
+            <a:avLst/>
+          </a:prstGeom>
+          <a:noFill/>
+        </p:spPr>
+        <p:txBody>
+          <a:bodyPr wrap="square" rtlCol="0">
+            <a:spAutoFit/>
+          </a:bodyPr>
+          <a:lstStyle/>
+          <a:p>
+            <a:r>
+              <a:rPr lang="es-CL" sz="3600" dirty="0"/>
+              <a:t>SPRINT REVIEW</a:t>
+            </a:r>
+          </a:p>
+        </p:txBody>
+      </p:sp>
+      <p:pic>
+        <p:nvPicPr>
+          <p:cNvPr id="5" name="Imagen 4">
+            <a:extLst>
+              <a:ext uri="{FF2B5EF4-FFF2-40B4-BE49-F238E27FC236}">
+                <a16:creationId xmlns:a16="http://schemas.microsoft.com/office/drawing/2014/main" id="{87BCF60F-6CAA-4C82-9F9A-AC52791A55F1}"/>
+              </a:ext>
+            </a:extLst>
+          </p:cNvPr>
+          <p:cNvPicPr>
+            <a:picLocks noChangeAspect="1"/>
+          </p:cNvPicPr>
+          <p:nvPr/>
+        </p:nvPicPr>
+        <p:blipFill>
+          <a:blip r:embed="rId2"/>
+          <a:stretch>
+            <a:fillRect/>
+          </a:stretch>
+        </p:blipFill>
+        <p:spPr>
+          <a:xfrm>
+            <a:off x="258510" y="2088989"/>
+            <a:ext cx="4981311" cy="3516744"/>
+          </a:xfrm>
+          <a:prstGeom prst="rect">
+            <a:avLst/>
+          </a:prstGeom>
+        </p:spPr>
+      </p:pic>
+      <p:pic>
+        <p:nvPicPr>
+          <p:cNvPr id="8" name="Imagen 7">
+            <a:extLst>
+              <a:ext uri="{FF2B5EF4-FFF2-40B4-BE49-F238E27FC236}">
+                <a16:creationId xmlns:a16="http://schemas.microsoft.com/office/drawing/2014/main" id="{AF3D4248-7D93-48F4-A9E7-713088A1D59B}"/>
+              </a:ext>
+            </a:extLst>
+          </p:cNvPr>
+          <p:cNvPicPr>
+            <a:picLocks noChangeAspect="1"/>
+          </p:cNvPicPr>
+          <p:nvPr/>
+        </p:nvPicPr>
+        <p:blipFill>
+          <a:blip r:embed="rId3"/>
+          <a:stretch>
+            <a:fillRect/>
+          </a:stretch>
+        </p:blipFill>
+        <p:spPr>
+          <a:xfrm>
+            <a:off x="5506950" y="1995931"/>
+            <a:ext cx="6426540" cy="3702860"/>
+          </a:xfrm>
+          <a:prstGeom prst="rect">
+            <a:avLst/>
+          </a:prstGeom>
+        </p:spPr>
+      </p:pic>
+    </p:spTree>
+    <p:extLst>
+      <p:ext uri="{BB962C8B-B14F-4D97-AF65-F5344CB8AC3E}">
+        <p14:creationId xmlns:p14="http://schemas.microsoft.com/office/powerpoint/2010/main" val="1286164326"/>
+      </p:ext>
+    </p:extLst>
+  </p:cSld>
+  <p:clrMapOvr>
+    <a:masterClrMapping/>
+  </p:clrMapOvr>
+</p:sld>
+</file>
+
+<file path=ppt/slides/slide12.xml><?xml version="1.0" encoding="utf-8"?>
+<p:sld xmlns:a="http://schemas.openxmlformats.org/drawingml/2006/main" xmlns:r="http://schemas.openxmlformats.org/officeDocument/2006/relationships" xmlns:p="http://schemas.openxmlformats.org/presentationml/2006/main">
+  <p:cSld>
+    <p:spTree>
+      <p:nvGrpSpPr>
+        <p:cNvPr id="1" name=""/>
+        <p:cNvGrpSpPr/>
+        <p:nvPr/>
+      </p:nvGrpSpPr>
+      <p:grpSpPr>
+        <a:xfrm>
+          <a:off x="0" y="0"/>
+          <a:ext cx="0" cy="0"/>
+          <a:chOff x="0" y="0"/>
+          <a:chExt cx="0" cy="0"/>
+        </a:xfrm>
+      </p:grpSpPr>
+      <p:sp>
+        <p:nvSpPr>
+          <p:cNvPr id="4" name="CuadroTexto 3">
+            <a:extLst>
+              <a:ext uri="{FF2B5EF4-FFF2-40B4-BE49-F238E27FC236}">
+                <a16:creationId xmlns:a16="http://schemas.microsoft.com/office/drawing/2014/main" id="{01988C50-F7B1-4116-B5DD-F96A3E04AE8B}"/>
+              </a:ext>
+            </a:extLst>
+          </p:cNvPr>
+          <p:cNvSpPr txBox="1"/>
+          <p:nvPr/>
+        </p:nvSpPr>
+        <p:spPr>
+          <a:xfrm>
+            <a:off x="1638300" y="952500"/>
+            <a:ext cx="8277225" cy="646331"/>
+          </a:xfrm>
+          <a:prstGeom prst="rect">
+            <a:avLst/>
+          </a:prstGeom>
+          <a:noFill/>
+        </p:spPr>
+        <p:txBody>
+          <a:bodyPr wrap="square" rtlCol="0">
+            <a:spAutoFit/>
+          </a:bodyPr>
+          <a:lstStyle/>
+          <a:p>
+            <a:r>
+              <a:rPr lang="es-CL" sz="3600" dirty="0"/>
+              <a:t>RETROESPECTIVA</a:t>
+            </a:r>
+          </a:p>
+        </p:txBody>
+      </p:sp>
+      <p:sp>
+        <p:nvSpPr>
+          <p:cNvPr id="6" name="CuadroTexto 5">
+            <a:extLst>
+              <a:ext uri="{FF2B5EF4-FFF2-40B4-BE49-F238E27FC236}">
+                <a16:creationId xmlns:a16="http://schemas.microsoft.com/office/drawing/2014/main" id="{8A557C88-971A-4E32-B55A-23220106EA39}"/>
+              </a:ext>
+            </a:extLst>
+          </p:cNvPr>
+          <p:cNvSpPr txBox="1"/>
+          <p:nvPr/>
+        </p:nvSpPr>
+        <p:spPr>
+          <a:xfrm>
+            <a:off x="1373981" y="1690806"/>
+            <a:ext cx="8541544" cy="4610173"/>
+          </a:xfrm>
+          <a:prstGeom prst="rect">
+            <a:avLst/>
+          </a:prstGeom>
+          <a:noFill/>
+        </p:spPr>
+        <p:txBody>
+          <a:bodyPr wrap="square">
+            <a:spAutoFit/>
+          </a:bodyPr>
+          <a:lstStyle/>
+          <a:p>
+            <a:pPr marL="285750" indent="-285750">
+              <a:lnSpc>
+                <a:spcPct val="150000"/>
+              </a:lnSpc>
+              <a:buFont typeface="Arial" panose="020B0604020202020204" pitchFamily="34" charset="0"/>
+              <a:buChar char="•"/>
+            </a:pPr>
+            <a:r>
+              <a:rPr lang="es-CL" dirty="0"/>
+              <a:t>Como equipo se revisa cada implementación de código, entre prueba y error, correcciones y como resultado una mejora continua.</a:t>
+            </a:r>
+          </a:p>
+          <a:p>
+            <a:pPr marL="285750" indent="-285750">
+              <a:lnSpc>
+                <a:spcPct val="150000"/>
+              </a:lnSpc>
+              <a:buFont typeface="Arial" panose="020B0604020202020204" pitchFamily="34" charset="0"/>
+              <a:buChar char="•"/>
+            </a:pPr>
+            <a:r>
+              <a:rPr lang="es-CL" dirty="0"/>
+              <a:t>Al implementar una tarea, se requería un estudio previo ya que el equipo necesita retroalimentar el conocimiento.</a:t>
+            </a:r>
+          </a:p>
+          <a:p>
+            <a:pPr marL="285750" indent="-285750">
+              <a:lnSpc>
+                <a:spcPct val="150000"/>
+              </a:lnSpc>
+              <a:buFont typeface="Arial" panose="020B0604020202020204" pitchFamily="34" charset="0"/>
+              <a:buChar char="•"/>
+            </a:pPr>
+            <a:r>
+              <a:rPr lang="es-CL" dirty="0"/>
+              <a:t>La distribución de tiempo en cada actividad no fue del todo correcta llevando a retrasos en otras tareas con mayor prioridad.</a:t>
+            </a:r>
+          </a:p>
+          <a:p>
+            <a:pPr marL="285750" indent="-285750">
+              <a:lnSpc>
+                <a:spcPct val="150000"/>
+              </a:lnSpc>
+              <a:buFont typeface="Arial" panose="020B0604020202020204" pitchFamily="34" charset="0"/>
+              <a:buChar char="•"/>
+            </a:pPr>
+            <a:r>
+              <a:rPr lang="es-CL" dirty="0"/>
+              <a:t>Tareas pendientes del equipo:</a:t>
+            </a:r>
+          </a:p>
+          <a:p>
+            <a:pPr marL="742950" lvl="1" indent="-285750">
+              <a:lnSpc>
+                <a:spcPct val="150000"/>
+              </a:lnSpc>
+              <a:buFont typeface="Arial" panose="020B0604020202020204" pitchFamily="34" charset="0"/>
+              <a:buChar char="•"/>
+            </a:pPr>
+            <a:r>
+              <a:rPr lang="es-CL" dirty="0"/>
+              <a:t>Ingresar tarjeta</a:t>
+            </a:r>
+          </a:p>
+          <a:p>
+            <a:pPr marL="742950" lvl="1" indent="-285750">
+              <a:lnSpc>
+                <a:spcPct val="150000"/>
+              </a:lnSpc>
+              <a:buFont typeface="Arial" panose="020B0604020202020204" pitchFamily="34" charset="0"/>
+              <a:buChar char="•"/>
+            </a:pPr>
+            <a:r>
+              <a:rPr lang="es-CL" dirty="0"/>
+              <a:t>Validar formulario envió.</a:t>
+            </a:r>
+          </a:p>
+          <a:p>
+            <a:pPr lvl="1">
+              <a:lnSpc>
+                <a:spcPct val="150000"/>
+              </a:lnSpc>
+            </a:pPr>
+            <a:endParaRPr lang="es-CL" dirty="0"/>
+          </a:p>
+          <a:p>
+            <a:pPr marL="285750" indent="-285750">
+              <a:lnSpc>
+                <a:spcPct val="150000"/>
+              </a:lnSpc>
+              <a:buFont typeface="Arial" panose="020B0604020202020204" pitchFamily="34" charset="0"/>
+              <a:buChar char="•"/>
+            </a:pPr>
+            <a:endParaRPr lang="es-CL" u="sng" dirty="0"/>
+          </a:p>
+        </p:txBody>
+      </p:sp>
+    </p:spTree>
+    <p:extLst>
+      <p:ext uri="{BB962C8B-B14F-4D97-AF65-F5344CB8AC3E}">
+        <p14:creationId xmlns:p14="http://schemas.microsoft.com/office/powerpoint/2010/main" val="1069133993"/>
+      </p:ext>
+    </p:extLst>
+  </p:cSld>
+  <p:clrMapOvr>
+    <a:masterClrMapping/>
+  </p:clrMapOvr>
+</p:sld>
+</file>
+
 <file path=ppt/slides/slide2.xml><?xml version="1.0" encoding="utf-8"?>
 <p:sld xmlns:a="http://schemas.openxmlformats.org/drawingml/2006/main" xmlns:r="http://schemas.openxmlformats.org/officeDocument/2006/relationships" xmlns:p="http://schemas.openxmlformats.org/presentationml/2006/main">
   <p:cSld>
@@ -3930,6 +4898,31 @@
 <file path=ppt/slides/slide3.xml><?xml version="1.0" encoding="utf-8"?>
 <p:sld xmlns:a="http://schemas.openxmlformats.org/drawingml/2006/main" xmlns:r="http://schemas.openxmlformats.org/officeDocument/2006/relationships" xmlns:p="http://schemas.openxmlformats.org/presentationml/2006/main">
   <p:cSld>
+    <p:bg>
+      <p:bgPr>
+        <a:gradFill rotWithShape="1">
+          <a:gsLst>
+            <a:gs pos="0">
+              <a:schemeClr val="bg1">
+                <a:tint val="94000"/>
+                <a:satMod val="80000"/>
+                <a:lumMod val="106000"/>
+              </a:schemeClr>
+            </a:gs>
+            <a:gs pos="100000">
+              <a:schemeClr val="bg1">
+                <a:shade val="80000"/>
+                <a:lumMod val="108000"/>
+              </a:schemeClr>
+            </a:gs>
+          </a:gsLst>
+          <a:path path="circle">
+            <a:fillToRect l="43000" r="43000" b="100000"/>
+          </a:path>
+        </a:gradFill>
+        <a:effectLst/>
+      </p:bgPr>
+    </p:bg>
     <p:spTree>
       <p:nvGrpSpPr>
         <p:cNvPr id="1" name=""/>
@@ -3944,6 +4937,367 @@
           <a:chExt cx="0" cy="0"/>
         </a:xfrm>
       </p:grpSpPr>
+      <p:pic>
+        <p:nvPicPr>
+          <p:cNvPr id="9" name="Picture 8">
+            <a:extLst>
+              <a:ext uri="{FF2B5EF4-FFF2-40B4-BE49-F238E27FC236}">
+                <a16:creationId xmlns:a16="http://schemas.microsoft.com/office/drawing/2014/main" id="{CB1DE69F-569C-4A49-8E50-4093C135AECF}"/>
+              </a:ext>
+              <a:ext uri="{C183D7F6-B498-43B3-948B-1728B52AA6E4}">
+                <adec:decorative xmlns:adec="http://schemas.microsoft.com/office/drawing/2017/decorative" val="1"/>
+              </a:ext>
+            </a:extLst>
+          </p:cNvPr>
+          <p:cNvPicPr>
+            <a:picLocks noGrp="1" noRot="1" noChangeAspect="1" noMove="1" noResize="1" noEditPoints="1" noAdjustHandles="1" noChangeArrowheads="1" noChangeShapeType="1" noCrop="1"/>
+          </p:cNvPicPr>
+          <p:nvPr>
+            <p:extLst>
+              <p:ext uri="{386F3935-93C4-4BCD-93E2-E3B085C9AB24}">
+                <p16:designElem xmlns:p16="http://schemas.microsoft.com/office/powerpoint/2015/main" val="1"/>
+              </p:ext>
+            </p:extLst>
+          </p:nvPr>
+        </p:nvPicPr>
+        <p:blipFill rotWithShape="1">
+          <a:blip r:embed="rId2">
+            <a:extLst>
+              <a:ext uri="{28A0092B-C50C-407E-A947-70E740481C1C}">
+                <a14:useLocalDpi xmlns:a14="http://schemas.microsoft.com/office/drawing/2010/main" val="0"/>
+              </a:ext>
+            </a:extLst>
+          </a:blip>
+          <a:srcRect t="1538" b="-1538"/>
+          <a:stretch/>
+        </p:blipFill>
+        <p:spPr>
+          <a:xfrm>
+            <a:off x="0" y="6119336"/>
+            <a:ext cx="12192000" cy="742950"/>
+          </a:xfrm>
+          <a:prstGeom prst="rect">
+            <a:avLst/>
+          </a:prstGeom>
+        </p:spPr>
+      </p:pic>
+      <p:sp>
+        <p:nvSpPr>
+          <p:cNvPr id="11" name="Rectangle 10">
+            <a:extLst>
+              <a:ext uri="{FF2B5EF4-FFF2-40B4-BE49-F238E27FC236}">
+                <a16:creationId xmlns:a16="http://schemas.microsoft.com/office/drawing/2014/main" id="{50B488F5-9CE4-4346-B22F-600286ED4D8F}"/>
+              </a:ext>
+              <a:ext uri="{C183D7F6-B498-43B3-948B-1728B52AA6E4}">
+                <adec:decorative xmlns:adec="http://schemas.microsoft.com/office/drawing/2017/decorative" val="1"/>
+              </a:ext>
+            </a:extLst>
+          </p:cNvPr>
+          <p:cNvSpPr>
+            <a:spLocks noGrp="1" noRot="1" noChangeAspect="1" noMove="1" noResize="1" noEditPoints="1" noAdjustHandles="1" noChangeArrowheads="1" noChangeShapeType="1" noTextEdit="1"/>
+          </p:cNvSpPr>
+          <p:nvPr>
+            <p:extLst>
+              <p:ext uri="{386F3935-93C4-4BCD-93E2-E3B085C9AB24}">
+                <p16:designElem xmlns:p16="http://schemas.microsoft.com/office/powerpoint/2015/main" val="1"/>
+              </p:ext>
+            </p:extLst>
+          </p:nvPr>
+        </p:nvSpPr>
+        <p:spPr>
+          <a:xfrm>
+            <a:off x="0" y="468769"/>
+            <a:ext cx="12192000" cy="5647024"/>
+          </a:xfrm>
+          <a:prstGeom prst="rect">
+            <a:avLst/>
+          </a:prstGeom>
+          <a:gradFill flip="none" rotWithShape="1">
+            <a:gsLst>
+              <a:gs pos="0">
+                <a:schemeClr val="bg2">
+                  <a:alpha val="0"/>
+                  <a:lumMod val="100000"/>
+                </a:schemeClr>
+              </a:gs>
+              <a:gs pos="100000">
+                <a:schemeClr val="bg2">
+                  <a:lumMod val="95000"/>
+                  <a:lumOff val="5000"/>
+                </a:schemeClr>
+              </a:gs>
+            </a:gsLst>
+            <a:lin ang="5400000" scaled="0"/>
+            <a:tileRect/>
+          </a:gradFill>
+          <a:ln>
+            <a:noFill/>
+          </a:ln>
+        </p:spPr>
+        <p:style>
+          <a:lnRef idx="2">
+            <a:schemeClr val="accent1">
+              <a:shade val="50000"/>
+            </a:schemeClr>
+          </a:lnRef>
+          <a:fillRef idx="1">
+            <a:schemeClr val="accent1"/>
+          </a:fillRef>
+          <a:effectRef idx="0">
+            <a:schemeClr val="accent1"/>
+          </a:effectRef>
+          <a:fontRef idx="minor">
+            <a:schemeClr val="lt1"/>
+          </a:fontRef>
+        </p:style>
+      </p:sp>
+      <p:cxnSp>
+        <p:nvCxnSpPr>
+          <p:cNvPr id="13" name="Straight Connector 12">
+            <a:extLst>
+              <a:ext uri="{FF2B5EF4-FFF2-40B4-BE49-F238E27FC236}">
+                <a16:creationId xmlns:a16="http://schemas.microsoft.com/office/drawing/2014/main" id="{5F76596F-57DF-4A0C-96D9-046DC3B30E9F}"/>
+              </a:ext>
+              <a:ext uri="{C183D7F6-B498-43B3-948B-1728B52AA6E4}">
+                <adec:decorative xmlns:adec="http://schemas.microsoft.com/office/drawing/2017/decorative" val="1"/>
+              </a:ext>
+            </a:extLst>
+          </p:cNvPr>
+          <p:cNvCxnSpPr>
+            <a:cxnSpLocks noGrp="1" noRot="1" noChangeAspect="1" noMove="1" noResize="1" noEditPoints="1" noAdjustHandles="1" noChangeArrowheads="1" noChangeShapeType="1"/>
+          </p:cNvCxnSpPr>
+          <p:nvPr>
+            <p:extLst>
+              <p:ext uri="{386F3935-93C4-4BCD-93E2-E3B085C9AB24}">
+                <p16:designElem xmlns:p16="http://schemas.microsoft.com/office/powerpoint/2015/main" val="1"/>
+              </p:ext>
+            </p:extLst>
+          </p:nvPr>
+        </p:nvCxnSpPr>
+        <p:spPr>
+          <a:xfrm>
+            <a:off x="0" y="6121269"/>
+            <a:ext cx="12192000" cy="0"/>
+          </a:xfrm>
+          <a:prstGeom prst="line">
+            <a:avLst/>
+          </a:prstGeom>
+          <a:ln w="12700">
+            <a:solidFill>
+              <a:srgbClr val="000001">
+                <a:alpha val="20000"/>
+              </a:srgbClr>
+            </a:solidFill>
+          </a:ln>
+        </p:spPr>
+        <p:style>
+          <a:lnRef idx="1">
+            <a:schemeClr val="accent1"/>
+          </a:lnRef>
+          <a:fillRef idx="0">
+            <a:schemeClr val="accent1"/>
+          </a:fillRef>
+          <a:effectRef idx="0">
+            <a:schemeClr val="accent1"/>
+          </a:effectRef>
+          <a:fontRef idx="minor">
+            <a:schemeClr val="tx1"/>
+          </a:fontRef>
+        </p:style>
+      </p:cxnSp>
+      <p:pic>
+        <p:nvPicPr>
+          <p:cNvPr id="15" name="Picture 14">
+            <a:extLst>
+              <a:ext uri="{FF2B5EF4-FFF2-40B4-BE49-F238E27FC236}">
+                <a16:creationId xmlns:a16="http://schemas.microsoft.com/office/drawing/2014/main" id="{16176A8D-754E-4699-9AAC-A833466A201A}"/>
+              </a:ext>
+              <a:ext uri="{C183D7F6-B498-43B3-948B-1728B52AA6E4}">
+                <adec:decorative xmlns:adec="http://schemas.microsoft.com/office/drawing/2017/decorative" val="1"/>
+              </a:ext>
+            </a:extLst>
+          </p:cNvPr>
+          <p:cNvPicPr>
+            <a:picLocks noGrp="1" noRot="1" noChangeAspect="1" noMove="1" noResize="1" noEditPoints="1" noAdjustHandles="1" noChangeArrowheads="1" noChangeShapeType="1" noCrop="1"/>
+          </p:cNvPicPr>
+          <p:nvPr>
+            <p:extLst>
+              <p:ext uri="{386F3935-93C4-4BCD-93E2-E3B085C9AB24}">
+                <p16:designElem xmlns:p16="http://schemas.microsoft.com/office/powerpoint/2015/main" val="1"/>
+              </p:ext>
+            </p:extLst>
+          </p:nvPr>
+        </p:nvPicPr>
+        <p:blipFill rotWithShape="1">
+          <a:blip r:embed="rId3">
+            <a:duotone>
+              <a:schemeClr val="accent1">
+                <a:shade val="45000"/>
+                <a:satMod val="135000"/>
+              </a:schemeClr>
+              <a:prstClr val="white"/>
+            </a:duotone>
+            <a:extLst>
+              <a:ext uri="{28A0092B-C50C-407E-A947-70E740481C1C}">
+                <a14:useLocalDpi xmlns:a14="http://schemas.microsoft.com/office/drawing/2010/main" val="0"/>
+              </a:ext>
+            </a:extLst>
+          </a:blip>
+          <a:srcRect l="-115" r="15828" b="36435"/>
+          <a:stretch/>
+        </p:blipFill>
+        <p:spPr>
+          <a:xfrm>
+            <a:off x="1125460" y="643464"/>
+            <a:ext cx="9610344" cy="155448"/>
+          </a:xfrm>
+          <a:prstGeom prst="rect">
+            <a:avLst/>
+          </a:prstGeom>
+          <a:noFill/>
+          <a:ln>
+            <a:noFill/>
+          </a:ln>
+        </p:spPr>
+      </p:pic>
+      <p:sp useBgFill="1">
+        <p:nvSpPr>
+          <p:cNvPr id="17" name="Rectangle 16">
+            <a:extLst>
+              <a:ext uri="{FF2B5EF4-FFF2-40B4-BE49-F238E27FC236}">
+                <a16:creationId xmlns:a16="http://schemas.microsoft.com/office/drawing/2014/main" id="{B374BF5C-C264-47AF-9C49-1875F88B92C9}"/>
+              </a:ext>
+              <a:ext uri="{C183D7F6-B498-43B3-948B-1728B52AA6E4}">
+                <adec:decorative xmlns:adec="http://schemas.microsoft.com/office/drawing/2017/decorative" val="1"/>
+              </a:ext>
+            </a:extLst>
+          </p:cNvPr>
+          <p:cNvSpPr>
+            <a:spLocks noGrp="1" noRot="1" noChangeAspect="1" noMove="1" noResize="1" noEditPoints="1" noAdjustHandles="1" noChangeArrowheads="1" noChangeShapeType="1" noTextEdit="1"/>
+          </p:cNvSpPr>
+          <p:nvPr>
+            <p:extLst>
+              <p:ext uri="{386F3935-93C4-4BCD-93E2-E3B085C9AB24}">
+                <p16:designElem xmlns:p16="http://schemas.microsoft.com/office/powerpoint/2015/main" val="1"/>
+              </p:ext>
+            </p:extLst>
+          </p:nvPr>
+        </p:nvSpPr>
+        <p:spPr>
+          <a:xfrm>
+            <a:off x="2" y="0"/>
+            <a:ext cx="12191695" cy="6858000"/>
+          </a:xfrm>
+          <a:prstGeom prst="rect">
+            <a:avLst/>
+          </a:prstGeom>
+          <a:ln>
+            <a:noFill/>
+          </a:ln>
+        </p:spPr>
+        <p:style>
+          <a:lnRef idx="2">
+            <a:schemeClr val="accent1">
+              <a:shade val="50000"/>
+            </a:schemeClr>
+          </a:lnRef>
+          <a:fillRef idx="1">
+            <a:schemeClr val="accent1"/>
+          </a:fillRef>
+          <a:effectRef idx="0">
+            <a:schemeClr val="accent1"/>
+          </a:effectRef>
+          <a:fontRef idx="minor">
+            <a:schemeClr val="lt1"/>
+          </a:fontRef>
+        </p:style>
+        <p:txBody>
+          <a:bodyPr rtlCol="0" anchor="ctr"/>
+          <a:lstStyle/>
+          <a:p>
+            <a:pPr algn="ctr"/>
+            <a:endParaRPr lang="en-US"/>
+          </a:p>
+        </p:txBody>
+      </p:sp>
+      <p:sp>
+        <p:nvSpPr>
+          <p:cNvPr id="19" name="Rectangle 18">
+            <a:extLst>
+              <a:ext uri="{FF2B5EF4-FFF2-40B4-BE49-F238E27FC236}">
+                <a16:creationId xmlns:a16="http://schemas.microsoft.com/office/drawing/2014/main" id="{EA9A5156-A214-495D-9493-B85A2B08F1E7}"/>
+              </a:ext>
+              <a:ext uri="{C183D7F6-B498-43B3-948B-1728B52AA6E4}">
+                <adec:decorative xmlns:adec="http://schemas.microsoft.com/office/drawing/2017/decorative" val="1"/>
+              </a:ext>
+            </a:extLst>
+          </p:cNvPr>
+          <p:cNvSpPr>
+            <a:spLocks noGrp="1" noRot="1" noChangeAspect="1" noMove="1" noResize="1" noEditPoints="1" noAdjustHandles="1" noChangeArrowheads="1" noChangeShapeType="1" noTextEdit="1"/>
+          </p:cNvSpPr>
+          <p:nvPr>
+            <p:extLst>
+              <p:ext uri="{386F3935-93C4-4BCD-93E2-E3B085C9AB24}">
+                <p16:designElem xmlns:p16="http://schemas.microsoft.com/office/powerpoint/2015/main" val="1"/>
+              </p:ext>
+            </p:extLst>
+          </p:nvPr>
+        </p:nvSpPr>
+        <p:spPr>
+          <a:xfrm>
+            <a:off x="0" y="468769"/>
+            <a:ext cx="12192000" cy="5647024"/>
+          </a:xfrm>
+          <a:prstGeom prst="rect">
+            <a:avLst/>
+          </a:prstGeom>
+          <a:gradFill flip="none" rotWithShape="1">
+            <a:gsLst>
+              <a:gs pos="0">
+                <a:schemeClr val="bg2">
+                  <a:alpha val="0"/>
+                  <a:lumMod val="100000"/>
+                </a:schemeClr>
+              </a:gs>
+              <a:gs pos="100000">
+                <a:schemeClr val="bg2">
+                  <a:lumMod val="95000"/>
+                  <a:lumOff val="5000"/>
+                </a:schemeClr>
+              </a:gs>
+            </a:gsLst>
+            <a:lin ang="5400000" scaled="0"/>
+            <a:tileRect/>
+          </a:gradFill>
+          <a:ln>
+            <a:noFill/>
+          </a:ln>
+        </p:spPr>
+        <p:style>
+          <a:lnRef idx="2">
+            <a:schemeClr val="accent1">
+              <a:shade val="50000"/>
+            </a:schemeClr>
+          </a:lnRef>
+          <a:fillRef idx="1">
+            <a:schemeClr val="accent1"/>
+          </a:fillRef>
+          <a:effectRef idx="0">
+            <a:schemeClr val="accent1"/>
+          </a:effectRef>
+          <a:fontRef idx="minor">
+            <a:schemeClr val="lt1"/>
+          </a:fontRef>
+        </p:style>
+        <p:txBody>
+          <a:bodyPr rtlCol="0" anchor="ctr"/>
+          <a:lstStyle/>
+          <a:p>
+            <a:pPr algn="ctr"/>
+            <a:endParaRPr lang="en-US"/>
+          </a:p>
+        </p:txBody>
+      </p:sp>
       <p:sp>
         <p:nvSpPr>
           <p:cNvPr id="4" name="CuadroTexto 3">
@@ -3958,27 +5312,492 @@
         </p:nvSpPr>
         <p:spPr>
           <a:xfrm>
-            <a:off x="1704975" y="952500"/>
-            <a:ext cx="8277225" cy="646331"/>
+            <a:off x="659301" y="988098"/>
+            <a:ext cx="2840114" cy="2407723"/>
+          </a:xfrm>
+          <a:prstGeom prst="rect">
+            <a:avLst/>
+          </a:prstGeom>
+        </p:spPr>
+        <p:txBody>
+          <a:bodyPr vert="horz" lIns="91440" tIns="45720" rIns="91440" bIns="0" rtlCol="0" anchor="b">
+            <a:normAutofit/>
+          </a:bodyPr>
+          <a:lstStyle/>
+          <a:p>
+            <a:pPr defTabSz="914400">
+              <a:lnSpc>
+                <a:spcPct val="90000"/>
+              </a:lnSpc>
+              <a:spcBef>
+                <a:spcPct val="0"/>
+              </a:spcBef>
+              <a:spcAft>
+                <a:spcPts val="600"/>
+              </a:spcAft>
+            </a:pPr>
+            <a:r>
+              <a:rPr lang="en-US" sz="3600">
+                <a:latin typeface="+mj-lt"/>
+                <a:ea typeface="+mj-ea"/>
+                <a:cs typeface="+mj-cs"/>
+              </a:rPr>
+              <a:t>PRODUCT BACKLOG</a:t>
+            </a:r>
+          </a:p>
+        </p:txBody>
+      </p:sp>
+      <p:pic>
+        <p:nvPicPr>
+          <p:cNvPr id="21" name="Picture 20">
+            <a:extLst>
+              <a:ext uri="{FF2B5EF4-FFF2-40B4-BE49-F238E27FC236}">
+                <a16:creationId xmlns:a16="http://schemas.microsoft.com/office/drawing/2014/main" id="{14043B93-31EA-42C9-A52B-7B10135FCB7F}"/>
+              </a:ext>
+              <a:ext uri="{C183D7F6-B498-43B3-948B-1728B52AA6E4}">
+                <adec:decorative xmlns:adec="http://schemas.microsoft.com/office/drawing/2017/decorative" val="1"/>
+              </a:ext>
+            </a:extLst>
+          </p:cNvPr>
+          <p:cNvPicPr>
+            <a:picLocks noGrp="1" noRot="1" noChangeAspect="1" noMove="1" noResize="1" noEditPoints="1" noAdjustHandles="1" noChangeArrowheads="1" noChangeShapeType="1" noCrop="1"/>
+          </p:cNvPicPr>
+          <p:nvPr>
+            <p:extLst>
+              <p:ext uri="{386F3935-93C4-4BCD-93E2-E3B085C9AB24}">
+                <p16:designElem xmlns:p16="http://schemas.microsoft.com/office/powerpoint/2015/main" val="1"/>
+              </p:ext>
+            </p:extLst>
+          </p:nvPr>
+        </p:nvPicPr>
+        <p:blipFill rotWithShape="1">
+          <a:blip r:embed="rId3">
+            <a:duotone>
+              <a:schemeClr val="accent1">
+                <a:shade val="45000"/>
+                <a:satMod val="135000"/>
+              </a:schemeClr>
+              <a:prstClr val="white"/>
+            </a:duotone>
+            <a:extLst>
+              <a:ext uri="{28A0092B-C50C-407E-A947-70E740481C1C}">
+                <a14:useLocalDpi xmlns:a14="http://schemas.microsoft.com/office/drawing/2010/main" val="0"/>
+              </a:ext>
+            </a:extLst>
+          </a:blip>
+          <a:srcRect l="-117" t="474" r="75256" b="36564"/>
+          <a:stretch/>
+        </p:blipFill>
+        <p:spPr>
+          <a:xfrm>
+            <a:off x="655218" y="643464"/>
+            <a:ext cx="2834640" cy="155448"/>
           </a:xfrm>
           <a:prstGeom prst="rect">
             <a:avLst/>
           </a:prstGeom>
           <a:noFill/>
+          <a:ln>
+            <a:noFill/>
+          </a:ln>
         </p:spPr>
+      </p:pic>
+      <p:grpSp>
+        <p:nvGrpSpPr>
+          <p:cNvPr id="23" name="Group 22">
+            <a:extLst>
+              <a:ext uri="{FF2B5EF4-FFF2-40B4-BE49-F238E27FC236}">
+                <a16:creationId xmlns:a16="http://schemas.microsoft.com/office/drawing/2014/main" id="{B26DC251-CF3C-487C-93C0-74344C2700C0}"/>
+              </a:ext>
+              <a:ext uri="{C183D7F6-B498-43B3-948B-1728B52AA6E4}">
+                <adec:decorative xmlns:adec="http://schemas.microsoft.com/office/drawing/2017/decorative" val="1"/>
+              </a:ext>
+            </a:extLst>
+          </p:cNvPr>
+          <p:cNvGrpSpPr>
+            <a:grpSpLocks noGrp="1" noUngrp="1" noRot="1" noChangeAspect="1" noMove="1" noResize="1"/>
+          </p:cNvGrpSpPr>
+          <p:nvPr>
+            <p:extLst>
+              <p:ext uri="{386F3935-93C4-4BCD-93E2-E3B085C9AB24}">
+                <p16:designElem xmlns:p16="http://schemas.microsoft.com/office/powerpoint/2015/main" val="1"/>
+              </p:ext>
+            </p:extLst>
+          </p:nvPr>
+        </p:nvGrpSpPr>
+        <p:grpSpPr>
+          <a:xfrm>
+            <a:off x="3979389" y="482171"/>
+            <a:ext cx="7560115" cy="5149101"/>
+            <a:chOff x="3979389" y="482171"/>
+            <a:chExt cx="7560115" cy="5149101"/>
+          </a:xfrm>
+        </p:grpSpPr>
+        <p:sp>
+          <p:nvSpPr>
+            <p:cNvPr id="24" name="Rectangle 23">
+              <a:extLst>
+                <a:ext uri="{FF2B5EF4-FFF2-40B4-BE49-F238E27FC236}">
+                  <a16:creationId xmlns:a16="http://schemas.microsoft.com/office/drawing/2014/main" id="{DCEA138F-B3C3-4365-85E4-0CE0DE739897}"/>
+                </a:ext>
+                <a:ext uri="{C183D7F6-B498-43B3-948B-1728B52AA6E4}">
+                  <adec:decorative xmlns:adec="http://schemas.microsoft.com/office/drawing/2017/decorative" val="1"/>
+                </a:ext>
+              </a:extLst>
+            </p:cNvPr>
+            <p:cNvSpPr/>
+            <p:nvPr>
+              <p:extLst>
+                <p:ext uri="{386F3935-93C4-4BCD-93E2-E3B085C9AB24}">
+                  <p16:designElem xmlns:p16="http://schemas.microsoft.com/office/powerpoint/2015/main" val="1"/>
+                </p:ext>
+              </p:extLst>
+            </p:nvPr>
+          </p:nvSpPr>
+          <p:spPr>
+            <a:xfrm>
+              <a:off x="3979389" y="482171"/>
+              <a:ext cx="7560115" cy="5149101"/>
+            </a:xfrm>
+            <a:prstGeom prst="rect">
+              <a:avLst/>
+            </a:prstGeom>
+            <a:gradFill>
+              <a:gsLst>
+                <a:gs pos="0">
+                  <a:schemeClr val="tx1">
+                    <a:lumMod val="85000"/>
+                    <a:lumOff val="15000"/>
+                  </a:schemeClr>
+                </a:gs>
+                <a:gs pos="100000">
+                  <a:schemeClr val="tx1">
+                    <a:lumMod val="95000"/>
+                    <a:lumOff val="5000"/>
+                  </a:schemeClr>
+                </a:gs>
+              </a:gsLst>
+            </a:gradFill>
+            <a:ln w="76200" cmpd="sng">
+              <a:noFill/>
+              <a:miter lim="800000"/>
+            </a:ln>
+            <a:effectLst>
+              <a:outerShdw blurRad="127000" dist="228600" dir="4740000" sx="98000" sy="98000" algn="tl" rotWithShape="0">
+                <a:srgbClr val="000000">
+                  <a:alpha val="34000"/>
+                </a:srgbClr>
+              </a:outerShdw>
+            </a:effectLst>
+            <a:scene3d>
+              <a:camera prst="orthographicFront"/>
+              <a:lightRig rig="threePt" dir="t"/>
+            </a:scene3d>
+            <a:sp3d>
+              <a:bevelT w="114300" prst="artDeco"/>
+            </a:sp3d>
+          </p:spPr>
+          <p:style>
+            <a:lnRef idx="1">
+              <a:schemeClr val="accent1"/>
+            </a:lnRef>
+            <a:fillRef idx="3">
+              <a:schemeClr val="accent1"/>
+            </a:fillRef>
+            <a:effectRef idx="2">
+              <a:schemeClr val="accent1"/>
+            </a:effectRef>
+            <a:fontRef idx="minor">
+              <a:schemeClr val="lt1"/>
+            </a:fontRef>
+          </p:style>
+          <p:txBody>
+            <a:bodyPr rtlCol="0" anchor="ctr"/>
+            <a:lstStyle/>
+            <a:p>
+              <a:pPr algn="ctr"/>
+              <a:endParaRPr lang="en-US"/>
+            </a:p>
+          </p:txBody>
+        </p:sp>
+        <p:sp>
+          <p:nvSpPr>
+            <p:cNvPr id="25" name="Rectangle 24">
+              <a:extLst>
+                <a:ext uri="{FF2B5EF4-FFF2-40B4-BE49-F238E27FC236}">
+                  <a16:creationId xmlns:a16="http://schemas.microsoft.com/office/drawing/2014/main" id="{62192585-FCC1-4D9A-8E7B-940845AD1053}"/>
+                </a:ext>
+                <a:ext uri="{C183D7F6-B498-43B3-948B-1728B52AA6E4}">
+                  <adec:decorative xmlns:adec="http://schemas.microsoft.com/office/drawing/2017/decorative" val="1"/>
+                </a:ext>
+              </a:extLst>
+            </p:cNvPr>
+            <p:cNvSpPr/>
+            <p:nvPr>
+              <p:extLst>
+                <p:ext uri="{386F3935-93C4-4BCD-93E2-E3B085C9AB24}">
+                  <p16:designElem xmlns:p16="http://schemas.microsoft.com/office/powerpoint/2015/main" val="1"/>
+                </p:ext>
+              </p:extLst>
+            </p:nvPr>
+          </p:nvSpPr>
+          <p:spPr>
+            <a:xfrm>
+              <a:off x="4292448" y="812507"/>
+              <a:ext cx="6928279" cy="4466452"/>
+            </a:xfrm>
+            <a:prstGeom prst="rect">
+              <a:avLst/>
+            </a:prstGeom>
+            <a:gradFill>
+              <a:gsLst>
+                <a:gs pos="0">
+                  <a:srgbClr val="DADADA"/>
+                </a:gs>
+                <a:gs pos="100000">
+                  <a:srgbClr val="FFFFFE"/>
+                </a:gs>
+              </a:gsLst>
+              <a:lin ang="16200000" scaled="0"/>
+            </a:gradFill>
+            <a:ln w="50800" cmpd="sng">
+              <a:solidFill>
+                <a:srgbClr val="191919"/>
+              </a:solidFill>
+              <a:miter lim="800000"/>
+            </a:ln>
+            <a:effectLst>
+              <a:innerShdw blurRad="63500" dist="88900" dir="14100000">
+                <a:srgbClr val="000000">
+                  <a:alpha val="30000"/>
+                </a:srgbClr>
+              </a:innerShdw>
+            </a:effectLst>
+            <a:scene3d>
+              <a:camera prst="orthographicFront"/>
+              <a:lightRig rig="threePt" dir="t"/>
+            </a:scene3d>
+            <a:sp3d>
+              <a:bevelT prst="relaxedInset"/>
+            </a:sp3d>
+          </p:spPr>
+          <p:style>
+            <a:lnRef idx="1">
+              <a:schemeClr val="accent1"/>
+            </a:lnRef>
+            <a:fillRef idx="3">
+              <a:schemeClr val="accent1"/>
+            </a:fillRef>
+            <a:effectRef idx="2">
+              <a:schemeClr val="accent1"/>
+            </a:effectRef>
+            <a:fontRef idx="minor">
+              <a:schemeClr val="lt1"/>
+            </a:fontRef>
+          </p:style>
+          <p:txBody>
+            <a:bodyPr rtlCol="0" anchor="ctr"/>
+            <a:lstStyle/>
+            <a:p>
+              <a:pPr algn="ctr"/>
+              <a:endParaRPr lang="en-US"/>
+            </a:p>
+          </p:txBody>
+        </p:sp>
+      </p:grpSp>
+      <p:sp>
+        <p:nvSpPr>
+          <p:cNvPr id="27" name="Rectangle 26">
+            <a:extLst>
+              <a:ext uri="{FF2B5EF4-FFF2-40B4-BE49-F238E27FC236}">
+                <a16:creationId xmlns:a16="http://schemas.microsoft.com/office/drawing/2014/main" id="{F07A6A06-44A6-41CD-B49D-7FAFA5119B02}"/>
+              </a:ext>
+              <a:ext uri="{C183D7F6-B498-43B3-948B-1728B52AA6E4}">
+                <adec:decorative xmlns:adec="http://schemas.microsoft.com/office/drawing/2017/decorative" val="1"/>
+              </a:ext>
+            </a:extLst>
+          </p:cNvPr>
+          <p:cNvSpPr>
+            <a:spLocks noGrp="1" noRot="1" noChangeAspect="1" noMove="1" noResize="1" noEditPoints="1" noAdjustHandles="1" noChangeArrowheads="1" noChangeShapeType="1" noTextEdit="1"/>
+          </p:cNvSpPr>
+          <p:nvPr>
+            <p:extLst>
+              <p:ext uri="{386F3935-93C4-4BCD-93E2-E3B085C9AB24}">
+                <p16:designElem xmlns:p16="http://schemas.microsoft.com/office/powerpoint/2015/main" val="1"/>
+              </p:ext>
+            </p:extLst>
+          </p:nvPr>
+        </p:nvSpPr>
+        <p:spPr>
+          <a:xfrm>
+            <a:off x="4455871" y="977965"/>
+            <a:ext cx="6615197" cy="4135339"/>
+          </a:xfrm>
+          <a:prstGeom prst="rect">
+            <a:avLst/>
+          </a:prstGeom>
+          <a:solidFill>
+            <a:srgbClr val="FFFFFE"/>
+          </a:solidFill>
+          <a:ln w="6350">
+            <a:solidFill>
+              <a:schemeClr val="bg2"/>
+            </a:solidFill>
+          </a:ln>
+        </p:spPr>
+        <p:style>
+          <a:lnRef idx="2">
+            <a:schemeClr val="accent1">
+              <a:shade val="50000"/>
+            </a:schemeClr>
+          </a:lnRef>
+          <a:fillRef idx="1">
+            <a:schemeClr val="accent1"/>
+          </a:fillRef>
+          <a:effectRef idx="0">
+            <a:schemeClr val="accent1"/>
+          </a:effectRef>
+          <a:fontRef idx="minor">
+            <a:schemeClr val="lt1"/>
+          </a:fontRef>
+        </p:style>
         <p:txBody>
-          <a:bodyPr wrap="square" rtlCol="0">
-            <a:spAutoFit/>
-          </a:bodyPr>
+          <a:bodyPr rtlCol="0" anchor="ctr"/>
           <a:lstStyle/>
           <a:p>
-            <a:r>
-              <a:rPr lang="es-CL" sz="3600" dirty="0"/>
-              <a:t>PRODUCT BACKLOG</a:t>
-            </a:r>
+            <a:pPr algn="ctr"/>
+            <a:endParaRPr lang="en-US"/>
           </a:p>
         </p:txBody>
       </p:sp>
+      <p:pic>
+        <p:nvPicPr>
+          <p:cNvPr id="3" name="Imagen 2">
+            <a:extLst>
+              <a:ext uri="{FF2B5EF4-FFF2-40B4-BE49-F238E27FC236}">
+                <a16:creationId xmlns:a16="http://schemas.microsoft.com/office/drawing/2014/main" id="{2490CB5B-A82E-482B-B4E5-9E717476E572}"/>
+              </a:ext>
+            </a:extLst>
+          </p:cNvPr>
+          <p:cNvPicPr>
+            <a:picLocks noChangeAspect="1"/>
+          </p:cNvPicPr>
+          <p:nvPr/>
+        </p:nvPicPr>
+        <p:blipFill>
+          <a:blip r:embed="rId4"/>
+          <a:stretch>
+            <a:fillRect/>
+          </a:stretch>
+        </p:blipFill>
+        <p:spPr>
+          <a:xfrm>
+            <a:off x="4618374" y="1808555"/>
+            <a:ext cx="6282919" cy="2481752"/>
+          </a:xfrm>
+          <a:prstGeom prst="rect">
+            <a:avLst/>
+          </a:prstGeom>
+        </p:spPr>
+      </p:pic>
+      <p:pic>
+        <p:nvPicPr>
+          <p:cNvPr id="29" name="Picture 28">
+            <a:extLst>
+              <a:ext uri="{FF2B5EF4-FFF2-40B4-BE49-F238E27FC236}">
+                <a16:creationId xmlns:a16="http://schemas.microsoft.com/office/drawing/2014/main" id="{374CBFC4-E02A-4F3E-AB09-DAD63A764C16}"/>
+              </a:ext>
+              <a:ext uri="{C183D7F6-B498-43B3-948B-1728B52AA6E4}">
+                <adec:decorative xmlns:adec="http://schemas.microsoft.com/office/drawing/2017/decorative" val="1"/>
+              </a:ext>
+            </a:extLst>
+          </p:cNvPr>
+          <p:cNvPicPr>
+            <a:picLocks noGrp="1" noRot="1" noChangeAspect="1" noMove="1" noResize="1" noEditPoints="1" noAdjustHandles="1" noChangeArrowheads="1" noChangeShapeType="1" noCrop="1"/>
+          </p:cNvPicPr>
+          <p:nvPr>
+            <p:extLst>
+              <p:ext uri="{386F3935-93C4-4BCD-93E2-E3B085C9AB24}">
+                <p16:designElem xmlns:p16="http://schemas.microsoft.com/office/powerpoint/2015/main" val="1"/>
+              </p:ext>
+            </p:extLst>
+          </p:nvPr>
+        </p:nvPicPr>
+        <p:blipFill rotWithShape="1">
+          <a:blip r:embed="rId2">
+            <a:extLst>
+              <a:ext uri="{28A0092B-C50C-407E-A947-70E740481C1C}">
+                <a14:useLocalDpi xmlns:a14="http://schemas.microsoft.com/office/drawing/2010/main" val="0"/>
+              </a:ext>
+            </a:extLst>
+          </a:blip>
+          <a:srcRect t="1538" b="-1538"/>
+          <a:stretch/>
+        </p:blipFill>
+        <p:spPr>
+          <a:xfrm>
+            <a:off x="0" y="6119336"/>
+            <a:ext cx="12192000" cy="742950"/>
+          </a:xfrm>
+          <a:prstGeom prst="rect">
+            <a:avLst/>
+          </a:prstGeom>
+        </p:spPr>
+      </p:pic>
+      <p:cxnSp>
+        <p:nvCxnSpPr>
+          <p:cNvPr id="31" name="Straight Connector 30">
+            <a:extLst>
+              <a:ext uri="{FF2B5EF4-FFF2-40B4-BE49-F238E27FC236}">
+                <a16:creationId xmlns:a16="http://schemas.microsoft.com/office/drawing/2014/main" id="{170F181A-95DA-4251-AC11-0C9302264E66}"/>
+              </a:ext>
+              <a:ext uri="{C183D7F6-B498-43B3-948B-1728B52AA6E4}">
+                <adec:decorative xmlns:adec="http://schemas.microsoft.com/office/drawing/2017/decorative" val="1"/>
+              </a:ext>
+            </a:extLst>
+          </p:cNvPr>
+          <p:cNvCxnSpPr>
+            <a:cxnSpLocks noGrp="1" noRot="1" noChangeAspect="1" noMove="1" noResize="1" noEditPoints="1" noAdjustHandles="1" noChangeArrowheads="1" noChangeShapeType="1"/>
+          </p:cNvCxnSpPr>
+          <p:nvPr>
+            <p:extLst>
+              <p:ext uri="{386F3935-93C4-4BCD-93E2-E3B085C9AB24}">
+                <p16:designElem xmlns:p16="http://schemas.microsoft.com/office/powerpoint/2015/main" val="1"/>
+              </p:ext>
+            </p:extLst>
+          </p:nvPr>
+        </p:nvCxnSpPr>
+        <p:spPr>
+          <a:xfrm>
+            <a:off x="0" y="6121269"/>
+            <a:ext cx="12192000" cy="0"/>
+          </a:xfrm>
+          <a:prstGeom prst="line">
+            <a:avLst/>
+          </a:prstGeom>
+          <a:ln w="12700">
+            <a:solidFill>
+              <a:srgbClr val="000001">
+                <a:alpha val="20000"/>
+              </a:srgbClr>
+            </a:solidFill>
+          </a:ln>
+        </p:spPr>
+        <p:style>
+          <a:lnRef idx="1">
+            <a:schemeClr val="accent1"/>
+          </a:lnRef>
+          <a:fillRef idx="0">
+            <a:schemeClr val="accent1"/>
+          </a:fillRef>
+          <a:effectRef idx="0">
+            <a:schemeClr val="accent1"/>
+          </a:effectRef>
+          <a:fontRef idx="minor">
+            <a:schemeClr val="tx1"/>
+          </a:fontRef>
+        </p:style>
+      </p:cxnSp>
     </p:spTree>
     <p:extLst>
       <p:ext uri="{BB962C8B-B14F-4D97-AF65-F5344CB8AC3E}">
@@ -4059,7 +5878,7 @@
           <p:nvPr>
             <p:extLst>
               <p:ext uri="{D42A27DB-BD31-4B8C-83A1-F6EECF244321}">
-                <p14:modId xmlns:p14="http://schemas.microsoft.com/office/powerpoint/2010/main" val="2929778965"/>
+                <p14:modId xmlns:p14="http://schemas.microsoft.com/office/powerpoint/2010/main" val="3903671924"/>
               </p:ext>
             </p:extLst>
           </p:nvPr>
@@ -4072,7 +5891,7 @@
           <a:graphicData uri="http://schemas.openxmlformats.org/drawingml/2006/table">
             <a:tbl>
               <a:tblPr firstRow="1" bandRow="1">
-                <a:tableStyleId>{7DF18680-E054-41AD-8BC1-D1AEF772440D}</a:tableStyleId>
+                <a:tableStyleId>{21E4AEA4-8DFA-4A89-87EB-49C32662AFE0}</a:tableStyleId>
               </a:tblPr>
               <a:tblGrid>
                 <a:gridCol w="4064000">
@@ -4291,20 +6110,20 @@
             <p:ph idx="1"/>
             <p:extLst>
               <p:ext uri="{D42A27DB-BD31-4B8C-83A1-F6EECF244321}">
-                <p14:modId xmlns:p14="http://schemas.microsoft.com/office/powerpoint/2010/main" val="3468741469"/>
+                <p14:modId xmlns:p14="http://schemas.microsoft.com/office/powerpoint/2010/main" val="865941883"/>
               </p:ext>
             </p:extLst>
           </p:nvPr>
         </p:nvGraphicFramePr>
         <p:xfrm>
-          <a:off x="390525" y="2072957"/>
-          <a:ext cx="11243875" cy="4357613"/>
+          <a:off x="474062" y="1598831"/>
+          <a:ext cx="11243875" cy="4493434"/>
         </p:xfrm>
         <a:graphic>
           <a:graphicData uri="http://schemas.openxmlformats.org/drawingml/2006/table">
             <a:tbl>
               <a:tblPr firstRow="1" bandRow="1">
-                <a:tableStyleId>{7DF18680-E054-41AD-8BC1-D1AEF772440D}</a:tableStyleId>
+                <a:tableStyleId>{21E4AEA4-8DFA-4A89-87EB-49C32662AFE0}</a:tableStyleId>
               </a:tblPr>
               <a:tblGrid>
                 <a:gridCol w="1457325">
@@ -4349,7 +6168,7 @@
                     <a:lstStyle/>
                     <a:p>
                       <a:r>
-                        <a:rPr lang="es-ES"/>
+                        <a:rPr lang="es-ES" dirty="0"/>
                         <a:t>Historia</a:t>
                       </a:r>
                     </a:p>
@@ -4362,7 +6181,7 @@
                     <a:lstStyle/>
                     <a:p>
                       <a:r>
-                        <a:rPr lang="es-ES"/>
+                        <a:rPr lang="es-ES" dirty="0"/>
                         <a:t>Criterio de aceptación</a:t>
                       </a:r>
                     </a:p>
@@ -4402,7 +6221,7 @@
                     <a:p>
                       <a:r>
                         <a:rPr lang="es-ES" sz="1600" dirty="0"/>
-                        <a:t>Como usuario, quiero ingresar datos al formulario para registrar un producto.</a:t>
+                        <a:t>Como usuario, quiero ver los productos en la tienda virtual.</a:t>
                       </a:r>
                     </a:p>
                   </a:txBody>
@@ -4414,8 +6233,8 @@
                     <a:lstStyle/>
                     <a:p>
                       <a:r>
-                        <a:rPr lang="es-ES" sz="1600"/>
-                        <a:t>La historia se da por cumplida cuando el usuario pueda registrar un producto.</a:t>
+                        <a:rPr lang="es-ES" sz="1600" dirty="0"/>
+                        <a:t>La historia se da por cumplida cuando el usuario pueda ver los productos en la tienda.</a:t>
                       </a:r>
                     </a:p>
                   </a:txBody>
@@ -4454,7 +6273,7 @@
                     <a:p>
                       <a:r>
                         <a:rPr lang="es-ES" sz="1600" dirty="0"/>
-                        <a:t>Como usuario quiero poder listar los productos para saber el stock disponible.</a:t>
+                        <a:t>Como usuario quiero ver galería de imágenes de productos al menos 2 paginaciones.</a:t>
                       </a:r>
                     </a:p>
                   </a:txBody>
@@ -4467,7 +6286,7 @@
                     <a:p>
                       <a:r>
                         <a:rPr lang="es-ES" sz="1600" dirty="0"/>
-                        <a:t>La historia se da por cumplida cuando el usuario pueda listar los productos.</a:t>
+                        <a:t>La historia se da por cumplida cuando el usuario pueda ver los productos en al menos 2 paginaciones.</a:t>
                       </a:r>
                     </a:p>
                   </a:txBody>
@@ -4509,7 +6328,7 @@
                       </a:pPr>
                       <a:r>
                         <a:rPr lang="es-ES" sz="1600" dirty="0"/>
-                        <a:t>Como usuario quiero ver la lista en una tabla para identificar los productos y sus características.</a:t>
+                        <a:t>Como usuario quiero agregar productos al carrito.</a:t>
                       </a:r>
                     </a:p>
                   </a:txBody>
@@ -4525,7 +6344,7 @@
                       </a:pPr>
                       <a:r>
                         <a:rPr lang="es-ES" sz="1600" dirty="0"/>
-                        <a:t>La historia se da por cumplida cuando el usuario pueda visualizar los productos en una tabla.</a:t>
+                        <a:t>La historia se da por cumplida cuando el usuario puede agregar productos al carrito.</a:t>
                       </a:r>
                     </a:p>
                   </a:txBody>
@@ -4567,7 +6386,7 @@
                       </a:pPr>
                       <a:r>
                         <a:rPr lang="es-ES" sz="1600" dirty="0"/>
-                        <a:t>Como usuario quiero editar productos para evitar productos mal escritos.</a:t>
+                        <a:t>Como usuario quiero eliminar productos del carrito.</a:t>
                       </a:r>
                     </a:p>
                   </a:txBody>
@@ -4583,7 +6402,7 @@
                       </a:pPr>
                       <a:r>
                         <a:rPr lang="es-ES" sz="1600" dirty="0"/>
-                        <a:t>La historia se da por cumplida cuando el usuario puede editar un producto.</a:t>
+                        <a:t>La historia se da por cumplida cuando el usuario puede eliminar un producto del carrito</a:t>
                       </a:r>
                     </a:p>
                   </a:txBody>
@@ -4625,7 +6444,7 @@
                       </a:pPr>
                       <a:r>
                         <a:rPr lang="es-ES" sz="1600" dirty="0"/>
-                        <a:t>Como usuario quiero eliminar productos para evitar duplicados.</a:t>
+                        <a:t>Como usuario quiero modificar productos del carrito.</a:t>
                       </a:r>
                     </a:p>
                   </a:txBody>
@@ -4655,7 +6474,7 @@
                       </a:pPr>
                       <a:r>
                         <a:rPr lang="es-ES" sz="1600" dirty="0"/>
-                        <a:t>La historia se da por cumplida cuando el usuario puede eliminar un producto.</a:t>
+                        <a:t>La historia se da por cumplida cuando el usuario puede modificar cantidad de productos en el carrito</a:t>
                       </a:r>
                     </a:p>
                   </a:txBody>
@@ -4697,7 +6516,7 @@
                       </a:pPr>
                       <a:r>
                         <a:rPr lang="es-ES" sz="1600" dirty="0"/>
-                        <a:t>Como usuario quiero que la pagina sea responsiva para visualizar en cualquier dispositivo.</a:t>
+                        <a:t>Como usuario quiero ver la vista preliminar del producto.</a:t>
                       </a:r>
                     </a:p>
                   </a:txBody>
@@ -4727,7 +6546,15 @@
                       </a:pPr>
                       <a:r>
                         <a:rPr lang="es-ES" sz="1600" dirty="0"/>
-                        <a:t>La historia se da por cumplida cuando el usuario puede ver la pagina en cualquier dispositivo.</a:t>
+                        <a:t>La historia se da por cumplida cuando el usuario puede ver un resumen de un producto al dar </a:t>
+                      </a:r>
+                      <a:r>
+                        <a:rPr lang="es-ES" sz="1600" dirty="0" err="1"/>
+                        <a:t>click</a:t>
+                      </a:r>
+                      <a:r>
+                        <a:rPr lang="es-ES" sz="1600" dirty="0"/>
+                        <a:t> en la imagen.</a:t>
                       </a:r>
                     </a:p>
                     <a:p>
@@ -4793,7 +6620,7 @@
         </p:nvSpPr>
         <p:spPr>
           <a:xfrm>
-            <a:off x="1638300" y="952500"/>
+            <a:off x="1676400" y="952500"/>
             <a:ext cx="8277225" cy="646331"/>
           </a:xfrm>
           <a:prstGeom prst="rect">
@@ -4809,17 +6636,17 @@
           <a:p>
             <a:r>
               <a:rPr lang="es-CL" sz="3600" dirty="0"/>
-              <a:t>ESTIMACIÓN Y PRIORIDAD DE TAREAS</a:t>
+              <a:t>HISTORIAS DE USUARIO</a:t>
             </a:r>
           </a:p>
         </p:txBody>
       </p:sp>
       <p:graphicFrame>
         <p:nvGraphicFramePr>
-          <p:cNvPr id="8" name="Marcador de contenido 7">
+          <p:cNvPr id="5" name="Marcador de contenido 4">
             <a:extLst>
               <a:ext uri="{FF2B5EF4-FFF2-40B4-BE49-F238E27FC236}">
-                <a16:creationId xmlns:a16="http://schemas.microsoft.com/office/drawing/2014/main" id="{1A0CC7F8-7C7B-4DC0-8E20-24D6C4E395FB}"/>
+                <a16:creationId xmlns:a16="http://schemas.microsoft.com/office/drawing/2014/main" id="{FF51E475-6EE1-4FB6-BE2A-60F2559432E6}"/>
               </a:ext>
             </a:extLst>
           </p:cNvPr>
@@ -4830,52 +6657,45 @@
             <p:ph idx="1"/>
             <p:extLst>
               <p:ext uri="{D42A27DB-BD31-4B8C-83A1-F6EECF244321}">
-                <p14:modId xmlns:p14="http://schemas.microsoft.com/office/powerpoint/2010/main" val="2796420997"/>
+                <p14:modId xmlns:p14="http://schemas.microsoft.com/office/powerpoint/2010/main" val="2531717588"/>
               </p:ext>
             </p:extLst>
           </p:nvPr>
         </p:nvGraphicFramePr>
         <p:xfrm>
-          <a:off x="677535" y="2122218"/>
-          <a:ext cx="10515435" cy="4437879"/>
+          <a:off x="474062" y="1598831"/>
+          <a:ext cx="11243875" cy="2541687"/>
         </p:xfrm>
         <a:graphic>
           <a:graphicData uri="http://schemas.openxmlformats.org/drawingml/2006/table">
             <a:tbl>
               <a:tblPr firstRow="1" bandRow="1">
-                <a:tableStyleId>{7DF18680-E054-41AD-8BC1-D1AEF772440D}</a:tableStyleId>
+                <a:tableStyleId>{21E4AEA4-8DFA-4A89-87EB-49C32662AFE0}</a:tableStyleId>
               </a:tblPr>
               <a:tblGrid>
-                <a:gridCol w="1012508">
+                <a:gridCol w="1457325">
                   <a:extLst>
                     <a:ext uri="{9D8B030D-6E8A-4147-A177-3AD203B41FA5}">
                       <a16:colId xmlns:a16="http://schemas.microsoft.com/office/drawing/2014/main" val="4160618469"/>
                     </a:ext>
                   </a:extLst>
                 </a:gridCol>
-                <a:gridCol w="3785570">
+                <a:gridCol w="3829050">
                   <a:extLst>
                     <a:ext uri="{9D8B030D-6E8A-4147-A177-3AD203B41FA5}">
                       <a16:colId xmlns:a16="http://schemas.microsoft.com/office/drawing/2014/main" val="3910398501"/>
                     </a:ext>
                   </a:extLst>
                 </a:gridCol>
-                <a:gridCol w="1940243">
+                <a:gridCol w="5957500">
                   <a:extLst>
                     <a:ext uri="{9D8B030D-6E8A-4147-A177-3AD203B41FA5}">
                       <a16:colId xmlns:a16="http://schemas.microsoft.com/office/drawing/2014/main" val="1130411584"/>
                     </a:ext>
                   </a:extLst>
                 </a:gridCol>
-                <a:gridCol w="3777114">
-                  <a:extLst>
-                    <a:ext uri="{9D8B030D-6E8A-4147-A177-3AD203B41FA5}">
-                      <a16:colId xmlns:a16="http://schemas.microsoft.com/office/drawing/2014/main" val="3044637167"/>
-                    </a:ext>
-                  </a:extLst>
-                </a:gridCol>
               </a:tblGrid>
-              <a:tr h="497157">
+              <a:tr h="330842">
                 <a:tc>
                   <a:txBody>
                     <a:bodyPr/>
@@ -4895,7 +6715,7 @@
                     <a:lstStyle/>
                     <a:p>
                       <a:r>
-                        <a:rPr lang="es-ES" dirty="0"/>
+                        <a:rPr lang="es-ES"/>
                         <a:t>Historia</a:t>
                       </a:r>
                     </a:p>
@@ -4909,20 +6729,7 @@
                     <a:p>
                       <a:r>
                         <a:rPr lang="es-ES" dirty="0"/>
-                        <a:t>Prioridad (1-10)</a:t>
-                      </a:r>
-                    </a:p>
-                  </a:txBody>
-                  <a:tcPr/>
-                </a:tc>
-                <a:tc>
-                  <a:txBody>
-                    <a:bodyPr/>
-                    <a:lstStyle/>
-                    <a:p>
-                      <a:r>
-                        <a:rPr lang="es-ES" dirty="0"/>
-                        <a:t>Tiempo de desarrollo</a:t>
+                        <a:t>Criterio de aceptación</a:t>
                       </a:r>
                     </a:p>
                   </a:txBody>
@@ -4934,7 +6741,7 @@
                   </a:ext>
                 </a:extLst>
               </a:tr>
-              <a:tr h="652134">
+              <a:tr h="574346">
                 <a:tc>
                   <a:txBody>
                     <a:bodyPr/>
@@ -4945,7 +6752,7 @@
                       </a:pPr>
                       <a:r>
                         <a:rPr lang="es-ES" sz="1600" b="0" u="none" strike="noStrike" noProof="0" dirty="0"/>
-                        <a:t>H-01</a:t>
+                        <a:t>H-07</a:t>
                       </a:r>
                       <a:endParaRPr lang="es-ES" sz="1600" b="0" i="0" u="none" strike="noStrike" noProof="0" dirty="0">
                         <a:latin typeface="Century Gothic"/>
@@ -4961,7 +6768,7 @@
                     <a:p>
                       <a:r>
                         <a:rPr lang="es-ES" sz="1600" dirty="0"/>
-                        <a:t>Ingresar datos al formulario</a:t>
+                        <a:t>Como usuario, quiero ingresar datos al formulario para registrar datos de envió.</a:t>
                       </a:r>
                     </a:p>
                   </a:txBody>
@@ -4974,41 +6781,8 @@
                     <a:p>
                       <a:r>
                         <a:rPr lang="es-ES" sz="1600" dirty="0"/>
-                        <a:t>Alta</a:t>
+                        <a:t>La historia se da por cumplida cuando el usuario pueda registrar un producto.</a:t>
                       </a:r>
-                    </a:p>
-                  </a:txBody>
-                  <a:tcPr/>
-                </a:tc>
-                <a:tc>
-                  <a:txBody>
-                    <a:bodyPr/>
-                    <a:lstStyle/>
-                    <a:p>
-                      <a:pPr marL="0" marR="0" lvl="0" indent="0" algn="l" defTabSz="914400" rtl="0" eaLnBrk="1" fontAlgn="auto" latinLnBrk="0" hangingPunct="1">
-                        <a:lnSpc>
-                          <a:spcPct val="100000"/>
-                        </a:lnSpc>
-                        <a:spcBef>
-                          <a:spcPts val="0"/>
-                        </a:spcBef>
-                        <a:spcAft>
-                          <a:spcPts val="0"/>
-                        </a:spcAft>
-                        <a:buClrTx/>
-                        <a:buSzTx/>
-                        <a:buFontTx/>
-                        <a:buNone/>
-                        <a:tabLst/>
-                        <a:defRPr/>
-                      </a:pPr>
-                      <a:r>
-                        <a:rPr lang="es-ES" sz="1600" dirty="0"/>
-                        <a:t>1 hora</a:t>
-                      </a:r>
-                    </a:p>
-                    <a:p>
-                      <a:endParaRPr lang="es-ES" sz="1600" dirty="0"/>
                     </a:p>
                   </a:txBody>
                   <a:tcPr/>
@@ -5029,10 +6803,10 @@
                         <a:buNone/>
                       </a:pPr>
                       <a:r>
-                        <a:rPr lang="es-ES" sz="1600" b="0" u="none" strike="noStrike" noProof="0"/>
-                        <a:t>H-02</a:t>
+                        <a:rPr lang="es-ES" sz="1600" b="0" u="none" strike="noStrike" noProof="0" dirty="0"/>
+                        <a:t>H-08</a:t>
                       </a:r>
-                      <a:endParaRPr lang="es-ES" sz="1600" b="0" i="0" u="none" strike="noStrike" noProof="0">
+                      <a:endParaRPr lang="es-ES" sz="1600" b="0" i="0" u="none" strike="noStrike" noProof="0" dirty="0">
                         <a:latin typeface="Century Gothic"/>
                       </a:endParaRPr>
                     </a:p>
@@ -5046,7 +6820,7 @@
                     <a:p>
                       <a:r>
                         <a:rPr lang="es-ES" sz="1600" dirty="0"/>
-                        <a:t>Listar los productos</a:t>
+                        <a:t>Como usuario quiero poder ingresar datos de tarjeta de crédito.</a:t>
                       </a:r>
                     </a:p>
                   </a:txBody>
@@ -5059,44 +6833,8 @@
                     <a:p>
                       <a:r>
                         <a:rPr lang="es-ES" sz="1600" dirty="0"/>
-                        <a:t>Alta</a:t>
+                        <a:t>La historia se da por cumplida cuando el usuario pueda listar los productos.</a:t>
                       </a:r>
-                    </a:p>
-                    <a:p>
-                      <a:endParaRPr lang="es-ES" sz="1600" dirty="0"/>
-                    </a:p>
-                  </a:txBody>
-                  <a:tcPr/>
-                </a:tc>
-                <a:tc>
-                  <a:txBody>
-                    <a:bodyPr/>
-                    <a:lstStyle/>
-                    <a:p>
-                      <a:pPr marL="0" marR="0" lvl="0" indent="0" algn="l" defTabSz="914400" rtl="0" eaLnBrk="1" fontAlgn="auto" latinLnBrk="0" hangingPunct="1">
-                        <a:lnSpc>
-                          <a:spcPct val="100000"/>
-                        </a:lnSpc>
-                        <a:spcBef>
-                          <a:spcPts val="0"/>
-                        </a:spcBef>
-                        <a:spcAft>
-                          <a:spcPts val="0"/>
-                        </a:spcAft>
-                        <a:buClrTx/>
-                        <a:buSzTx/>
-                        <a:buFontTx/>
-                        <a:buNone/>
-                        <a:tabLst/>
-                        <a:defRPr/>
-                      </a:pPr>
-                      <a:r>
-                        <a:rPr lang="es-ES" sz="1600" dirty="0"/>
-                        <a:t>45 min</a:t>
-                      </a:r>
-                    </a:p>
-                    <a:p>
-                      <a:endParaRPr lang="es-ES" sz="1600" dirty="0"/>
                     </a:p>
                   </a:txBody>
                   <a:tcPr/>
@@ -5107,7 +6845,7 @@
                   </a:ext>
                 </a:extLst>
               </a:tr>
-              <a:tr h="842365">
+              <a:tr h="744394">
                 <a:tc>
                   <a:txBody>
                     <a:bodyPr/>
@@ -5118,7 +6856,7 @@
                       </a:pPr>
                       <a:r>
                         <a:rPr lang="es-ES" sz="1600" b="0" u="none" strike="noStrike" noProof="0" dirty="0"/>
-                        <a:t>H-03</a:t>
+                        <a:t>H-09</a:t>
                       </a:r>
                       <a:endParaRPr lang="es-ES" sz="1600" b="0" i="0" u="none" strike="noStrike" noProof="0" dirty="0">
                         <a:latin typeface="Century Gothic"/>
@@ -5137,7 +6875,7 @@
                       </a:pPr>
                       <a:r>
                         <a:rPr lang="es-ES" sz="1600" dirty="0"/>
-                        <a:t>Lista en una tabla para identificar los productos y sus características.</a:t>
+                        <a:t>Como usuario quiero ver el total de productos comprados.</a:t>
                       </a:r>
                     </a:p>
                   </a:txBody>
@@ -5153,50 +6891,8 @@
                       </a:pPr>
                       <a:r>
                         <a:rPr lang="es-ES" sz="1600" dirty="0"/>
-                        <a:t>Alta</a:t>
+                        <a:t>La historia se da por cumplida cuando el usuario pueda visualizar los productos en una tabla.</a:t>
                       </a:r>
-                    </a:p>
-                    <a:p>
-                      <a:pPr lvl="0">
-                        <a:buNone/>
-                      </a:pPr>
-                      <a:endParaRPr lang="es-ES" sz="1600" dirty="0"/>
-                    </a:p>
-                  </a:txBody>
-                  <a:tcPr/>
-                </a:tc>
-                <a:tc>
-                  <a:txBody>
-                    <a:bodyPr/>
-                    <a:lstStyle/>
-                    <a:p>
-                      <a:pPr marL="0" marR="0" lvl="0" indent="0" algn="l" defTabSz="914400" rtl="0" eaLnBrk="1" fontAlgn="auto" latinLnBrk="0" hangingPunct="1">
-                        <a:lnSpc>
-                          <a:spcPct val="100000"/>
-                        </a:lnSpc>
-                        <a:spcBef>
-                          <a:spcPts val="0"/>
-                        </a:spcBef>
-                        <a:spcAft>
-                          <a:spcPts val="0"/>
-                        </a:spcAft>
-                        <a:buClrTx/>
-                        <a:buSzTx/>
-                        <a:buFontTx/>
-                        <a:buNone/>
-                        <a:tabLst/>
-                        <a:defRPr/>
-                      </a:pPr>
-                      <a:r>
-                        <a:rPr lang="es-ES" sz="1600" dirty="0"/>
-                        <a:t>1 hora</a:t>
-                      </a:r>
-                    </a:p>
-                    <a:p>
-                      <a:pPr lvl="0">
-                        <a:buNone/>
-                      </a:pPr>
-                      <a:endParaRPr lang="es-ES" sz="1600" dirty="0"/>
                     </a:p>
                   </a:txBody>
                   <a:tcPr/>
@@ -5204,316 +6900,6 @@
                 <a:extLst>
                   <a:ext uri="{0D108BD9-81ED-4DB2-BD59-A6C34878D82A}">
                     <a16:rowId xmlns:a16="http://schemas.microsoft.com/office/drawing/2014/main" val="2275399881"/>
-                  </a:ext>
-                </a:extLst>
-              </a:tr>
-              <a:tr h="574346">
-                <a:tc>
-                  <a:txBody>
-                    <a:bodyPr/>
-                    <a:lstStyle/>
-                    <a:p>
-                      <a:pPr lvl="0" algn="l">
-                        <a:buNone/>
-                      </a:pPr>
-                      <a:r>
-                        <a:rPr lang="es-ES" sz="1600" b="0" u="none" strike="noStrike" noProof="0"/>
-                        <a:t>H-04</a:t>
-                      </a:r>
-                      <a:endParaRPr lang="es-ES" sz="1600" b="0" i="0" u="none" strike="noStrike" noProof="0">
-                        <a:latin typeface="Century Gothic"/>
-                      </a:endParaRPr>
-                    </a:p>
-                  </a:txBody>
-                  <a:tcPr/>
-                </a:tc>
-                <a:tc>
-                  <a:txBody>
-                    <a:bodyPr/>
-                    <a:lstStyle/>
-                    <a:p>
-                      <a:pPr lvl="0">
-                        <a:buNone/>
-                      </a:pPr>
-                      <a:r>
-                        <a:rPr lang="es-ES" sz="1600" dirty="0"/>
-                        <a:t>Editar productos</a:t>
-                      </a:r>
-                    </a:p>
-                  </a:txBody>
-                  <a:tcPr/>
-                </a:tc>
-                <a:tc>
-                  <a:txBody>
-                    <a:bodyPr/>
-                    <a:lstStyle/>
-                    <a:p>
-                      <a:pPr lvl="0">
-                        <a:buNone/>
-                      </a:pPr>
-                      <a:r>
-                        <a:rPr lang="es-ES" sz="1600" dirty="0"/>
-                        <a:t>Media</a:t>
-                      </a:r>
-                    </a:p>
-                  </a:txBody>
-                  <a:tcPr/>
-                </a:tc>
-                <a:tc>
-                  <a:txBody>
-                    <a:bodyPr/>
-                    <a:lstStyle/>
-                    <a:p>
-                      <a:pPr marL="0" marR="0" lvl="0" indent="0" algn="l" defTabSz="914400" rtl="0" eaLnBrk="1" fontAlgn="auto" latinLnBrk="0" hangingPunct="1">
-                        <a:lnSpc>
-                          <a:spcPct val="100000"/>
-                        </a:lnSpc>
-                        <a:spcBef>
-                          <a:spcPts val="0"/>
-                        </a:spcBef>
-                        <a:spcAft>
-                          <a:spcPts val="0"/>
-                        </a:spcAft>
-                        <a:buClrTx/>
-                        <a:buSzTx/>
-                        <a:buFontTx/>
-                        <a:buNone/>
-                        <a:tabLst/>
-                        <a:defRPr/>
-                      </a:pPr>
-                      <a:r>
-                        <a:rPr lang="es-ES" sz="1600" dirty="0"/>
-                        <a:t>1 hora</a:t>
-                      </a:r>
-                    </a:p>
-                    <a:p>
-                      <a:pPr lvl="0">
-                        <a:buNone/>
-                      </a:pPr>
-                      <a:endParaRPr lang="es-ES" sz="1600" dirty="0"/>
-                    </a:p>
-                  </a:txBody>
-                  <a:tcPr/>
-                </a:tc>
-                <a:extLst>
-                  <a:ext uri="{0D108BD9-81ED-4DB2-BD59-A6C34878D82A}">
-                    <a16:rowId xmlns:a16="http://schemas.microsoft.com/office/drawing/2014/main" val="2910794960"/>
-                  </a:ext>
-                </a:extLst>
-              </a:tr>
-              <a:tr h="549232">
-                <a:tc>
-                  <a:txBody>
-                    <a:bodyPr/>
-                    <a:lstStyle/>
-                    <a:p>
-                      <a:pPr lvl="0" algn="l">
-                        <a:buNone/>
-                      </a:pPr>
-                      <a:r>
-                        <a:rPr lang="es-ES" sz="1600" b="0" u="none" strike="noStrike" noProof="0" dirty="0"/>
-                        <a:t>H-05</a:t>
-                      </a:r>
-                      <a:endParaRPr lang="es-ES" sz="1600" b="0" i="0" u="none" strike="noStrike" noProof="0" dirty="0">
-                        <a:latin typeface="Century Gothic"/>
-                      </a:endParaRPr>
-                    </a:p>
-                  </a:txBody>
-                  <a:tcPr/>
-                </a:tc>
-                <a:tc>
-                  <a:txBody>
-                    <a:bodyPr/>
-                    <a:lstStyle/>
-                    <a:p>
-                      <a:pPr lvl="0">
-                        <a:buNone/>
-                      </a:pPr>
-                      <a:r>
-                        <a:rPr lang="es-ES" sz="1600" dirty="0"/>
-                        <a:t>Eliminar producto</a:t>
-                      </a:r>
-                    </a:p>
-                  </a:txBody>
-                  <a:tcPr/>
-                </a:tc>
-                <a:tc>
-                  <a:txBody>
-                    <a:bodyPr/>
-                    <a:lstStyle/>
-                    <a:p>
-                      <a:pPr marL="0" marR="0" lvl="0" indent="0" algn="l" defTabSz="914400" rtl="0" eaLnBrk="1" fontAlgn="auto" latinLnBrk="0" hangingPunct="1">
-                        <a:lnSpc>
-                          <a:spcPct val="100000"/>
-                        </a:lnSpc>
-                        <a:spcBef>
-                          <a:spcPts val="0"/>
-                        </a:spcBef>
-                        <a:spcAft>
-                          <a:spcPts val="0"/>
-                        </a:spcAft>
-                        <a:buClrTx/>
-                        <a:buSzTx/>
-                        <a:buFontTx/>
-                        <a:buNone/>
-                        <a:tabLst/>
-                        <a:defRPr/>
-                      </a:pPr>
-                      <a:r>
-                        <a:rPr lang="es-ES" sz="1600" dirty="0"/>
-                        <a:t>Media</a:t>
-                      </a:r>
-                    </a:p>
-                  </a:txBody>
-                  <a:tcPr/>
-                </a:tc>
-                <a:tc>
-                  <a:txBody>
-                    <a:bodyPr/>
-                    <a:lstStyle/>
-                    <a:p>
-                      <a:pPr marL="0" marR="0" lvl="0" indent="0" algn="l" defTabSz="914400" rtl="0" eaLnBrk="1" fontAlgn="auto" latinLnBrk="0" hangingPunct="1">
-                        <a:lnSpc>
-                          <a:spcPct val="100000"/>
-                        </a:lnSpc>
-                        <a:spcBef>
-                          <a:spcPts val="0"/>
-                        </a:spcBef>
-                        <a:spcAft>
-                          <a:spcPts val="0"/>
-                        </a:spcAft>
-                        <a:buClrTx/>
-                        <a:buSzTx/>
-                        <a:buFontTx/>
-                        <a:buNone/>
-                        <a:tabLst/>
-                        <a:defRPr/>
-                      </a:pPr>
-                      <a:r>
-                        <a:rPr lang="es-ES" sz="1600" dirty="0"/>
-                        <a:t>30 min</a:t>
-                      </a:r>
-                    </a:p>
-                    <a:p>
-                      <a:pPr marL="0" marR="0" lvl="0" indent="0" algn="l" defTabSz="914400" rtl="0" eaLnBrk="1" fontAlgn="auto" latinLnBrk="0" hangingPunct="1">
-                        <a:lnSpc>
-                          <a:spcPct val="100000"/>
-                        </a:lnSpc>
-                        <a:spcBef>
-                          <a:spcPts val="0"/>
-                        </a:spcBef>
-                        <a:spcAft>
-                          <a:spcPts val="0"/>
-                        </a:spcAft>
-                        <a:buClrTx/>
-                        <a:buSzTx/>
-                        <a:buFontTx/>
-                        <a:buNone/>
-                        <a:tabLst/>
-                        <a:defRPr/>
-                      </a:pPr>
-                      <a:endParaRPr lang="es-ES" sz="1600" dirty="0"/>
-                    </a:p>
-                  </a:txBody>
-                  <a:tcPr/>
-                </a:tc>
-                <a:extLst>
-                  <a:ext uri="{0D108BD9-81ED-4DB2-BD59-A6C34878D82A}">
-                    <a16:rowId xmlns:a16="http://schemas.microsoft.com/office/drawing/2014/main" val="3376268424"/>
-                  </a:ext>
-                </a:extLst>
-              </a:tr>
-              <a:tr h="679410">
-                <a:tc>
-                  <a:txBody>
-                    <a:bodyPr/>
-                    <a:lstStyle/>
-                    <a:p>
-                      <a:pPr lvl="0" algn="l">
-                        <a:buNone/>
-                      </a:pPr>
-                      <a:r>
-                        <a:rPr lang="es-ES" sz="1600" b="0" u="none" strike="noStrike" noProof="0" dirty="0"/>
-                        <a:t>H-06</a:t>
-                      </a:r>
-                      <a:endParaRPr lang="es-ES" sz="1600" b="0" i="0" u="none" strike="noStrike" noProof="0" dirty="0">
-                        <a:latin typeface="Century Gothic"/>
-                      </a:endParaRPr>
-                    </a:p>
-                  </a:txBody>
-                  <a:tcPr/>
-                </a:tc>
-                <a:tc>
-                  <a:txBody>
-                    <a:bodyPr/>
-                    <a:lstStyle/>
-                    <a:p>
-                      <a:pPr lvl="0">
-                        <a:buNone/>
-                      </a:pPr>
-                      <a:r>
-                        <a:rPr lang="es-ES" sz="1600" dirty="0"/>
-                        <a:t>Pagina responsiva y estilos de pagina</a:t>
-                      </a:r>
-                    </a:p>
-                  </a:txBody>
-                  <a:tcPr/>
-                </a:tc>
-                <a:tc>
-                  <a:txBody>
-                    <a:bodyPr/>
-                    <a:lstStyle/>
-                    <a:p>
-                      <a:pPr lvl="0">
-                        <a:buNone/>
-                      </a:pPr>
-                      <a:r>
-                        <a:rPr lang="es-ES" sz="1600" dirty="0"/>
-                        <a:t>Baja</a:t>
-                      </a:r>
-                    </a:p>
-                  </a:txBody>
-                  <a:tcPr/>
-                </a:tc>
-                <a:tc>
-                  <a:txBody>
-                    <a:bodyPr/>
-                    <a:lstStyle/>
-                    <a:p>
-                      <a:pPr marL="0" marR="0" lvl="0" indent="0" algn="l" defTabSz="914400" rtl="0" eaLnBrk="1" fontAlgn="auto" latinLnBrk="0" hangingPunct="1">
-                        <a:lnSpc>
-                          <a:spcPct val="100000"/>
-                        </a:lnSpc>
-                        <a:spcBef>
-                          <a:spcPts val="0"/>
-                        </a:spcBef>
-                        <a:spcAft>
-                          <a:spcPts val="0"/>
-                        </a:spcAft>
-                        <a:buClrTx/>
-                        <a:buSzTx/>
-                        <a:buFontTx/>
-                        <a:buNone/>
-                        <a:tabLst/>
-                        <a:defRPr/>
-                      </a:pPr>
-                      <a:r>
-                        <a:rPr lang="es-ES" sz="1600" dirty="0"/>
-                        <a:t>45 min</a:t>
-                      </a:r>
-                    </a:p>
-                    <a:p>
-                      <a:pPr lvl="0">
-                        <a:buNone/>
-                      </a:pPr>
-                      <a:endParaRPr lang="es-ES" sz="1600" dirty="0"/>
-                    </a:p>
-                  </a:txBody>
-                  <a:tcPr/>
-                </a:tc>
-                <a:extLst>
-                  <a:ext uri="{0D108BD9-81ED-4DB2-BD59-A6C34878D82A}">
-                    <a16:rowId xmlns:a16="http://schemas.microsoft.com/office/drawing/2014/main" val="854046905"/>
                   </a:ext>
                 </a:extLst>
               </a:tr>
@@ -5524,7 +6910,7 @@
     </p:spTree>
     <p:extLst>
       <p:ext uri="{BB962C8B-B14F-4D97-AF65-F5344CB8AC3E}">
-        <p14:creationId xmlns:p14="http://schemas.microsoft.com/office/powerpoint/2010/main" val="4123751431"/>
+        <p14:creationId xmlns:p14="http://schemas.microsoft.com/office/powerpoint/2010/main" val="4155080361"/>
       </p:ext>
     </p:extLst>
   </p:cSld>
@@ -5566,7 +6952,7 @@
         <p:spPr>
           <a:xfrm>
             <a:off x="1638300" y="952500"/>
-            <a:ext cx="8277225" cy="646331"/>
+            <a:ext cx="10027519" cy="646331"/>
           </a:xfrm>
           <a:prstGeom prst="rect">
             <a:avLst/>
@@ -5581,15 +6967,1098 @@
           <a:p>
             <a:r>
               <a:rPr lang="es-CL" sz="3600" dirty="0"/>
-              <a:t>SPRINT REVIEW</a:t>
+              <a:t>ESTIMACIÓN Y PRIORIDAD DE TAREAS</a:t>
             </a:r>
           </a:p>
         </p:txBody>
       </p:sp>
+      <p:graphicFrame>
+        <p:nvGraphicFramePr>
+          <p:cNvPr id="8" name="Marcador de contenido 7">
+            <a:extLst>
+              <a:ext uri="{FF2B5EF4-FFF2-40B4-BE49-F238E27FC236}">
+                <a16:creationId xmlns:a16="http://schemas.microsoft.com/office/drawing/2014/main" id="{1A0CC7F8-7C7B-4DC0-8E20-24D6C4E395FB}"/>
+              </a:ext>
+            </a:extLst>
+          </p:cNvPr>
+          <p:cNvGraphicFramePr>
+            <a:graphicFrameLocks noGrp="1"/>
+          </p:cNvGraphicFramePr>
+          <p:nvPr>
+            <p:ph idx="1"/>
+            <p:extLst>
+              <p:ext uri="{D42A27DB-BD31-4B8C-83A1-F6EECF244321}">
+                <p14:modId xmlns:p14="http://schemas.microsoft.com/office/powerpoint/2010/main" val="4168941321"/>
+              </p:ext>
+            </p:extLst>
+          </p:nvPr>
+        </p:nvGraphicFramePr>
+        <p:xfrm>
+          <a:off x="707735" y="1752907"/>
+          <a:ext cx="10776529" cy="5029200"/>
+        </p:xfrm>
+        <a:graphic>
+          <a:graphicData uri="http://schemas.openxmlformats.org/drawingml/2006/table">
+            <a:tbl>
+              <a:tblPr firstRow="1" bandRow="1">
+                <a:tableStyleId>{21E4AEA4-8DFA-4A89-87EB-49C32662AFE0}</a:tableStyleId>
+              </a:tblPr>
+              <a:tblGrid>
+                <a:gridCol w="965989">
+                  <a:extLst>
+                    <a:ext uri="{9D8B030D-6E8A-4147-A177-3AD203B41FA5}">
+                      <a16:colId xmlns:a16="http://schemas.microsoft.com/office/drawing/2014/main" val="4160618469"/>
+                    </a:ext>
+                  </a:extLst>
+                </a:gridCol>
+                <a:gridCol w="4788577">
+                  <a:extLst>
+                    <a:ext uri="{9D8B030D-6E8A-4147-A177-3AD203B41FA5}">
+                      <a16:colId xmlns:a16="http://schemas.microsoft.com/office/drawing/2014/main" val="3910398501"/>
+                    </a:ext>
+                  </a:extLst>
+                </a:gridCol>
+                <a:gridCol w="1418388">
+                  <a:extLst>
+                    <a:ext uri="{9D8B030D-6E8A-4147-A177-3AD203B41FA5}">
+                      <a16:colId xmlns:a16="http://schemas.microsoft.com/office/drawing/2014/main" val="1130411584"/>
+                    </a:ext>
+                  </a:extLst>
+                </a:gridCol>
+                <a:gridCol w="3603575">
+                  <a:extLst>
+                    <a:ext uri="{9D8B030D-6E8A-4147-A177-3AD203B41FA5}">
+                      <a16:colId xmlns:a16="http://schemas.microsoft.com/office/drawing/2014/main" val="3044637167"/>
+                    </a:ext>
+                  </a:extLst>
+                </a:gridCol>
+              </a:tblGrid>
+              <a:tr h="594000">
+                <a:tc>
+                  <a:txBody>
+                    <a:bodyPr/>
+                    <a:lstStyle/>
+                    <a:p>
+                      <a:r>
+                        <a:rPr lang="es-ES" dirty="0"/>
+                        <a:t>Código</a:t>
+                      </a:r>
+                    </a:p>
+                  </a:txBody>
+                  <a:tcPr/>
+                </a:tc>
+                <a:tc>
+                  <a:txBody>
+                    <a:bodyPr/>
+                    <a:lstStyle/>
+                    <a:p>
+                      <a:r>
+                        <a:rPr lang="es-ES" dirty="0"/>
+                        <a:t>Historia</a:t>
+                      </a:r>
+                    </a:p>
+                  </a:txBody>
+                  <a:tcPr/>
+                </a:tc>
+                <a:tc>
+                  <a:txBody>
+                    <a:bodyPr/>
+                    <a:lstStyle/>
+                    <a:p>
+                      <a:r>
+                        <a:rPr lang="es-ES" dirty="0"/>
+                        <a:t>Prioridad (1-10)</a:t>
+                      </a:r>
+                    </a:p>
+                  </a:txBody>
+                  <a:tcPr/>
+                </a:tc>
+                <a:tc>
+                  <a:txBody>
+                    <a:bodyPr/>
+                    <a:lstStyle/>
+                    <a:p>
+                      <a:r>
+                        <a:rPr lang="es-ES" dirty="0"/>
+                        <a:t>Tiempo de desarrollo</a:t>
+                      </a:r>
+                    </a:p>
+                  </a:txBody>
+                  <a:tcPr/>
+                </a:tc>
+                <a:extLst>
+                  <a:ext uri="{0D108BD9-81ED-4DB2-BD59-A6C34878D82A}">
+                    <a16:rowId xmlns:a16="http://schemas.microsoft.com/office/drawing/2014/main" val="2152052614"/>
+                  </a:ext>
+                </a:extLst>
+              </a:tr>
+              <a:tr h="452572">
+                <a:tc>
+                  <a:txBody>
+                    <a:bodyPr/>
+                    <a:lstStyle/>
+                    <a:p>
+                      <a:pPr lvl="0" algn="l">
+                        <a:buNone/>
+                      </a:pPr>
+                      <a:r>
+                        <a:rPr lang="es-ES" sz="1300" b="0" u="none" strike="noStrike" noProof="0" dirty="0"/>
+                        <a:t>H-01</a:t>
+                      </a:r>
+                      <a:endParaRPr lang="es-ES" sz="1300" b="0" i="0" u="none" strike="noStrike" noProof="0" dirty="0">
+                        <a:latin typeface="Century Gothic"/>
+                      </a:endParaRPr>
+                    </a:p>
+                  </a:txBody>
+                  <a:tcPr/>
+                </a:tc>
+                <a:tc>
+                  <a:txBody>
+                    <a:bodyPr/>
+                    <a:lstStyle/>
+                    <a:p>
+                      <a:r>
+                        <a:rPr lang="es-ES" sz="1300" dirty="0"/>
+                        <a:t>Ver los productos en la tienda virtual.</a:t>
+                      </a:r>
+                    </a:p>
+                  </a:txBody>
+                  <a:tcPr/>
+                </a:tc>
+                <a:tc>
+                  <a:txBody>
+                    <a:bodyPr/>
+                    <a:lstStyle/>
+                    <a:p>
+                      <a:r>
+                        <a:rPr lang="es-ES" sz="1300" dirty="0"/>
+                        <a:t>Alta</a:t>
+                      </a:r>
+                    </a:p>
+                  </a:txBody>
+                  <a:tcPr/>
+                </a:tc>
+                <a:tc>
+                  <a:txBody>
+                    <a:bodyPr/>
+                    <a:lstStyle/>
+                    <a:p>
+                      <a:pPr marL="0" marR="0" lvl="0" indent="0" algn="l" defTabSz="914400" rtl="0" eaLnBrk="1" fontAlgn="auto" latinLnBrk="0" hangingPunct="1">
+                        <a:lnSpc>
+                          <a:spcPct val="100000"/>
+                        </a:lnSpc>
+                        <a:spcBef>
+                          <a:spcPts val="0"/>
+                        </a:spcBef>
+                        <a:spcAft>
+                          <a:spcPts val="0"/>
+                        </a:spcAft>
+                        <a:buClrTx/>
+                        <a:buSzTx/>
+                        <a:buFontTx/>
+                        <a:buNone/>
+                        <a:tabLst/>
+                        <a:defRPr/>
+                      </a:pPr>
+                      <a:r>
+                        <a:rPr lang="es-ES" sz="1300" dirty="0"/>
+                        <a:t>2 horas</a:t>
+                      </a:r>
+                    </a:p>
+                    <a:p>
+                      <a:endParaRPr lang="es-ES" sz="1300" dirty="0"/>
+                    </a:p>
+                  </a:txBody>
+                  <a:tcPr/>
+                </a:tc>
+                <a:extLst>
+                  <a:ext uri="{0D108BD9-81ED-4DB2-BD59-A6C34878D82A}">
+                    <a16:rowId xmlns:a16="http://schemas.microsoft.com/office/drawing/2014/main" val="1454609151"/>
+                  </a:ext>
+                </a:extLst>
+              </a:tr>
+              <a:tr h="452572">
+                <a:tc>
+                  <a:txBody>
+                    <a:bodyPr/>
+                    <a:lstStyle/>
+                    <a:p>
+                      <a:pPr lvl="0" algn="l">
+                        <a:buNone/>
+                      </a:pPr>
+                      <a:r>
+                        <a:rPr lang="es-ES" sz="1300" b="0" u="none" strike="noStrike" noProof="0"/>
+                        <a:t>H-02</a:t>
+                      </a:r>
+                      <a:endParaRPr lang="es-ES" sz="1300" b="0" i="0" u="none" strike="noStrike" noProof="0">
+                        <a:latin typeface="Century Gothic"/>
+                      </a:endParaRPr>
+                    </a:p>
+                  </a:txBody>
+                  <a:tcPr/>
+                </a:tc>
+                <a:tc>
+                  <a:txBody>
+                    <a:bodyPr/>
+                    <a:lstStyle/>
+                    <a:p>
+                      <a:r>
+                        <a:rPr lang="es-ES" sz="1300" dirty="0"/>
+                        <a:t>Ver galería de imágenes de productos al menos 2 paginaciones.</a:t>
+                      </a:r>
+                    </a:p>
+                  </a:txBody>
+                  <a:tcPr/>
+                </a:tc>
+                <a:tc>
+                  <a:txBody>
+                    <a:bodyPr/>
+                    <a:lstStyle/>
+                    <a:p>
+                      <a:r>
+                        <a:rPr lang="es-ES" sz="1300" dirty="0"/>
+                        <a:t>Alta</a:t>
+                      </a:r>
+                    </a:p>
+                    <a:p>
+                      <a:endParaRPr lang="es-ES" sz="1300" dirty="0"/>
+                    </a:p>
+                  </a:txBody>
+                  <a:tcPr/>
+                </a:tc>
+                <a:tc>
+                  <a:txBody>
+                    <a:bodyPr/>
+                    <a:lstStyle/>
+                    <a:p>
+                      <a:pPr marL="0" marR="0" lvl="0" indent="0" algn="l" defTabSz="914400" rtl="0" eaLnBrk="1" fontAlgn="auto" latinLnBrk="0" hangingPunct="1">
+                        <a:lnSpc>
+                          <a:spcPct val="100000"/>
+                        </a:lnSpc>
+                        <a:spcBef>
+                          <a:spcPts val="0"/>
+                        </a:spcBef>
+                        <a:spcAft>
+                          <a:spcPts val="0"/>
+                        </a:spcAft>
+                        <a:buClrTx/>
+                        <a:buSzTx/>
+                        <a:buFontTx/>
+                        <a:buNone/>
+                        <a:tabLst/>
+                        <a:defRPr/>
+                      </a:pPr>
+                      <a:r>
+                        <a:rPr lang="es-ES" sz="1300" dirty="0"/>
+                        <a:t>50 min</a:t>
+                      </a:r>
+                    </a:p>
+                    <a:p>
+                      <a:endParaRPr lang="es-ES" sz="1300" dirty="0"/>
+                    </a:p>
+                  </a:txBody>
+                  <a:tcPr/>
+                </a:tc>
+                <a:extLst>
+                  <a:ext uri="{0D108BD9-81ED-4DB2-BD59-A6C34878D82A}">
+                    <a16:rowId xmlns:a16="http://schemas.microsoft.com/office/drawing/2014/main" val="899664122"/>
+                  </a:ext>
+                </a:extLst>
+              </a:tr>
+              <a:tr h="452572">
+                <a:tc>
+                  <a:txBody>
+                    <a:bodyPr/>
+                    <a:lstStyle/>
+                    <a:p>
+                      <a:pPr lvl="0" algn="l">
+                        <a:buNone/>
+                      </a:pPr>
+                      <a:r>
+                        <a:rPr lang="es-ES" sz="1300" b="0" u="none" strike="noStrike" noProof="0"/>
+                        <a:t>H-03</a:t>
+                      </a:r>
+                      <a:endParaRPr lang="es-ES" sz="1300" b="0" i="0" u="none" strike="noStrike" noProof="0">
+                        <a:latin typeface="Century Gothic"/>
+                      </a:endParaRPr>
+                    </a:p>
+                  </a:txBody>
+                  <a:tcPr/>
+                </a:tc>
+                <a:tc>
+                  <a:txBody>
+                    <a:bodyPr/>
+                    <a:lstStyle/>
+                    <a:p>
+                      <a:pPr lvl="0">
+                        <a:buNone/>
+                      </a:pPr>
+                      <a:r>
+                        <a:rPr lang="es-ES" sz="1300" dirty="0"/>
+                        <a:t>Agregar productos al carrito.</a:t>
+                      </a:r>
+                    </a:p>
+                  </a:txBody>
+                  <a:tcPr/>
+                </a:tc>
+                <a:tc>
+                  <a:txBody>
+                    <a:bodyPr/>
+                    <a:lstStyle/>
+                    <a:p>
+                      <a:pPr lvl="0">
+                        <a:buNone/>
+                      </a:pPr>
+                      <a:r>
+                        <a:rPr lang="es-ES" sz="1300" dirty="0"/>
+                        <a:t>Alta</a:t>
+                      </a:r>
+                    </a:p>
+                    <a:p>
+                      <a:pPr lvl="0">
+                        <a:buNone/>
+                      </a:pPr>
+                      <a:endParaRPr lang="es-ES" sz="1300" dirty="0"/>
+                    </a:p>
+                  </a:txBody>
+                  <a:tcPr/>
+                </a:tc>
+                <a:tc>
+                  <a:txBody>
+                    <a:bodyPr/>
+                    <a:lstStyle/>
+                    <a:p>
+                      <a:pPr marL="0" marR="0" lvl="0" indent="0" algn="l" defTabSz="914400" rtl="0" eaLnBrk="1" fontAlgn="auto" latinLnBrk="0" hangingPunct="1">
+                        <a:lnSpc>
+                          <a:spcPct val="100000"/>
+                        </a:lnSpc>
+                        <a:spcBef>
+                          <a:spcPts val="0"/>
+                        </a:spcBef>
+                        <a:spcAft>
+                          <a:spcPts val="0"/>
+                        </a:spcAft>
+                        <a:buClrTx/>
+                        <a:buSzTx/>
+                        <a:buFontTx/>
+                        <a:buNone/>
+                        <a:tabLst/>
+                        <a:defRPr/>
+                      </a:pPr>
+                      <a:r>
+                        <a:rPr lang="es-ES" sz="1300" dirty="0"/>
+                        <a:t>2 horas</a:t>
+                      </a:r>
+                    </a:p>
+                    <a:p>
+                      <a:pPr lvl="0">
+                        <a:buNone/>
+                      </a:pPr>
+                      <a:endParaRPr lang="es-ES" sz="1300" dirty="0"/>
+                    </a:p>
+                  </a:txBody>
+                  <a:tcPr/>
+                </a:tc>
+                <a:extLst>
+                  <a:ext uri="{0D108BD9-81ED-4DB2-BD59-A6C34878D82A}">
+                    <a16:rowId xmlns:a16="http://schemas.microsoft.com/office/drawing/2014/main" val="2275399881"/>
+                  </a:ext>
+                </a:extLst>
+              </a:tr>
+              <a:tr h="452572">
+                <a:tc>
+                  <a:txBody>
+                    <a:bodyPr/>
+                    <a:lstStyle/>
+                    <a:p>
+                      <a:pPr lvl="0" algn="l">
+                        <a:buNone/>
+                      </a:pPr>
+                      <a:r>
+                        <a:rPr lang="es-ES" sz="1300" b="0" u="none" strike="noStrike" noProof="0"/>
+                        <a:t>H-04</a:t>
+                      </a:r>
+                      <a:endParaRPr lang="es-ES" sz="1300" b="0" i="0" u="none" strike="noStrike" noProof="0">
+                        <a:latin typeface="Century Gothic"/>
+                      </a:endParaRPr>
+                    </a:p>
+                  </a:txBody>
+                  <a:tcPr/>
+                </a:tc>
+                <a:tc>
+                  <a:txBody>
+                    <a:bodyPr/>
+                    <a:lstStyle/>
+                    <a:p>
+                      <a:pPr lvl="0">
+                        <a:buNone/>
+                      </a:pPr>
+                      <a:r>
+                        <a:rPr lang="es-ES" sz="1300" dirty="0"/>
+                        <a:t>Eliminar productos del carrito.</a:t>
+                      </a:r>
+                    </a:p>
+                  </a:txBody>
+                  <a:tcPr/>
+                </a:tc>
+                <a:tc>
+                  <a:txBody>
+                    <a:bodyPr/>
+                    <a:lstStyle/>
+                    <a:p>
+                      <a:pPr lvl="0">
+                        <a:buNone/>
+                      </a:pPr>
+                      <a:r>
+                        <a:rPr lang="es-ES" sz="1300" dirty="0"/>
+                        <a:t>Media</a:t>
+                      </a:r>
+                    </a:p>
+                  </a:txBody>
+                  <a:tcPr/>
+                </a:tc>
+                <a:tc>
+                  <a:txBody>
+                    <a:bodyPr/>
+                    <a:lstStyle/>
+                    <a:p>
+                      <a:pPr marL="0" marR="0" lvl="0" indent="0" algn="l" defTabSz="914400" rtl="0" eaLnBrk="1" fontAlgn="auto" latinLnBrk="0" hangingPunct="1">
+                        <a:lnSpc>
+                          <a:spcPct val="100000"/>
+                        </a:lnSpc>
+                        <a:spcBef>
+                          <a:spcPts val="0"/>
+                        </a:spcBef>
+                        <a:spcAft>
+                          <a:spcPts val="0"/>
+                        </a:spcAft>
+                        <a:buClrTx/>
+                        <a:buSzTx/>
+                        <a:buFontTx/>
+                        <a:buNone/>
+                        <a:tabLst/>
+                        <a:defRPr/>
+                      </a:pPr>
+                      <a:r>
+                        <a:rPr lang="es-ES" sz="1300" dirty="0"/>
+                        <a:t>3 horas</a:t>
+                      </a:r>
+                    </a:p>
+                    <a:p>
+                      <a:pPr lvl="0">
+                        <a:buNone/>
+                      </a:pPr>
+                      <a:endParaRPr lang="es-ES" sz="1300" dirty="0"/>
+                    </a:p>
+                  </a:txBody>
+                  <a:tcPr/>
+                </a:tc>
+                <a:extLst>
+                  <a:ext uri="{0D108BD9-81ED-4DB2-BD59-A6C34878D82A}">
+                    <a16:rowId xmlns:a16="http://schemas.microsoft.com/office/drawing/2014/main" val="2910794960"/>
+                  </a:ext>
+                </a:extLst>
+              </a:tr>
+              <a:tr h="452572">
+                <a:tc>
+                  <a:txBody>
+                    <a:bodyPr/>
+                    <a:lstStyle/>
+                    <a:p>
+                      <a:pPr lvl="0" algn="l">
+                        <a:buNone/>
+                      </a:pPr>
+                      <a:r>
+                        <a:rPr lang="es-ES" sz="1300" b="0" u="none" strike="noStrike" noProof="0" dirty="0"/>
+                        <a:t>H-05</a:t>
+                      </a:r>
+                      <a:endParaRPr lang="es-ES" sz="1300" b="0" i="0" u="none" strike="noStrike" noProof="0" dirty="0">
+                        <a:latin typeface="Century Gothic"/>
+                      </a:endParaRPr>
+                    </a:p>
+                  </a:txBody>
+                  <a:tcPr/>
+                </a:tc>
+                <a:tc>
+                  <a:txBody>
+                    <a:bodyPr/>
+                    <a:lstStyle/>
+                    <a:p>
+                      <a:pPr lvl="0">
+                        <a:buNone/>
+                      </a:pPr>
+                      <a:r>
+                        <a:rPr lang="es-ES" sz="1300" dirty="0"/>
+                        <a:t>Modificar productos del carrito.</a:t>
+                      </a:r>
+                    </a:p>
+                  </a:txBody>
+                  <a:tcPr/>
+                </a:tc>
+                <a:tc>
+                  <a:txBody>
+                    <a:bodyPr/>
+                    <a:lstStyle/>
+                    <a:p>
+                      <a:pPr marL="0" marR="0" lvl="0" indent="0" algn="l" defTabSz="914400" rtl="0" eaLnBrk="1" fontAlgn="auto" latinLnBrk="0" hangingPunct="1">
+                        <a:lnSpc>
+                          <a:spcPct val="100000"/>
+                        </a:lnSpc>
+                        <a:spcBef>
+                          <a:spcPts val="0"/>
+                        </a:spcBef>
+                        <a:spcAft>
+                          <a:spcPts val="0"/>
+                        </a:spcAft>
+                        <a:buClrTx/>
+                        <a:buSzTx/>
+                        <a:buFontTx/>
+                        <a:buNone/>
+                        <a:tabLst/>
+                        <a:defRPr/>
+                      </a:pPr>
+                      <a:r>
+                        <a:rPr lang="es-ES" sz="1300" dirty="0"/>
+                        <a:t>Media</a:t>
+                      </a:r>
+                    </a:p>
+                  </a:txBody>
+                  <a:tcPr/>
+                </a:tc>
+                <a:tc>
+                  <a:txBody>
+                    <a:bodyPr/>
+                    <a:lstStyle/>
+                    <a:p>
+                      <a:pPr marL="0" marR="0" lvl="0" indent="0" algn="l" defTabSz="914400" rtl="0" eaLnBrk="1" fontAlgn="auto" latinLnBrk="0" hangingPunct="1">
+                        <a:lnSpc>
+                          <a:spcPct val="100000"/>
+                        </a:lnSpc>
+                        <a:spcBef>
+                          <a:spcPts val="0"/>
+                        </a:spcBef>
+                        <a:spcAft>
+                          <a:spcPts val="0"/>
+                        </a:spcAft>
+                        <a:buClrTx/>
+                        <a:buSzTx/>
+                        <a:buFontTx/>
+                        <a:buNone/>
+                        <a:tabLst/>
+                        <a:defRPr/>
+                      </a:pPr>
+                      <a:r>
+                        <a:rPr lang="es-ES" sz="1300" dirty="0"/>
+                        <a:t>2 horas</a:t>
+                      </a:r>
+                    </a:p>
+                    <a:p>
+                      <a:pPr marL="0" marR="0" lvl="0" indent="0" algn="l" defTabSz="914400" rtl="0" eaLnBrk="1" fontAlgn="auto" latinLnBrk="0" hangingPunct="1">
+                        <a:lnSpc>
+                          <a:spcPct val="100000"/>
+                        </a:lnSpc>
+                        <a:spcBef>
+                          <a:spcPts val="0"/>
+                        </a:spcBef>
+                        <a:spcAft>
+                          <a:spcPts val="0"/>
+                        </a:spcAft>
+                        <a:buClrTx/>
+                        <a:buSzTx/>
+                        <a:buFontTx/>
+                        <a:buNone/>
+                        <a:tabLst/>
+                        <a:defRPr/>
+                      </a:pPr>
+                      <a:endParaRPr lang="es-ES" sz="1300" dirty="0"/>
+                    </a:p>
+                  </a:txBody>
+                  <a:tcPr/>
+                </a:tc>
+                <a:extLst>
+                  <a:ext uri="{0D108BD9-81ED-4DB2-BD59-A6C34878D82A}">
+                    <a16:rowId xmlns:a16="http://schemas.microsoft.com/office/drawing/2014/main" val="3376268424"/>
+                  </a:ext>
+                </a:extLst>
+              </a:tr>
+              <a:tr h="452572">
+                <a:tc>
+                  <a:txBody>
+                    <a:bodyPr/>
+                    <a:lstStyle/>
+                    <a:p>
+                      <a:pPr lvl="0" algn="l">
+                        <a:buNone/>
+                      </a:pPr>
+                      <a:r>
+                        <a:rPr lang="es-ES" sz="1300" b="0" u="none" strike="noStrike" noProof="0" dirty="0"/>
+                        <a:t>H-06</a:t>
+                      </a:r>
+                      <a:endParaRPr lang="es-ES" sz="1300" b="0" i="0" u="none" strike="noStrike" noProof="0" dirty="0">
+                        <a:latin typeface="Century Gothic"/>
+                      </a:endParaRPr>
+                    </a:p>
+                  </a:txBody>
+                  <a:tcPr/>
+                </a:tc>
+                <a:tc>
+                  <a:txBody>
+                    <a:bodyPr/>
+                    <a:lstStyle/>
+                    <a:p>
+                      <a:pPr lvl="0">
+                        <a:buNone/>
+                      </a:pPr>
+                      <a:r>
+                        <a:rPr lang="es-ES" sz="1300" u="sng" dirty="0"/>
+                        <a:t>Ver</a:t>
+                      </a:r>
+                      <a:r>
+                        <a:rPr lang="es-ES" sz="1300" dirty="0"/>
+                        <a:t> la vista preliminar del producto.</a:t>
+                      </a:r>
+                    </a:p>
+                  </a:txBody>
+                  <a:tcPr/>
+                </a:tc>
+                <a:tc>
+                  <a:txBody>
+                    <a:bodyPr/>
+                    <a:lstStyle/>
+                    <a:p>
+                      <a:pPr lvl="0">
+                        <a:buNone/>
+                      </a:pPr>
+                      <a:r>
+                        <a:rPr lang="es-ES" sz="1300" dirty="0"/>
+                        <a:t>Baja</a:t>
+                      </a:r>
+                    </a:p>
+                  </a:txBody>
+                  <a:tcPr/>
+                </a:tc>
+                <a:tc>
+                  <a:txBody>
+                    <a:bodyPr/>
+                    <a:lstStyle/>
+                    <a:p>
+                      <a:pPr marL="0" marR="0" lvl="0" indent="0" algn="l" defTabSz="914400" rtl="0" eaLnBrk="1" fontAlgn="auto" latinLnBrk="0" hangingPunct="1">
+                        <a:lnSpc>
+                          <a:spcPct val="100000"/>
+                        </a:lnSpc>
+                        <a:spcBef>
+                          <a:spcPts val="0"/>
+                        </a:spcBef>
+                        <a:spcAft>
+                          <a:spcPts val="0"/>
+                        </a:spcAft>
+                        <a:buClrTx/>
+                        <a:buSzTx/>
+                        <a:buFontTx/>
+                        <a:buNone/>
+                        <a:tabLst/>
+                        <a:defRPr/>
+                      </a:pPr>
+                      <a:r>
+                        <a:rPr lang="es-ES" sz="1300" dirty="0"/>
+                        <a:t>45 min</a:t>
+                      </a:r>
+                    </a:p>
+                    <a:p>
+                      <a:pPr lvl="0">
+                        <a:buNone/>
+                      </a:pPr>
+                      <a:endParaRPr lang="es-ES" sz="1300" dirty="0"/>
+                    </a:p>
+                  </a:txBody>
+                  <a:tcPr/>
+                </a:tc>
+                <a:extLst>
+                  <a:ext uri="{0D108BD9-81ED-4DB2-BD59-A6C34878D82A}">
+                    <a16:rowId xmlns:a16="http://schemas.microsoft.com/office/drawing/2014/main" val="854046905"/>
+                  </a:ext>
+                </a:extLst>
+              </a:tr>
+              <a:tr h="452572">
+                <a:tc>
+                  <a:txBody>
+                    <a:bodyPr/>
+                    <a:lstStyle/>
+                    <a:p>
+                      <a:pPr lvl="0" algn="l">
+                        <a:buNone/>
+                      </a:pPr>
+                      <a:r>
+                        <a:rPr lang="es-ES" sz="1300" kern="1200" noProof="0" dirty="0">
+                          <a:solidFill>
+                            <a:schemeClr val="dk1"/>
+                          </a:solidFill>
+                          <a:latin typeface="+mn-lt"/>
+                          <a:ea typeface="+mn-ea"/>
+                          <a:cs typeface="+mn-cs"/>
+                        </a:rPr>
+                        <a:t>H-07</a:t>
+                      </a:r>
+                    </a:p>
+                  </a:txBody>
+                  <a:tcPr/>
+                </a:tc>
+                <a:tc>
+                  <a:txBody>
+                    <a:bodyPr/>
+                    <a:lstStyle/>
+                    <a:p>
+                      <a:r>
+                        <a:rPr lang="es-ES" sz="1300" kern="1200" dirty="0">
+                          <a:solidFill>
+                            <a:schemeClr val="dk1"/>
+                          </a:solidFill>
+                          <a:latin typeface="+mn-lt"/>
+                          <a:ea typeface="+mn-ea"/>
+                          <a:cs typeface="+mn-cs"/>
+                        </a:rPr>
+                        <a:t>Registrar datos de envió</a:t>
+                      </a:r>
+                    </a:p>
+                  </a:txBody>
+                  <a:tcPr/>
+                </a:tc>
+                <a:tc>
+                  <a:txBody>
+                    <a:bodyPr/>
+                    <a:lstStyle/>
+                    <a:p>
+                      <a:pPr marL="0" marR="0" lvl="0" indent="0" algn="l" defTabSz="914400" rtl="0" eaLnBrk="1" fontAlgn="auto" latinLnBrk="0" hangingPunct="1">
+                        <a:lnSpc>
+                          <a:spcPct val="100000"/>
+                        </a:lnSpc>
+                        <a:spcBef>
+                          <a:spcPts val="0"/>
+                        </a:spcBef>
+                        <a:spcAft>
+                          <a:spcPts val="0"/>
+                        </a:spcAft>
+                        <a:buClrTx/>
+                        <a:buSzTx/>
+                        <a:buFontTx/>
+                        <a:buNone/>
+                        <a:tabLst/>
+                        <a:defRPr/>
+                      </a:pPr>
+                      <a:r>
+                        <a:rPr lang="es-ES" sz="1300" kern="1200" dirty="0">
+                          <a:solidFill>
+                            <a:schemeClr val="dk1"/>
+                          </a:solidFill>
+                          <a:latin typeface="+mn-lt"/>
+                          <a:ea typeface="+mn-ea"/>
+                          <a:cs typeface="+mn-cs"/>
+                        </a:rPr>
+                        <a:t>Alta</a:t>
+                      </a:r>
+                    </a:p>
+                    <a:p>
+                      <a:pPr lvl="0">
+                        <a:buNone/>
+                      </a:pPr>
+                      <a:endParaRPr lang="es-ES" sz="1300" kern="1200" dirty="0">
+                        <a:solidFill>
+                          <a:schemeClr val="dk1"/>
+                        </a:solidFill>
+                        <a:latin typeface="+mn-lt"/>
+                        <a:ea typeface="+mn-ea"/>
+                        <a:cs typeface="+mn-cs"/>
+                      </a:endParaRPr>
+                    </a:p>
+                  </a:txBody>
+                  <a:tcPr/>
+                </a:tc>
+                <a:tc>
+                  <a:txBody>
+                    <a:bodyPr/>
+                    <a:lstStyle/>
+                    <a:p>
+                      <a:pPr lvl="0">
+                        <a:buNone/>
+                      </a:pPr>
+                      <a:r>
+                        <a:rPr lang="es-ES" sz="1300" kern="1200" dirty="0">
+                          <a:solidFill>
+                            <a:schemeClr val="dk1"/>
+                          </a:solidFill>
+                          <a:latin typeface="+mn-lt"/>
+                          <a:ea typeface="+mn-ea"/>
+                          <a:cs typeface="+mn-cs"/>
+                        </a:rPr>
+                        <a:t>3 horas</a:t>
+                      </a:r>
+                    </a:p>
+                  </a:txBody>
+                  <a:tcPr/>
+                </a:tc>
+                <a:extLst>
+                  <a:ext uri="{0D108BD9-81ED-4DB2-BD59-A6C34878D82A}">
+                    <a16:rowId xmlns:a16="http://schemas.microsoft.com/office/drawing/2014/main" val="3256800711"/>
+                  </a:ext>
+                </a:extLst>
+              </a:tr>
+              <a:tr h="452572">
+                <a:tc>
+                  <a:txBody>
+                    <a:bodyPr/>
+                    <a:lstStyle/>
+                    <a:p>
+                      <a:pPr lvl="0" algn="l">
+                        <a:buNone/>
+                      </a:pPr>
+                      <a:r>
+                        <a:rPr lang="es-ES" sz="1300" kern="1200" noProof="0" dirty="0">
+                          <a:solidFill>
+                            <a:schemeClr val="dk1"/>
+                          </a:solidFill>
+                          <a:latin typeface="+mn-lt"/>
+                          <a:ea typeface="+mn-ea"/>
+                          <a:cs typeface="+mn-cs"/>
+                        </a:rPr>
+                        <a:t>H-08</a:t>
+                      </a:r>
+                    </a:p>
+                  </a:txBody>
+                  <a:tcPr/>
+                </a:tc>
+                <a:tc>
+                  <a:txBody>
+                    <a:bodyPr/>
+                    <a:lstStyle/>
+                    <a:p>
+                      <a:r>
+                        <a:rPr lang="es-ES" sz="1300" kern="1200" dirty="0">
+                          <a:solidFill>
+                            <a:schemeClr val="dk1"/>
+                          </a:solidFill>
+                          <a:latin typeface="+mn-lt"/>
+                          <a:ea typeface="+mn-ea"/>
+                          <a:cs typeface="+mn-cs"/>
+                        </a:rPr>
+                        <a:t>Ingreso de tarjeta de crédito </a:t>
+                      </a:r>
+                    </a:p>
+                  </a:txBody>
+                  <a:tcPr/>
+                </a:tc>
+                <a:tc>
+                  <a:txBody>
+                    <a:bodyPr/>
+                    <a:lstStyle/>
+                    <a:p>
+                      <a:pPr marL="0" marR="0" lvl="0" indent="0" algn="l" defTabSz="914400" rtl="0" eaLnBrk="1" fontAlgn="auto" latinLnBrk="0" hangingPunct="1">
+                        <a:lnSpc>
+                          <a:spcPct val="100000"/>
+                        </a:lnSpc>
+                        <a:spcBef>
+                          <a:spcPts val="0"/>
+                        </a:spcBef>
+                        <a:spcAft>
+                          <a:spcPts val="0"/>
+                        </a:spcAft>
+                        <a:buClrTx/>
+                        <a:buSzTx/>
+                        <a:buFontTx/>
+                        <a:buNone/>
+                        <a:tabLst/>
+                        <a:defRPr/>
+                      </a:pPr>
+                      <a:r>
+                        <a:rPr lang="es-ES" sz="1300" kern="1200" dirty="0">
+                          <a:solidFill>
+                            <a:schemeClr val="dk1"/>
+                          </a:solidFill>
+                          <a:latin typeface="+mn-lt"/>
+                          <a:ea typeface="+mn-ea"/>
+                          <a:cs typeface="+mn-cs"/>
+                        </a:rPr>
+                        <a:t>Alta</a:t>
+                      </a:r>
+                    </a:p>
+                    <a:p>
+                      <a:pPr lvl="0">
+                        <a:buNone/>
+                      </a:pPr>
+                      <a:endParaRPr lang="es-ES" sz="1300" kern="1200" dirty="0">
+                        <a:solidFill>
+                          <a:schemeClr val="dk1"/>
+                        </a:solidFill>
+                        <a:latin typeface="+mn-lt"/>
+                        <a:ea typeface="+mn-ea"/>
+                        <a:cs typeface="+mn-cs"/>
+                      </a:endParaRPr>
+                    </a:p>
+                  </a:txBody>
+                  <a:tcPr/>
+                </a:tc>
+                <a:tc>
+                  <a:txBody>
+                    <a:bodyPr/>
+                    <a:lstStyle/>
+                    <a:p>
+                      <a:pPr lvl="0">
+                        <a:buNone/>
+                      </a:pPr>
+                      <a:r>
+                        <a:rPr lang="es-ES" sz="1300" kern="1200" dirty="0">
+                          <a:solidFill>
+                            <a:schemeClr val="dk1"/>
+                          </a:solidFill>
+                          <a:latin typeface="+mn-lt"/>
+                          <a:ea typeface="+mn-ea"/>
+                          <a:cs typeface="+mn-cs"/>
+                        </a:rPr>
+                        <a:t>2 horas</a:t>
+                      </a:r>
+                    </a:p>
+                  </a:txBody>
+                  <a:tcPr/>
+                </a:tc>
+                <a:extLst>
+                  <a:ext uri="{0D108BD9-81ED-4DB2-BD59-A6C34878D82A}">
+                    <a16:rowId xmlns:a16="http://schemas.microsoft.com/office/drawing/2014/main" val="3793460990"/>
+                  </a:ext>
+                </a:extLst>
+              </a:tr>
+              <a:tr h="452572">
+                <a:tc>
+                  <a:txBody>
+                    <a:bodyPr/>
+                    <a:lstStyle/>
+                    <a:p>
+                      <a:pPr lvl="0" algn="l">
+                        <a:buNone/>
+                      </a:pPr>
+                      <a:r>
+                        <a:rPr lang="es-ES" sz="1300" kern="1200" noProof="0" dirty="0">
+                          <a:solidFill>
+                            <a:schemeClr val="dk1"/>
+                          </a:solidFill>
+                          <a:latin typeface="+mn-lt"/>
+                          <a:ea typeface="+mn-ea"/>
+                          <a:cs typeface="+mn-cs"/>
+                        </a:rPr>
+                        <a:t>H-09</a:t>
+                      </a:r>
+                    </a:p>
+                  </a:txBody>
+                  <a:tcPr/>
+                </a:tc>
+                <a:tc>
+                  <a:txBody>
+                    <a:bodyPr/>
+                    <a:lstStyle/>
+                    <a:p>
+                      <a:pPr lvl="0">
+                        <a:buNone/>
+                      </a:pPr>
+                      <a:r>
+                        <a:rPr lang="es-ES" sz="1300" kern="1200" dirty="0">
+                          <a:solidFill>
+                            <a:schemeClr val="dk1"/>
+                          </a:solidFill>
+                          <a:latin typeface="+mn-lt"/>
+                          <a:ea typeface="+mn-ea"/>
+                          <a:cs typeface="+mn-cs"/>
+                        </a:rPr>
+                        <a:t>Ver total de productos a pagar</a:t>
+                      </a:r>
+                    </a:p>
+                  </a:txBody>
+                  <a:tcPr/>
+                </a:tc>
+                <a:tc>
+                  <a:txBody>
+                    <a:bodyPr/>
+                    <a:lstStyle/>
+                    <a:p>
+                      <a:pPr marL="0" marR="0" lvl="0" indent="0" algn="l" defTabSz="914400" rtl="0" eaLnBrk="1" fontAlgn="auto" latinLnBrk="0" hangingPunct="1">
+                        <a:lnSpc>
+                          <a:spcPct val="100000"/>
+                        </a:lnSpc>
+                        <a:spcBef>
+                          <a:spcPts val="0"/>
+                        </a:spcBef>
+                        <a:spcAft>
+                          <a:spcPts val="0"/>
+                        </a:spcAft>
+                        <a:buClrTx/>
+                        <a:buSzTx/>
+                        <a:buFontTx/>
+                        <a:buNone/>
+                        <a:tabLst/>
+                        <a:defRPr/>
+                      </a:pPr>
+                      <a:r>
+                        <a:rPr lang="es-ES" sz="1300" kern="1200" dirty="0">
+                          <a:solidFill>
+                            <a:schemeClr val="dk1"/>
+                          </a:solidFill>
+                          <a:latin typeface="+mn-lt"/>
+                          <a:ea typeface="+mn-ea"/>
+                          <a:cs typeface="+mn-cs"/>
+                        </a:rPr>
+                        <a:t>Alta</a:t>
+                      </a:r>
+                    </a:p>
+                    <a:p>
+                      <a:pPr lvl="0">
+                        <a:buNone/>
+                      </a:pPr>
+                      <a:endParaRPr lang="es-ES" sz="1300" kern="1200" dirty="0">
+                        <a:solidFill>
+                          <a:schemeClr val="dk1"/>
+                        </a:solidFill>
+                        <a:latin typeface="+mn-lt"/>
+                        <a:ea typeface="+mn-ea"/>
+                        <a:cs typeface="+mn-cs"/>
+                      </a:endParaRPr>
+                    </a:p>
+                  </a:txBody>
+                  <a:tcPr/>
+                </a:tc>
+                <a:tc>
+                  <a:txBody>
+                    <a:bodyPr/>
+                    <a:lstStyle/>
+                    <a:p>
+                      <a:pPr lvl="0">
+                        <a:buNone/>
+                      </a:pPr>
+                      <a:r>
+                        <a:rPr lang="es-ES" sz="1300" kern="1200" dirty="0">
+                          <a:solidFill>
+                            <a:schemeClr val="dk1"/>
+                          </a:solidFill>
+                          <a:latin typeface="+mn-lt"/>
+                          <a:ea typeface="+mn-ea"/>
+                          <a:cs typeface="+mn-cs"/>
+                        </a:rPr>
+                        <a:t>2 horas</a:t>
+                      </a:r>
+                    </a:p>
+                  </a:txBody>
+                  <a:tcPr/>
+                </a:tc>
+                <a:extLst>
+                  <a:ext uri="{0D108BD9-81ED-4DB2-BD59-A6C34878D82A}">
+                    <a16:rowId xmlns:a16="http://schemas.microsoft.com/office/drawing/2014/main" val="3693854746"/>
+                  </a:ext>
+                </a:extLst>
+              </a:tr>
+            </a:tbl>
+          </a:graphicData>
+        </a:graphic>
+      </p:graphicFrame>
     </p:spTree>
     <p:extLst>
       <p:ext uri="{BB962C8B-B14F-4D97-AF65-F5344CB8AC3E}">
-        <p14:creationId xmlns:p14="http://schemas.microsoft.com/office/powerpoint/2010/main" val="3472959167"/>
+        <p14:creationId xmlns:p14="http://schemas.microsoft.com/office/powerpoint/2010/main" val="4123751431"/>
       </p:ext>
     </p:extLst>
   </p:cSld>
@@ -5646,17 +8115,158 @@
           <a:p>
             <a:r>
               <a:rPr lang="es-CL" sz="3600" dirty="0"/>
-              <a:t>RETROESPECTIVA</a:t>
+              <a:t>SPRINT REVIEW</a:t>
             </a:r>
           </a:p>
         </p:txBody>
       </p:sp>
+      <p:pic>
+        <p:nvPicPr>
+          <p:cNvPr id="6" name="Imagen 5">
+            <a:extLst>
+              <a:ext uri="{FF2B5EF4-FFF2-40B4-BE49-F238E27FC236}">
+                <a16:creationId xmlns:a16="http://schemas.microsoft.com/office/drawing/2014/main" id="{89BCBCD4-826A-43EA-BF0C-431FF5B8D5B4}"/>
+              </a:ext>
+            </a:extLst>
+          </p:cNvPr>
+          <p:cNvPicPr>
+            <a:picLocks noChangeAspect="1"/>
+          </p:cNvPicPr>
+          <p:nvPr/>
+        </p:nvPicPr>
+        <p:blipFill>
+          <a:blip r:embed="rId2"/>
+          <a:stretch>
+            <a:fillRect/>
+          </a:stretch>
+        </p:blipFill>
+        <p:spPr>
+          <a:xfrm>
+            <a:off x="1536694" y="1812687"/>
+            <a:ext cx="3098034" cy="2494292"/>
+          </a:xfrm>
+          <a:prstGeom prst="rect">
+            <a:avLst/>
+          </a:prstGeom>
+        </p:spPr>
+      </p:pic>
+      <p:grpSp>
+        <p:nvGrpSpPr>
+          <p:cNvPr id="11" name="Grupo 10">
+            <a:extLst>
+              <a:ext uri="{FF2B5EF4-FFF2-40B4-BE49-F238E27FC236}">
+                <a16:creationId xmlns:a16="http://schemas.microsoft.com/office/drawing/2014/main" id="{E384C878-6521-4501-B2C4-3CD24B7F855C}"/>
+              </a:ext>
+            </a:extLst>
+          </p:cNvPr>
+          <p:cNvGrpSpPr/>
+          <p:nvPr/>
+        </p:nvGrpSpPr>
+        <p:grpSpPr>
+          <a:xfrm>
+            <a:off x="5930604" y="1812687"/>
+            <a:ext cx="3696101" cy="2494292"/>
+            <a:chOff x="0" y="1375926"/>
+            <a:chExt cx="12482996" cy="9119893"/>
+          </a:xfrm>
+        </p:grpSpPr>
+        <p:pic>
+          <p:nvPicPr>
+            <p:cNvPr id="8" name="Imagen 7">
+              <a:extLst>
+                <a:ext uri="{FF2B5EF4-FFF2-40B4-BE49-F238E27FC236}">
+                  <a16:creationId xmlns:a16="http://schemas.microsoft.com/office/drawing/2014/main" id="{01B4087A-6345-463D-B2AF-B0E9DA4B7FF6}"/>
+                </a:ext>
+              </a:extLst>
+            </p:cNvPr>
+            <p:cNvPicPr>
+              <a:picLocks noChangeAspect="1"/>
+            </p:cNvPicPr>
+            <p:nvPr/>
+          </p:nvPicPr>
+          <p:blipFill>
+            <a:blip r:embed="rId3"/>
+            <a:stretch>
+              <a:fillRect/>
+            </a:stretch>
+          </p:blipFill>
+          <p:spPr>
+            <a:xfrm>
+              <a:off x="0" y="1375926"/>
+              <a:ext cx="12192000" cy="4106148"/>
+            </a:xfrm>
+            <a:prstGeom prst="rect">
+              <a:avLst/>
+            </a:prstGeom>
+          </p:spPr>
+        </p:pic>
+        <p:pic>
+          <p:nvPicPr>
+            <p:cNvPr id="10" name="Imagen 9">
+              <a:extLst>
+                <a:ext uri="{FF2B5EF4-FFF2-40B4-BE49-F238E27FC236}">
+                  <a16:creationId xmlns:a16="http://schemas.microsoft.com/office/drawing/2014/main" id="{E69B13A0-6991-401E-B896-A1D0B7DE96A3}"/>
+                </a:ext>
+              </a:extLst>
+            </p:cNvPr>
+            <p:cNvPicPr>
+              <a:picLocks noChangeAspect="1"/>
+            </p:cNvPicPr>
+            <p:nvPr/>
+          </p:nvPicPr>
+          <p:blipFill>
+            <a:blip r:embed="rId4"/>
+            <a:stretch>
+              <a:fillRect/>
+            </a:stretch>
+          </p:blipFill>
+          <p:spPr>
+            <a:xfrm>
+              <a:off x="0" y="5239821"/>
+              <a:ext cx="12482996" cy="5255998"/>
+            </a:xfrm>
+            <a:prstGeom prst="rect">
+              <a:avLst/>
+            </a:prstGeom>
+          </p:spPr>
+        </p:pic>
+      </p:grpSp>
+    </p:spTree>
+    <p:extLst>
+      <p:ext uri="{BB962C8B-B14F-4D97-AF65-F5344CB8AC3E}">
+        <p14:creationId xmlns:p14="http://schemas.microsoft.com/office/powerpoint/2010/main" val="3472959167"/>
+      </p:ext>
+    </p:extLst>
+  </p:cSld>
+  <p:clrMapOvr>
+    <a:masterClrMapping/>
+  </p:clrMapOvr>
+</p:sld>
+</file>
+
+<file path=ppt/slides/slide9.xml><?xml version="1.0" encoding="utf-8"?>
+<p:sld xmlns:a="http://schemas.openxmlformats.org/drawingml/2006/main" xmlns:r="http://schemas.openxmlformats.org/officeDocument/2006/relationships" xmlns:p="http://schemas.openxmlformats.org/presentationml/2006/main">
+  <p:cSld>
+    <p:spTree>
+      <p:nvGrpSpPr>
+        <p:cNvPr id="1" name=""/>
+        <p:cNvGrpSpPr/>
+        <p:nvPr/>
+      </p:nvGrpSpPr>
+      <p:grpSpPr>
+        <a:xfrm>
+          <a:off x="0" y="0"/>
+          <a:ext cx="0" cy="0"/>
+          <a:chOff x="0" y="0"/>
+          <a:chExt cx="0" cy="0"/>
+        </a:xfrm>
+      </p:grpSpPr>
       <p:sp>
         <p:nvSpPr>
-          <p:cNvPr id="6" name="CuadroTexto 5">
+          <p:cNvPr id="4" name="CuadroTexto 3">
             <a:extLst>
               <a:ext uri="{FF2B5EF4-FFF2-40B4-BE49-F238E27FC236}">
-                <a16:creationId xmlns:a16="http://schemas.microsoft.com/office/drawing/2014/main" id="{8A557C88-971A-4E32-B55A-23220106EA39}"/>
+                <a16:creationId xmlns:a16="http://schemas.microsoft.com/office/drawing/2014/main" id="{01988C50-F7B1-4116-B5DD-F96A3E04AE8B}"/>
               </a:ext>
             </a:extLst>
           </p:cNvPr>
@@ -5665,8 +8275,8 @@
         </p:nvSpPr>
         <p:spPr>
           <a:xfrm>
-            <a:off x="1373981" y="2239446"/>
-            <a:ext cx="8541544" cy="1290033"/>
+            <a:off x="1638300" y="952500"/>
+            <a:ext cx="8277225" cy="646331"/>
           </a:xfrm>
           <a:prstGeom prst="rect">
             <a:avLst/>
@@ -5674,39 +8284,82 @@
           <a:noFill/>
         </p:spPr>
         <p:txBody>
-          <a:bodyPr wrap="square">
+          <a:bodyPr wrap="square" rtlCol="0">
             <a:spAutoFit/>
           </a:bodyPr>
           <a:lstStyle/>
           <a:p>
-            <a:pPr marL="285750" indent="-285750">
-              <a:lnSpc>
-                <a:spcPct val="150000"/>
-              </a:lnSpc>
-              <a:buFont typeface="Arial" panose="020B0604020202020204" pitchFamily="34" charset="0"/>
-              <a:buChar char="•"/>
-            </a:pPr>
-            <a:r>
-              <a:rPr lang="es-CL" dirty="0"/>
-              <a:t>Como equipo se revisa cada implementación de código, entre prueba y error, correcciones y como resultado una mejora continua.</a:t>
-            </a:r>
-          </a:p>
-          <a:p>
-            <a:pPr marL="285750" indent="-285750">
-              <a:lnSpc>
-                <a:spcPct val="150000"/>
-              </a:lnSpc>
-              <a:buFont typeface="Arial" panose="020B0604020202020204" pitchFamily="34" charset="0"/>
-              <a:buChar char="•"/>
-            </a:pPr>
-            <a:endParaRPr lang="es-CL" u="sng" dirty="0"/>
+            <a:r>
+              <a:rPr lang="es-CL" sz="3600" dirty="0"/>
+              <a:t>SPRINT REVIEW</a:t>
+            </a:r>
           </a:p>
         </p:txBody>
       </p:sp>
+      <p:pic>
+        <p:nvPicPr>
+          <p:cNvPr id="3" name="Imagen 2">
+            <a:extLst>
+              <a:ext uri="{FF2B5EF4-FFF2-40B4-BE49-F238E27FC236}">
+                <a16:creationId xmlns:a16="http://schemas.microsoft.com/office/drawing/2014/main" id="{CC3775CF-F44D-4081-884E-EAD574DDD0DA}"/>
+              </a:ext>
+            </a:extLst>
+          </p:cNvPr>
+          <p:cNvPicPr>
+            <a:picLocks noChangeAspect="1"/>
+          </p:cNvPicPr>
+          <p:nvPr/>
+        </p:nvPicPr>
+        <p:blipFill>
+          <a:blip r:embed="rId2"/>
+          <a:stretch>
+            <a:fillRect/>
+          </a:stretch>
+        </p:blipFill>
+        <p:spPr>
+          <a:xfrm>
+            <a:off x="1436170" y="1811864"/>
+            <a:ext cx="3116580" cy="2495115"/>
+          </a:xfrm>
+          <a:prstGeom prst="rect">
+            <a:avLst/>
+          </a:prstGeom>
+        </p:spPr>
+      </p:pic>
+      <p:pic>
+        <p:nvPicPr>
+          <p:cNvPr id="7" name="Imagen 6">
+            <a:extLst>
+              <a:ext uri="{FF2B5EF4-FFF2-40B4-BE49-F238E27FC236}">
+                <a16:creationId xmlns:a16="http://schemas.microsoft.com/office/drawing/2014/main" id="{B8D9C34E-E314-48CB-A4CF-22A3FE18A0F3}"/>
+              </a:ext>
+            </a:extLst>
+          </p:cNvPr>
+          <p:cNvPicPr>
+            <a:picLocks noChangeAspect="1"/>
+          </p:cNvPicPr>
+          <p:nvPr/>
+        </p:nvPicPr>
+        <p:blipFill>
+          <a:blip r:embed="rId3"/>
+          <a:stretch>
+            <a:fillRect/>
+          </a:stretch>
+        </p:blipFill>
+        <p:spPr>
+          <a:xfrm>
+            <a:off x="5466922" y="1412612"/>
+            <a:ext cx="5633094" cy="3293617"/>
+          </a:xfrm>
+          <a:prstGeom prst="rect">
+            <a:avLst/>
+          </a:prstGeom>
+        </p:spPr>
+      </p:pic>
     </p:spTree>
     <p:extLst>
       <p:ext uri="{BB962C8B-B14F-4D97-AF65-F5344CB8AC3E}">
-        <p14:creationId xmlns:p14="http://schemas.microsoft.com/office/powerpoint/2010/main" val="1069133993"/>
+        <p14:creationId xmlns:p14="http://schemas.microsoft.com/office/powerpoint/2010/main" val="3104138803"/>
       </p:ext>
     </p:extLst>
   </p:cSld>
@@ -5730,36 +8383,36 @@
         <a:srgbClr val="454545"/>
       </a:dk2>
       <a:lt2>
-        <a:srgbClr val="DFDBD5"/>
+        <a:srgbClr val="DCDCE0"/>
       </a:lt2>
       <a:accent1>
-        <a:srgbClr val="B71E42"/>
+        <a:srgbClr val="415588"/>
       </a:accent1>
       <a:accent2>
-        <a:srgbClr val="DE478E"/>
+        <a:srgbClr val="4294B6"/>
       </a:accent2>
       <a:accent3>
-        <a:srgbClr val="BC72F0"/>
+        <a:srgbClr val="087D7C"/>
       </a:accent3>
       <a:accent4>
-        <a:srgbClr val="795FAF"/>
+        <a:srgbClr val="2CB663"/>
       </a:accent4>
       <a:accent5>
-        <a:srgbClr val="586EA6"/>
+        <a:srgbClr val="DF8822"/>
       </a:accent5>
       <a:accent6>
-        <a:srgbClr val="6892A0"/>
+        <a:srgbClr val="BC410A"/>
       </a:accent6>
       <a:hlink>
-        <a:srgbClr val="FA2B5C"/>
+        <a:srgbClr val="5977C4"/>
       </a:hlink>
       <a:folHlink>
-        <a:srgbClr val="BC658E"/>
+        <a:srgbClr val="A1A9BF"/>
       </a:folHlink>
     </a:clrScheme>
     <a:fontScheme name="Galería">
       <a:majorFont>
-        <a:latin typeface="Gill Sans MT" panose="020B0502020104020203"/>
+        <a:latin typeface="Century Gothic" panose="020B0502020202020204"/>
         <a:ea typeface=""/>
         <a:cs typeface=""/>
         <a:font script="Jpan" typeface="游ゴシック Light"/>
@@ -5794,7 +8447,7 @@
         <a:font script="Geor" typeface="Sylfaen"/>
       </a:majorFont>
       <a:minorFont>
-        <a:latin typeface="Gill Sans MT" panose="020B0502020104020203"/>
+        <a:latin typeface="Century Gothic" panose="020B0502020202020204"/>
         <a:ea typeface=""/>
         <a:cs typeface=""/>
         <a:font script="Jpan" typeface="游ゴシック"/>
@@ -5949,6 +8602,7 @@
             <a:gs pos="100000">
               <a:schemeClr val="phClr">
                 <a:shade val="80000"/>
+                <a:lumMod val="108000"/>
               </a:schemeClr>
             </a:gs>
           </a:gsLst>
@@ -5963,7 +8617,7 @@
   <a:extraClrSchemeLst/>
   <a:extLst>
     <a:ext uri="{05A4C25C-085E-4340-85A3-A5531E510DB2}">
-      <thm15:themeFamily xmlns:thm15="http://schemas.microsoft.com/office/thememl/2012/main" name="Gallery" id="{BBFCD31E-59A1-489D-B089-A3EAD7CAE12E}" vid="{F5E91637-A7B6-4E27-B710-77DA7014EE1E}"/>
+      <thm15:themeFamily xmlns:thm15="http://schemas.microsoft.com/office/thememl/2012/main" name="Gallery" id="{BBFCD31E-59A1-489D-B089-A3EAD7CAE12E}" vid="{E050AC27-895F-4B90-991D-A6818FC89AB6}"/>
     </a:ext>
   </a:extLst>
 </a:theme>
